--- a/sor/TP - Redes/Informe/Diagramas.pptx
+++ b/sor/TP - Redes/Informe/Diagramas.pptx
@@ -2,18 +2,18 @@
 <file path=ppt/presentation.xml><?xml version="1.0" encoding="utf-8"?>
 <p:presentation xmlns:a="http://schemas.openxmlformats.org/drawingml/2006/main" xmlns:r="http://schemas.openxmlformats.org/officeDocument/2006/relationships" xmlns:p="http://schemas.openxmlformats.org/presentationml/2006/main" saveSubsetFonts="1">
   <p:sldMasterIdLst>
-    <p:sldMasterId id="2147483648" r:id="rId1"/>
+    <p:sldMasterId id="2147483660" r:id="rId1"/>
   </p:sldMasterIdLst>
   <p:sldIdLst>
-    <p:sldId id="256" r:id="rId2"/>
+    <p:sldId id="257" r:id="rId2"/>
   </p:sldIdLst>
-  <p:sldSz cx="12192000" cy="6858000"/>
+  <p:sldSz cx="6858000" cy="12192000"/>
   <p:notesSz cx="6858000" cy="9144000"/>
   <p:defaultTextStyle>
     <a:defPPr>
-      <a:defRPr lang="es-AR"/>
+      <a:defRPr lang="en-US"/>
     </a:defPPr>
-    <a:lvl1pPr marL="0" algn="l" defTabSz="914400" rtl="0" eaLnBrk="1" latinLnBrk="0" hangingPunct="1">
+    <a:lvl1pPr marL="0" algn="l" defTabSz="457200" rtl="0" eaLnBrk="1" latinLnBrk="0" hangingPunct="1">
       <a:defRPr sz="1800" kern="1200">
         <a:solidFill>
           <a:schemeClr val="tx1"/>
@@ -23,7 +23,7 @@
         <a:cs typeface="+mn-cs"/>
       </a:defRPr>
     </a:lvl1pPr>
-    <a:lvl2pPr marL="457200" algn="l" defTabSz="914400" rtl="0" eaLnBrk="1" latinLnBrk="0" hangingPunct="1">
+    <a:lvl2pPr marL="457200" algn="l" defTabSz="457200" rtl="0" eaLnBrk="1" latinLnBrk="0" hangingPunct="1">
       <a:defRPr sz="1800" kern="1200">
         <a:solidFill>
           <a:schemeClr val="tx1"/>
@@ -33,7 +33,7 @@
         <a:cs typeface="+mn-cs"/>
       </a:defRPr>
     </a:lvl2pPr>
-    <a:lvl3pPr marL="914400" algn="l" defTabSz="914400" rtl="0" eaLnBrk="1" latinLnBrk="0" hangingPunct="1">
+    <a:lvl3pPr marL="914400" algn="l" defTabSz="457200" rtl="0" eaLnBrk="1" latinLnBrk="0" hangingPunct="1">
       <a:defRPr sz="1800" kern="1200">
         <a:solidFill>
           <a:schemeClr val="tx1"/>
@@ -43,7 +43,7 @@
         <a:cs typeface="+mn-cs"/>
       </a:defRPr>
     </a:lvl3pPr>
-    <a:lvl4pPr marL="1371600" algn="l" defTabSz="914400" rtl="0" eaLnBrk="1" latinLnBrk="0" hangingPunct="1">
+    <a:lvl4pPr marL="1371600" algn="l" defTabSz="457200" rtl="0" eaLnBrk="1" latinLnBrk="0" hangingPunct="1">
       <a:defRPr sz="1800" kern="1200">
         <a:solidFill>
           <a:schemeClr val="tx1"/>
@@ -53,7 +53,7 @@
         <a:cs typeface="+mn-cs"/>
       </a:defRPr>
     </a:lvl4pPr>
-    <a:lvl5pPr marL="1828800" algn="l" defTabSz="914400" rtl="0" eaLnBrk="1" latinLnBrk="0" hangingPunct="1">
+    <a:lvl5pPr marL="1828800" algn="l" defTabSz="457200" rtl="0" eaLnBrk="1" latinLnBrk="0" hangingPunct="1">
       <a:defRPr sz="1800" kern="1200">
         <a:solidFill>
           <a:schemeClr val="tx1"/>
@@ -63,7 +63,7 @@
         <a:cs typeface="+mn-cs"/>
       </a:defRPr>
     </a:lvl5pPr>
-    <a:lvl6pPr marL="2286000" algn="l" defTabSz="914400" rtl="0" eaLnBrk="1" latinLnBrk="0" hangingPunct="1">
+    <a:lvl6pPr marL="2286000" algn="l" defTabSz="457200" rtl="0" eaLnBrk="1" latinLnBrk="0" hangingPunct="1">
       <a:defRPr sz="1800" kern="1200">
         <a:solidFill>
           <a:schemeClr val="tx1"/>
@@ -73,7 +73,7 @@
         <a:cs typeface="+mn-cs"/>
       </a:defRPr>
     </a:lvl6pPr>
-    <a:lvl7pPr marL="2743200" algn="l" defTabSz="914400" rtl="0" eaLnBrk="1" latinLnBrk="0" hangingPunct="1">
+    <a:lvl7pPr marL="2743200" algn="l" defTabSz="457200" rtl="0" eaLnBrk="1" latinLnBrk="0" hangingPunct="1">
       <a:defRPr sz="1800" kern="1200">
         <a:solidFill>
           <a:schemeClr val="tx1"/>
@@ -83,7 +83,7 @@
         <a:cs typeface="+mn-cs"/>
       </a:defRPr>
     </a:lvl7pPr>
-    <a:lvl8pPr marL="3200400" algn="l" defTabSz="914400" rtl="0" eaLnBrk="1" latinLnBrk="0" hangingPunct="1">
+    <a:lvl8pPr marL="3200400" algn="l" defTabSz="457200" rtl="0" eaLnBrk="1" latinLnBrk="0" hangingPunct="1">
       <a:defRPr sz="1800" kern="1200">
         <a:solidFill>
           <a:schemeClr val="tx1"/>
@@ -93,7 +93,7 @@
         <a:cs typeface="+mn-cs"/>
       </a:defRPr>
     </a:lvl8pPr>
-    <a:lvl9pPr marL="3657600" algn="l" defTabSz="914400" rtl="0" eaLnBrk="1" latinLnBrk="0" hangingPunct="1">
+    <a:lvl9pPr marL="3657600" algn="l" defTabSz="457200" rtl="0" eaLnBrk="1" latinLnBrk="0" hangingPunct="1">
       <a:defRPr sz="1800" kern="1200">
         <a:solidFill>
           <a:schemeClr val="tx1"/>
@@ -126,13 +126,7 @@
       </p:grpSpPr>
       <p:sp>
         <p:nvSpPr>
-          <p:cNvPr id="2" name="Título 1">
-            <a:extLst>
-              <a:ext uri="{FF2B5EF4-FFF2-40B4-BE49-F238E27FC236}">
-                <a16:creationId xmlns:a16="http://schemas.microsoft.com/office/drawing/2014/main" id="{439FBCA0-BF5B-A61B-CF0B-98B21DFD0755}"/>
-              </a:ext>
-            </a:extLst>
-          </p:cNvPr>
+          <p:cNvPr id="2" name="Title 1"/>
           <p:cNvSpPr>
             <a:spLocks noGrp="1"/>
           </p:cNvSpPr>
@@ -142,15 +136,15 @@
         </p:nvSpPr>
         <p:spPr>
           <a:xfrm>
-            <a:off x="1524000" y="1122363"/>
-            <a:ext cx="9144000" cy="2387600"/>
+            <a:off x="514350" y="1995312"/>
+            <a:ext cx="5829300" cy="4244622"/>
           </a:xfrm>
         </p:spPr>
         <p:txBody>
           <a:bodyPr anchor="b"/>
           <a:lstStyle>
             <a:lvl1pPr algn="ctr">
-              <a:defRPr sz="6000"/>
+              <a:defRPr sz="4500"/>
             </a:lvl1pPr>
           </a:lstStyle>
           <a:p>
@@ -158,19 +152,13 @@
               <a:rPr lang="es-ES"/>
               <a:t>Haga clic para modificar el estilo de título del patrón</a:t>
             </a:r>
-            <a:endParaRPr lang="es-AR"/>
+            <a:endParaRPr lang="en-US" dirty="0"/>
           </a:p>
         </p:txBody>
       </p:sp>
       <p:sp>
         <p:nvSpPr>
-          <p:cNvPr id="3" name="Subtítulo 2">
-            <a:extLst>
-              <a:ext uri="{FF2B5EF4-FFF2-40B4-BE49-F238E27FC236}">
-                <a16:creationId xmlns:a16="http://schemas.microsoft.com/office/drawing/2014/main" id="{8FD6F7B8-1F46-4559-5972-4E335A62A8DB}"/>
-              </a:ext>
-            </a:extLst>
-          </p:cNvPr>
+          <p:cNvPr id="3" name="Subtitle 2"/>
           <p:cNvSpPr>
             <a:spLocks noGrp="1"/>
           </p:cNvSpPr>
@@ -180,8 +168,8 @@
         </p:nvSpPr>
         <p:spPr>
           <a:xfrm>
-            <a:off x="1524000" y="3602038"/>
-            <a:ext cx="9144000" cy="1655762"/>
+            <a:off x="857250" y="6403623"/>
+            <a:ext cx="5143500" cy="2943577"/>
           </a:xfrm>
         </p:spPr>
         <p:txBody>
@@ -189,39 +177,39 @@
           <a:lstStyle>
             <a:lvl1pPr marL="0" indent="0" algn="ctr">
               <a:buNone/>
-              <a:defRPr sz="2400"/>
+              <a:defRPr sz="1800"/>
             </a:lvl1pPr>
-            <a:lvl2pPr marL="457200" indent="0" algn="ctr">
+            <a:lvl2pPr marL="342900" indent="0" algn="ctr">
               <a:buNone/>
-              <a:defRPr sz="2000"/>
+              <a:defRPr sz="1500"/>
             </a:lvl2pPr>
-            <a:lvl3pPr marL="914400" indent="0" algn="ctr">
+            <a:lvl3pPr marL="685800" indent="0" algn="ctr">
               <a:buNone/>
-              <a:defRPr sz="1800"/>
+              <a:defRPr sz="1350"/>
             </a:lvl3pPr>
-            <a:lvl4pPr marL="1371600" indent="0" algn="ctr">
+            <a:lvl4pPr marL="1028700" indent="0" algn="ctr">
               <a:buNone/>
-              <a:defRPr sz="1600"/>
+              <a:defRPr sz="1200"/>
             </a:lvl4pPr>
-            <a:lvl5pPr marL="1828800" indent="0" algn="ctr">
+            <a:lvl5pPr marL="1371600" indent="0" algn="ctr">
               <a:buNone/>
-              <a:defRPr sz="1600"/>
+              <a:defRPr sz="1200"/>
             </a:lvl5pPr>
-            <a:lvl6pPr marL="2286000" indent="0" algn="ctr">
+            <a:lvl6pPr marL="1714500" indent="0" algn="ctr">
               <a:buNone/>
-              <a:defRPr sz="1600"/>
+              <a:defRPr sz="1200"/>
             </a:lvl6pPr>
-            <a:lvl7pPr marL="2743200" indent="0" algn="ctr">
+            <a:lvl7pPr marL="2057400" indent="0" algn="ctr">
               <a:buNone/>
-              <a:defRPr sz="1600"/>
+              <a:defRPr sz="1200"/>
             </a:lvl7pPr>
-            <a:lvl8pPr marL="3200400" indent="0" algn="ctr">
+            <a:lvl8pPr marL="2400300" indent="0" algn="ctr">
               <a:buNone/>
-              <a:defRPr sz="1600"/>
+              <a:defRPr sz="1200"/>
             </a:lvl8pPr>
-            <a:lvl9pPr marL="3657600" indent="0" algn="ctr">
+            <a:lvl9pPr marL="2743200" indent="0" algn="ctr">
               <a:buNone/>
-              <a:defRPr sz="1600"/>
+              <a:defRPr sz="1200"/>
             </a:lvl9pPr>
           </a:lstStyle>
           <a:p>
@@ -229,19 +217,13 @@
               <a:rPr lang="es-ES"/>
               <a:t>Haga clic para modificar el estilo de subtítulo del patrón</a:t>
             </a:r>
-            <a:endParaRPr lang="es-AR"/>
+            <a:endParaRPr lang="en-US" dirty="0"/>
           </a:p>
         </p:txBody>
       </p:sp>
       <p:sp>
         <p:nvSpPr>
-          <p:cNvPr id="4" name="Marcador de fecha 3">
-            <a:extLst>
-              <a:ext uri="{FF2B5EF4-FFF2-40B4-BE49-F238E27FC236}">
-                <a16:creationId xmlns:a16="http://schemas.microsoft.com/office/drawing/2014/main" id="{64656B9D-22FD-A604-A411-1BD69F682D0E}"/>
-              </a:ext>
-            </a:extLst>
-          </p:cNvPr>
+          <p:cNvPr id="4" name="Date Placeholder 3"/>
           <p:cNvSpPr>
             <a:spLocks noGrp="1"/>
           </p:cNvSpPr>
@@ -264,13 +246,7 @@
       </p:sp>
       <p:sp>
         <p:nvSpPr>
-          <p:cNvPr id="5" name="Marcador de pie de página 4">
-            <a:extLst>
-              <a:ext uri="{FF2B5EF4-FFF2-40B4-BE49-F238E27FC236}">
-                <a16:creationId xmlns:a16="http://schemas.microsoft.com/office/drawing/2014/main" id="{3EB73DF8-F52F-231D-A260-EBBA4F56A1FE}"/>
-              </a:ext>
-            </a:extLst>
-          </p:cNvPr>
+          <p:cNvPr id="5" name="Footer Placeholder 4"/>
           <p:cNvSpPr>
             <a:spLocks noGrp="1"/>
           </p:cNvSpPr>
@@ -289,13 +265,7 @@
       </p:sp>
       <p:sp>
         <p:nvSpPr>
-          <p:cNvPr id="6" name="Marcador de número de diapositiva 5">
-            <a:extLst>
-              <a:ext uri="{FF2B5EF4-FFF2-40B4-BE49-F238E27FC236}">
-                <a16:creationId xmlns:a16="http://schemas.microsoft.com/office/drawing/2014/main" id="{EA79119A-7624-1E66-A083-048765B83281}"/>
-              </a:ext>
-            </a:extLst>
-          </p:cNvPr>
+          <p:cNvPr id="6" name="Slide Number Placeholder 5"/>
           <p:cNvSpPr>
             <a:spLocks noGrp="1"/>
           </p:cNvSpPr>
@@ -319,7 +289,7 @@
     </p:spTree>
     <p:extLst>
       <p:ext uri="{BB962C8B-B14F-4D97-AF65-F5344CB8AC3E}">
-        <p14:creationId xmlns:p14="http://schemas.microsoft.com/office/powerpoint/2010/main" val="2259675837"/>
+        <p14:creationId xmlns:p14="http://schemas.microsoft.com/office/powerpoint/2010/main" val="2463602858"/>
       </p:ext>
     </p:extLst>
   </p:cSld>
@@ -348,13 +318,7 @@
       </p:grpSpPr>
       <p:sp>
         <p:nvSpPr>
-          <p:cNvPr id="2" name="Título 1">
-            <a:extLst>
-              <a:ext uri="{FF2B5EF4-FFF2-40B4-BE49-F238E27FC236}">
-                <a16:creationId xmlns:a16="http://schemas.microsoft.com/office/drawing/2014/main" id="{DE3DF1E5-4493-D570-79C8-54E5EE2BE4FF}"/>
-              </a:ext>
-            </a:extLst>
-          </p:cNvPr>
+          <p:cNvPr id="2" name="Title 1"/>
           <p:cNvSpPr>
             <a:spLocks noGrp="1"/>
           </p:cNvSpPr>
@@ -371,19 +335,13 @@
               <a:rPr lang="es-ES"/>
               <a:t>Haga clic para modificar el estilo de título del patrón</a:t>
             </a:r>
-            <a:endParaRPr lang="es-AR"/>
+            <a:endParaRPr lang="en-US" dirty="0"/>
           </a:p>
         </p:txBody>
       </p:sp>
       <p:sp>
         <p:nvSpPr>
-          <p:cNvPr id="3" name="Marcador de texto vertical 2">
-            <a:extLst>
-              <a:ext uri="{FF2B5EF4-FFF2-40B4-BE49-F238E27FC236}">
-                <a16:creationId xmlns:a16="http://schemas.microsoft.com/office/drawing/2014/main" id="{C359C983-4794-34DF-535A-2CE5974AC6D5}"/>
-              </a:ext>
-            </a:extLst>
-          </p:cNvPr>
+          <p:cNvPr id="3" name="Vertical Text Placeholder 2"/>
           <p:cNvSpPr>
             <a:spLocks noGrp="1"/>
           </p:cNvSpPr>
@@ -429,19 +387,13 @@
               <a:rPr lang="es-ES"/>
               <a:t>Quinto nivel</a:t>
             </a:r>
-            <a:endParaRPr lang="es-AR"/>
+            <a:endParaRPr lang="en-US" dirty="0"/>
           </a:p>
         </p:txBody>
       </p:sp>
       <p:sp>
         <p:nvSpPr>
-          <p:cNvPr id="4" name="Marcador de fecha 3">
-            <a:extLst>
-              <a:ext uri="{FF2B5EF4-FFF2-40B4-BE49-F238E27FC236}">
-                <a16:creationId xmlns:a16="http://schemas.microsoft.com/office/drawing/2014/main" id="{21F7E39A-9640-592D-462F-B3B15F5469A3}"/>
-              </a:ext>
-            </a:extLst>
-          </p:cNvPr>
+          <p:cNvPr id="4" name="Date Placeholder 3"/>
           <p:cNvSpPr>
             <a:spLocks noGrp="1"/>
           </p:cNvSpPr>
@@ -464,13 +416,7 @@
       </p:sp>
       <p:sp>
         <p:nvSpPr>
-          <p:cNvPr id="5" name="Marcador de pie de página 4">
-            <a:extLst>
-              <a:ext uri="{FF2B5EF4-FFF2-40B4-BE49-F238E27FC236}">
-                <a16:creationId xmlns:a16="http://schemas.microsoft.com/office/drawing/2014/main" id="{615DC1D5-9364-B203-843F-3243E74CB4DC}"/>
-              </a:ext>
-            </a:extLst>
-          </p:cNvPr>
+          <p:cNvPr id="5" name="Footer Placeholder 4"/>
           <p:cNvSpPr>
             <a:spLocks noGrp="1"/>
           </p:cNvSpPr>
@@ -489,13 +435,7 @@
       </p:sp>
       <p:sp>
         <p:nvSpPr>
-          <p:cNvPr id="6" name="Marcador de número de diapositiva 5">
-            <a:extLst>
-              <a:ext uri="{FF2B5EF4-FFF2-40B4-BE49-F238E27FC236}">
-                <a16:creationId xmlns:a16="http://schemas.microsoft.com/office/drawing/2014/main" id="{81CD6A1B-6B6C-6C5A-A610-1EBCDB0225F2}"/>
-              </a:ext>
-            </a:extLst>
-          </p:cNvPr>
+          <p:cNvPr id="6" name="Slide Number Placeholder 5"/>
           <p:cNvSpPr>
             <a:spLocks noGrp="1"/>
           </p:cNvSpPr>
@@ -519,7 +459,7 @@
     </p:spTree>
     <p:extLst>
       <p:ext uri="{BB962C8B-B14F-4D97-AF65-F5344CB8AC3E}">
-        <p14:creationId xmlns:p14="http://schemas.microsoft.com/office/powerpoint/2010/main" val="2650393808"/>
+        <p14:creationId xmlns:p14="http://schemas.microsoft.com/office/powerpoint/2010/main" val="3776336385"/>
       </p:ext>
     </p:extLst>
   </p:cSld>
@@ -548,13 +488,7 @@
       </p:grpSpPr>
       <p:sp>
         <p:nvSpPr>
-          <p:cNvPr id="2" name="Título vertical 1">
-            <a:extLst>
-              <a:ext uri="{FF2B5EF4-FFF2-40B4-BE49-F238E27FC236}">
-                <a16:creationId xmlns:a16="http://schemas.microsoft.com/office/drawing/2014/main" id="{9ED3D4CB-1719-8F11-A784-B13CC1AD0997}"/>
-              </a:ext>
-            </a:extLst>
-          </p:cNvPr>
+          <p:cNvPr id="2" name="Vertical Title 1"/>
           <p:cNvSpPr>
             <a:spLocks noGrp="1"/>
           </p:cNvSpPr>
@@ -564,8 +498,8 @@
         </p:nvSpPr>
         <p:spPr>
           <a:xfrm>
-            <a:off x="8724900" y="365125"/>
-            <a:ext cx="2628900" cy="5811838"/>
+            <a:off x="4907757" y="649111"/>
+            <a:ext cx="1478756" cy="10332156"/>
           </a:xfrm>
         </p:spPr>
         <p:txBody>
@@ -576,19 +510,13 @@
               <a:rPr lang="es-ES"/>
               <a:t>Haga clic para modificar el estilo de título del patrón</a:t>
             </a:r>
-            <a:endParaRPr lang="es-AR"/>
+            <a:endParaRPr lang="en-US" dirty="0"/>
           </a:p>
         </p:txBody>
       </p:sp>
       <p:sp>
         <p:nvSpPr>
-          <p:cNvPr id="3" name="Marcador de texto vertical 2">
-            <a:extLst>
-              <a:ext uri="{FF2B5EF4-FFF2-40B4-BE49-F238E27FC236}">
-                <a16:creationId xmlns:a16="http://schemas.microsoft.com/office/drawing/2014/main" id="{1A806D7B-AF00-17DB-0294-CAF14575A9ED}"/>
-              </a:ext>
-            </a:extLst>
-          </p:cNvPr>
+          <p:cNvPr id="3" name="Vertical Text Placeholder 2"/>
           <p:cNvSpPr>
             <a:spLocks noGrp="1"/>
           </p:cNvSpPr>
@@ -598,8 +526,8 @@
         </p:nvSpPr>
         <p:spPr>
           <a:xfrm>
-            <a:off x="838200" y="365125"/>
-            <a:ext cx="7734300" cy="5811838"/>
+            <a:off x="471488" y="649111"/>
+            <a:ext cx="4350544" cy="10332156"/>
           </a:xfrm>
         </p:spPr>
         <p:txBody>
@@ -639,19 +567,13 @@
               <a:rPr lang="es-ES"/>
               <a:t>Quinto nivel</a:t>
             </a:r>
-            <a:endParaRPr lang="es-AR"/>
+            <a:endParaRPr lang="en-US" dirty="0"/>
           </a:p>
         </p:txBody>
       </p:sp>
       <p:sp>
         <p:nvSpPr>
-          <p:cNvPr id="4" name="Marcador de fecha 3">
-            <a:extLst>
-              <a:ext uri="{FF2B5EF4-FFF2-40B4-BE49-F238E27FC236}">
-                <a16:creationId xmlns:a16="http://schemas.microsoft.com/office/drawing/2014/main" id="{4598E8CC-72C8-91F7-00B0-8887DC734431}"/>
-              </a:ext>
-            </a:extLst>
-          </p:cNvPr>
+          <p:cNvPr id="4" name="Date Placeholder 3"/>
           <p:cNvSpPr>
             <a:spLocks noGrp="1"/>
           </p:cNvSpPr>
@@ -674,13 +596,7 @@
       </p:sp>
       <p:sp>
         <p:nvSpPr>
-          <p:cNvPr id="5" name="Marcador de pie de página 4">
-            <a:extLst>
-              <a:ext uri="{FF2B5EF4-FFF2-40B4-BE49-F238E27FC236}">
-                <a16:creationId xmlns:a16="http://schemas.microsoft.com/office/drawing/2014/main" id="{78F67111-F732-A499-E7F2-08770B15A624}"/>
-              </a:ext>
-            </a:extLst>
-          </p:cNvPr>
+          <p:cNvPr id="5" name="Footer Placeholder 4"/>
           <p:cNvSpPr>
             <a:spLocks noGrp="1"/>
           </p:cNvSpPr>
@@ -699,13 +615,7 @@
       </p:sp>
       <p:sp>
         <p:nvSpPr>
-          <p:cNvPr id="6" name="Marcador de número de diapositiva 5">
-            <a:extLst>
-              <a:ext uri="{FF2B5EF4-FFF2-40B4-BE49-F238E27FC236}">
-                <a16:creationId xmlns:a16="http://schemas.microsoft.com/office/drawing/2014/main" id="{6E9AC84B-D2F7-3B29-FC93-4C984D90CF6A}"/>
-              </a:ext>
-            </a:extLst>
-          </p:cNvPr>
+          <p:cNvPr id="6" name="Slide Number Placeholder 5"/>
           <p:cNvSpPr>
             <a:spLocks noGrp="1"/>
           </p:cNvSpPr>
@@ -729,7 +639,7 @@
     </p:spTree>
     <p:extLst>
       <p:ext uri="{BB962C8B-B14F-4D97-AF65-F5344CB8AC3E}">
-        <p14:creationId xmlns:p14="http://schemas.microsoft.com/office/powerpoint/2010/main" val="2419040625"/>
+        <p14:creationId xmlns:p14="http://schemas.microsoft.com/office/powerpoint/2010/main" val="4135508777"/>
       </p:ext>
     </p:extLst>
   </p:cSld>
@@ -758,13 +668,7 @@
       </p:grpSpPr>
       <p:sp>
         <p:nvSpPr>
-          <p:cNvPr id="2" name="Título 1">
-            <a:extLst>
-              <a:ext uri="{FF2B5EF4-FFF2-40B4-BE49-F238E27FC236}">
-                <a16:creationId xmlns:a16="http://schemas.microsoft.com/office/drawing/2014/main" id="{E61CA375-9B60-3DDF-A119-5149830A06A8}"/>
-              </a:ext>
-            </a:extLst>
-          </p:cNvPr>
+          <p:cNvPr id="2" name="Title 1"/>
           <p:cNvSpPr>
             <a:spLocks noGrp="1"/>
           </p:cNvSpPr>
@@ -781,19 +685,13 @@
               <a:rPr lang="es-ES"/>
               <a:t>Haga clic para modificar el estilo de título del patrón</a:t>
             </a:r>
-            <a:endParaRPr lang="es-AR"/>
+            <a:endParaRPr lang="en-US" dirty="0"/>
           </a:p>
         </p:txBody>
       </p:sp>
       <p:sp>
         <p:nvSpPr>
-          <p:cNvPr id="3" name="Marcador de contenido 2">
-            <a:extLst>
-              <a:ext uri="{FF2B5EF4-FFF2-40B4-BE49-F238E27FC236}">
-                <a16:creationId xmlns:a16="http://schemas.microsoft.com/office/drawing/2014/main" id="{68A9E36E-956F-C87C-22DA-0BC4D41FAD27}"/>
-              </a:ext>
-            </a:extLst>
-          </p:cNvPr>
+          <p:cNvPr id="3" name="Content Placeholder 2"/>
           <p:cNvSpPr>
             <a:spLocks noGrp="1"/>
           </p:cNvSpPr>
@@ -839,19 +737,13 @@
               <a:rPr lang="es-ES"/>
               <a:t>Quinto nivel</a:t>
             </a:r>
-            <a:endParaRPr lang="es-AR"/>
+            <a:endParaRPr lang="en-US" dirty="0"/>
           </a:p>
         </p:txBody>
       </p:sp>
       <p:sp>
         <p:nvSpPr>
-          <p:cNvPr id="4" name="Marcador de fecha 3">
-            <a:extLst>
-              <a:ext uri="{FF2B5EF4-FFF2-40B4-BE49-F238E27FC236}">
-                <a16:creationId xmlns:a16="http://schemas.microsoft.com/office/drawing/2014/main" id="{EBEFD733-5776-4FDA-EF10-CC92CAE4790D}"/>
-              </a:ext>
-            </a:extLst>
-          </p:cNvPr>
+          <p:cNvPr id="4" name="Date Placeholder 3"/>
           <p:cNvSpPr>
             <a:spLocks noGrp="1"/>
           </p:cNvSpPr>
@@ -874,13 +766,7 @@
       </p:sp>
       <p:sp>
         <p:nvSpPr>
-          <p:cNvPr id="5" name="Marcador de pie de página 4">
-            <a:extLst>
-              <a:ext uri="{FF2B5EF4-FFF2-40B4-BE49-F238E27FC236}">
-                <a16:creationId xmlns:a16="http://schemas.microsoft.com/office/drawing/2014/main" id="{9E09A840-F5D0-D067-2BD2-307056BB8B6F}"/>
-              </a:ext>
-            </a:extLst>
-          </p:cNvPr>
+          <p:cNvPr id="5" name="Footer Placeholder 4"/>
           <p:cNvSpPr>
             <a:spLocks noGrp="1"/>
           </p:cNvSpPr>
@@ -899,13 +785,7 @@
       </p:sp>
       <p:sp>
         <p:nvSpPr>
-          <p:cNvPr id="6" name="Marcador de número de diapositiva 5">
-            <a:extLst>
-              <a:ext uri="{FF2B5EF4-FFF2-40B4-BE49-F238E27FC236}">
-                <a16:creationId xmlns:a16="http://schemas.microsoft.com/office/drawing/2014/main" id="{19D8D892-200A-492B-9961-BD6C13338529}"/>
-              </a:ext>
-            </a:extLst>
-          </p:cNvPr>
+          <p:cNvPr id="6" name="Slide Number Placeholder 5"/>
           <p:cNvSpPr>
             <a:spLocks noGrp="1"/>
           </p:cNvSpPr>
@@ -929,7 +809,7 @@
     </p:spTree>
     <p:extLst>
       <p:ext uri="{BB962C8B-B14F-4D97-AF65-F5344CB8AC3E}">
-        <p14:creationId xmlns:p14="http://schemas.microsoft.com/office/powerpoint/2010/main" val="2192727145"/>
+        <p14:creationId xmlns:p14="http://schemas.microsoft.com/office/powerpoint/2010/main" val="2831744815"/>
       </p:ext>
     </p:extLst>
   </p:cSld>
@@ -958,13 +838,7 @@
       </p:grpSpPr>
       <p:sp>
         <p:nvSpPr>
-          <p:cNvPr id="2" name="Título 1">
-            <a:extLst>
-              <a:ext uri="{FF2B5EF4-FFF2-40B4-BE49-F238E27FC236}">
-                <a16:creationId xmlns:a16="http://schemas.microsoft.com/office/drawing/2014/main" id="{044F12CB-EED6-E771-44E6-601DADB57D66}"/>
-              </a:ext>
-            </a:extLst>
-          </p:cNvPr>
+          <p:cNvPr id="2" name="Title 1"/>
           <p:cNvSpPr>
             <a:spLocks noGrp="1"/>
           </p:cNvSpPr>
@@ -974,15 +848,15 @@
         </p:nvSpPr>
         <p:spPr>
           <a:xfrm>
-            <a:off x="831850" y="1709738"/>
-            <a:ext cx="10515600" cy="2852737"/>
+            <a:off x="467916" y="3039537"/>
+            <a:ext cx="5915025" cy="5071532"/>
           </a:xfrm>
         </p:spPr>
         <p:txBody>
           <a:bodyPr anchor="b"/>
           <a:lstStyle>
             <a:lvl1pPr>
-              <a:defRPr sz="6000"/>
+              <a:defRPr sz="4500"/>
             </a:lvl1pPr>
           </a:lstStyle>
           <a:p>
@@ -990,19 +864,13 @@
               <a:rPr lang="es-ES"/>
               <a:t>Haga clic para modificar el estilo de título del patrón</a:t>
             </a:r>
-            <a:endParaRPr lang="es-AR"/>
+            <a:endParaRPr lang="en-US" dirty="0"/>
           </a:p>
         </p:txBody>
       </p:sp>
       <p:sp>
         <p:nvSpPr>
-          <p:cNvPr id="3" name="Marcador de texto 2">
-            <a:extLst>
-              <a:ext uri="{FF2B5EF4-FFF2-40B4-BE49-F238E27FC236}">
-                <a16:creationId xmlns:a16="http://schemas.microsoft.com/office/drawing/2014/main" id="{30FAD3E4-9CBD-C340-76C7-CE9EABFC4DB5}"/>
-              </a:ext>
-            </a:extLst>
-          </p:cNvPr>
+          <p:cNvPr id="3" name="Text Placeholder 2"/>
           <p:cNvSpPr>
             <a:spLocks noGrp="1"/>
           </p:cNvSpPr>
@@ -1012,34 +880,14 @@
         </p:nvSpPr>
         <p:spPr>
           <a:xfrm>
-            <a:off x="831850" y="4589463"/>
-            <a:ext cx="10515600" cy="1500187"/>
+            <a:off x="467916" y="8159048"/>
+            <a:ext cx="5915025" cy="2666999"/>
           </a:xfrm>
         </p:spPr>
         <p:txBody>
           <a:bodyPr/>
           <a:lstStyle>
             <a:lvl1pPr marL="0" indent="0">
-              <a:buNone/>
-              <a:defRPr sz="2400">
-                <a:solidFill>
-                  <a:schemeClr val="tx1">
-                    <a:tint val="82000"/>
-                  </a:schemeClr>
-                </a:solidFill>
-              </a:defRPr>
-            </a:lvl1pPr>
-            <a:lvl2pPr marL="457200" indent="0">
-              <a:buNone/>
-              <a:defRPr sz="2000">
-                <a:solidFill>
-                  <a:schemeClr val="tx1">
-                    <a:tint val="82000"/>
-                  </a:schemeClr>
-                </a:solidFill>
-              </a:defRPr>
-            </a:lvl2pPr>
-            <a:lvl3pPr marL="914400" indent="0">
               <a:buNone/>
               <a:defRPr sz="1800">
                 <a:solidFill>
@@ -1048,10 +896,30 @@
                   </a:schemeClr>
                 </a:solidFill>
               </a:defRPr>
+            </a:lvl1pPr>
+            <a:lvl2pPr marL="342900" indent="0">
+              <a:buNone/>
+              <a:defRPr sz="1500">
+                <a:solidFill>
+                  <a:schemeClr val="tx1">
+                    <a:tint val="82000"/>
+                  </a:schemeClr>
+                </a:solidFill>
+              </a:defRPr>
+            </a:lvl2pPr>
+            <a:lvl3pPr marL="685800" indent="0">
+              <a:buNone/>
+              <a:defRPr sz="1350">
+                <a:solidFill>
+                  <a:schemeClr val="tx1">
+                    <a:tint val="82000"/>
+                  </a:schemeClr>
+                </a:solidFill>
+              </a:defRPr>
             </a:lvl3pPr>
-            <a:lvl4pPr marL="1371600" indent="0">
+            <a:lvl4pPr marL="1028700" indent="0">
               <a:buNone/>
-              <a:defRPr sz="1600">
+              <a:defRPr sz="1200">
                 <a:solidFill>
                   <a:schemeClr val="tx1">
                     <a:tint val="82000"/>
@@ -1059,9 +927,9 @@
                 </a:solidFill>
               </a:defRPr>
             </a:lvl4pPr>
-            <a:lvl5pPr marL="1828800" indent="0">
+            <a:lvl5pPr marL="1371600" indent="0">
               <a:buNone/>
-              <a:defRPr sz="1600">
+              <a:defRPr sz="1200">
                 <a:solidFill>
                   <a:schemeClr val="tx1">
                     <a:tint val="82000"/>
@@ -1069,9 +937,9 @@
                 </a:solidFill>
               </a:defRPr>
             </a:lvl5pPr>
-            <a:lvl6pPr marL="2286000" indent="0">
+            <a:lvl6pPr marL="1714500" indent="0">
               <a:buNone/>
-              <a:defRPr sz="1600">
+              <a:defRPr sz="1200">
                 <a:solidFill>
                   <a:schemeClr val="tx1">
                     <a:tint val="82000"/>
@@ -1079,9 +947,9 @@
                 </a:solidFill>
               </a:defRPr>
             </a:lvl6pPr>
-            <a:lvl7pPr marL="2743200" indent="0">
+            <a:lvl7pPr marL="2057400" indent="0">
               <a:buNone/>
-              <a:defRPr sz="1600">
+              <a:defRPr sz="1200">
                 <a:solidFill>
                   <a:schemeClr val="tx1">
                     <a:tint val="82000"/>
@@ -1089,9 +957,9 @@
                 </a:solidFill>
               </a:defRPr>
             </a:lvl7pPr>
-            <a:lvl8pPr marL="3200400" indent="0">
+            <a:lvl8pPr marL="2400300" indent="0">
               <a:buNone/>
-              <a:defRPr sz="1600">
+              <a:defRPr sz="1200">
                 <a:solidFill>
                   <a:schemeClr val="tx1">
                     <a:tint val="82000"/>
@@ -1099,9 +967,9 @@
                 </a:solidFill>
               </a:defRPr>
             </a:lvl8pPr>
-            <a:lvl9pPr marL="3657600" indent="0">
+            <a:lvl9pPr marL="2743200" indent="0">
               <a:buNone/>
-              <a:defRPr sz="1600">
+              <a:defRPr sz="1200">
                 <a:solidFill>
                   <a:schemeClr val="tx1">
                     <a:tint val="82000"/>
@@ -1121,13 +989,7 @@
       </p:sp>
       <p:sp>
         <p:nvSpPr>
-          <p:cNvPr id="4" name="Marcador de fecha 3">
-            <a:extLst>
-              <a:ext uri="{FF2B5EF4-FFF2-40B4-BE49-F238E27FC236}">
-                <a16:creationId xmlns:a16="http://schemas.microsoft.com/office/drawing/2014/main" id="{33A80B10-B3A8-2C11-AEC2-74A0F417E3B5}"/>
-              </a:ext>
-            </a:extLst>
-          </p:cNvPr>
+          <p:cNvPr id="4" name="Date Placeholder 3"/>
           <p:cNvSpPr>
             <a:spLocks noGrp="1"/>
           </p:cNvSpPr>
@@ -1150,13 +1012,7 @@
       </p:sp>
       <p:sp>
         <p:nvSpPr>
-          <p:cNvPr id="5" name="Marcador de pie de página 4">
-            <a:extLst>
-              <a:ext uri="{FF2B5EF4-FFF2-40B4-BE49-F238E27FC236}">
-                <a16:creationId xmlns:a16="http://schemas.microsoft.com/office/drawing/2014/main" id="{CC59806A-8BC1-F3D7-9BDD-A6C9F17CED46}"/>
-              </a:ext>
-            </a:extLst>
-          </p:cNvPr>
+          <p:cNvPr id="5" name="Footer Placeholder 4"/>
           <p:cNvSpPr>
             <a:spLocks noGrp="1"/>
           </p:cNvSpPr>
@@ -1175,13 +1031,7 @@
       </p:sp>
       <p:sp>
         <p:nvSpPr>
-          <p:cNvPr id="6" name="Marcador de número de diapositiva 5">
-            <a:extLst>
-              <a:ext uri="{FF2B5EF4-FFF2-40B4-BE49-F238E27FC236}">
-                <a16:creationId xmlns:a16="http://schemas.microsoft.com/office/drawing/2014/main" id="{06AD0634-FF70-C1B1-BEA2-7AA51121BB19}"/>
-              </a:ext>
-            </a:extLst>
-          </p:cNvPr>
+          <p:cNvPr id="6" name="Slide Number Placeholder 5"/>
           <p:cNvSpPr>
             <a:spLocks noGrp="1"/>
           </p:cNvSpPr>
@@ -1205,7 +1055,7 @@
     </p:spTree>
     <p:extLst>
       <p:ext uri="{BB962C8B-B14F-4D97-AF65-F5344CB8AC3E}">
-        <p14:creationId xmlns:p14="http://schemas.microsoft.com/office/powerpoint/2010/main" val="2017598104"/>
+        <p14:creationId xmlns:p14="http://schemas.microsoft.com/office/powerpoint/2010/main" val="1397203130"/>
       </p:ext>
     </p:extLst>
   </p:cSld>
@@ -1234,13 +1084,7 @@
       </p:grpSpPr>
       <p:sp>
         <p:nvSpPr>
-          <p:cNvPr id="2" name="Título 1">
-            <a:extLst>
-              <a:ext uri="{FF2B5EF4-FFF2-40B4-BE49-F238E27FC236}">
-                <a16:creationId xmlns:a16="http://schemas.microsoft.com/office/drawing/2014/main" id="{65EE5B8E-9208-828F-AD80-5E8C6AEC3047}"/>
-              </a:ext>
-            </a:extLst>
-          </p:cNvPr>
+          <p:cNvPr id="2" name="Title 1"/>
           <p:cNvSpPr>
             <a:spLocks noGrp="1"/>
           </p:cNvSpPr>
@@ -1257,19 +1101,13 @@
               <a:rPr lang="es-ES"/>
               <a:t>Haga clic para modificar el estilo de título del patrón</a:t>
             </a:r>
-            <a:endParaRPr lang="es-AR"/>
+            <a:endParaRPr lang="en-US" dirty="0"/>
           </a:p>
         </p:txBody>
       </p:sp>
       <p:sp>
         <p:nvSpPr>
-          <p:cNvPr id="3" name="Marcador de contenido 2">
-            <a:extLst>
-              <a:ext uri="{FF2B5EF4-FFF2-40B4-BE49-F238E27FC236}">
-                <a16:creationId xmlns:a16="http://schemas.microsoft.com/office/drawing/2014/main" id="{3915A7AC-197B-9483-0DCD-7018D890162A}"/>
-              </a:ext>
-            </a:extLst>
-          </p:cNvPr>
+          <p:cNvPr id="3" name="Content Placeholder 2"/>
           <p:cNvSpPr>
             <a:spLocks noGrp="1"/>
           </p:cNvSpPr>
@@ -1279,8 +1117,8 @@
         </p:nvSpPr>
         <p:spPr>
           <a:xfrm>
-            <a:off x="838200" y="1825625"/>
-            <a:ext cx="5181600" cy="4351338"/>
+            <a:off x="471488" y="3245556"/>
+            <a:ext cx="2914650" cy="7735712"/>
           </a:xfrm>
         </p:spPr>
         <p:txBody>
@@ -1320,19 +1158,13 @@
               <a:rPr lang="es-ES"/>
               <a:t>Quinto nivel</a:t>
             </a:r>
-            <a:endParaRPr lang="es-AR"/>
+            <a:endParaRPr lang="en-US" dirty="0"/>
           </a:p>
         </p:txBody>
       </p:sp>
       <p:sp>
         <p:nvSpPr>
-          <p:cNvPr id="4" name="Marcador de contenido 3">
-            <a:extLst>
-              <a:ext uri="{FF2B5EF4-FFF2-40B4-BE49-F238E27FC236}">
-                <a16:creationId xmlns:a16="http://schemas.microsoft.com/office/drawing/2014/main" id="{80642C8A-B30F-1E91-1C8A-C3F12EB78FA6}"/>
-              </a:ext>
-            </a:extLst>
-          </p:cNvPr>
+          <p:cNvPr id="4" name="Content Placeholder 3"/>
           <p:cNvSpPr>
             <a:spLocks noGrp="1"/>
           </p:cNvSpPr>
@@ -1342,8 +1174,8 @@
         </p:nvSpPr>
         <p:spPr>
           <a:xfrm>
-            <a:off x="6172200" y="1825625"/>
-            <a:ext cx="5181600" cy="4351338"/>
+            <a:off x="3471863" y="3245556"/>
+            <a:ext cx="2914650" cy="7735712"/>
           </a:xfrm>
         </p:spPr>
         <p:txBody>
@@ -1383,19 +1215,13 @@
               <a:rPr lang="es-ES"/>
               <a:t>Quinto nivel</a:t>
             </a:r>
-            <a:endParaRPr lang="es-AR"/>
+            <a:endParaRPr lang="en-US" dirty="0"/>
           </a:p>
         </p:txBody>
       </p:sp>
       <p:sp>
         <p:nvSpPr>
-          <p:cNvPr id="5" name="Marcador de fecha 4">
-            <a:extLst>
-              <a:ext uri="{FF2B5EF4-FFF2-40B4-BE49-F238E27FC236}">
-                <a16:creationId xmlns:a16="http://schemas.microsoft.com/office/drawing/2014/main" id="{09C72B2C-1F24-4F2B-D0D7-839934CF9C37}"/>
-              </a:ext>
-            </a:extLst>
-          </p:cNvPr>
+          <p:cNvPr id="5" name="Date Placeholder 4"/>
           <p:cNvSpPr>
             <a:spLocks noGrp="1"/>
           </p:cNvSpPr>
@@ -1418,13 +1244,7 @@
       </p:sp>
       <p:sp>
         <p:nvSpPr>
-          <p:cNvPr id="6" name="Marcador de pie de página 5">
-            <a:extLst>
-              <a:ext uri="{FF2B5EF4-FFF2-40B4-BE49-F238E27FC236}">
-                <a16:creationId xmlns:a16="http://schemas.microsoft.com/office/drawing/2014/main" id="{91FF0F82-749D-1643-0DAE-2E1B095EAB1A}"/>
-              </a:ext>
-            </a:extLst>
-          </p:cNvPr>
+          <p:cNvPr id="6" name="Footer Placeholder 5"/>
           <p:cNvSpPr>
             <a:spLocks noGrp="1"/>
           </p:cNvSpPr>
@@ -1443,13 +1263,7 @@
       </p:sp>
       <p:sp>
         <p:nvSpPr>
-          <p:cNvPr id="7" name="Marcador de número de diapositiva 6">
-            <a:extLst>
-              <a:ext uri="{FF2B5EF4-FFF2-40B4-BE49-F238E27FC236}">
-                <a16:creationId xmlns:a16="http://schemas.microsoft.com/office/drawing/2014/main" id="{16F599A7-F839-5300-E99A-635BDE307870}"/>
-              </a:ext>
-            </a:extLst>
-          </p:cNvPr>
+          <p:cNvPr id="7" name="Slide Number Placeholder 6"/>
           <p:cNvSpPr>
             <a:spLocks noGrp="1"/>
           </p:cNvSpPr>
@@ -1473,7 +1287,7 @@
     </p:spTree>
     <p:extLst>
       <p:ext uri="{BB962C8B-B14F-4D97-AF65-F5344CB8AC3E}">
-        <p14:creationId xmlns:p14="http://schemas.microsoft.com/office/powerpoint/2010/main" val="3014797368"/>
+        <p14:creationId xmlns:p14="http://schemas.microsoft.com/office/powerpoint/2010/main" val="3981566783"/>
       </p:ext>
     </p:extLst>
   </p:cSld>
@@ -1502,13 +1316,7 @@
       </p:grpSpPr>
       <p:sp>
         <p:nvSpPr>
-          <p:cNvPr id="2" name="Título 1">
-            <a:extLst>
-              <a:ext uri="{FF2B5EF4-FFF2-40B4-BE49-F238E27FC236}">
-                <a16:creationId xmlns:a16="http://schemas.microsoft.com/office/drawing/2014/main" id="{B7BB9FAA-4459-F4A0-0396-681F892F028C}"/>
-              </a:ext>
-            </a:extLst>
-          </p:cNvPr>
+          <p:cNvPr id="2" name="Title 1"/>
           <p:cNvSpPr>
             <a:spLocks noGrp="1"/>
           </p:cNvSpPr>
@@ -1518,8 +1326,8 @@
         </p:nvSpPr>
         <p:spPr>
           <a:xfrm>
-            <a:off x="839788" y="365125"/>
-            <a:ext cx="10515600" cy="1325563"/>
+            <a:off x="472381" y="649114"/>
+            <a:ext cx="5915025" cy="2356556"/>
           </a:xfrm>
         </p:spPr>
         <p:txBody>
@@ -1530,19 +1338,13 @@
               <a:rPr lang="es-ES"/>
               <a:t>Haga clic para modificar el estilo de título del patrón</a:t>
             </a:r>
-            <a:endParaRPr lang="es-AR"/>
+            <a:endParaRPr lang="en-US" dirty="0"/>
           </a:p>
         </p:txBody>
       </p:sp>
       <p:sp>
         <p:nvSpPr>
-          <p:cNvPr id="3" name="Marcador de texto 2">
-            <a:extLst>
-              <a:ext uri="{FF2B5EF4-FFF2-40B4-BE49-F238E27FC236}">
-                <a16:creationId xmlns:a16="http://schemas.microsoft.com/office/drawing/2014/main" id="{E949CC05-7C2D-D31E-3CC3-600EB1E5DB7A}"/>
-              </a:ext>
-            </a:extLst>
-          </p:cNvPr>
+          <p:cNvPr id="3" name="Text Placeholder 2"/>
           <p:cNvSpPr>
             <a:spLocks noGrp="1"/>
           </p:cNvSpPr>
@@ -1552,8 +1354,8 @@
         </p:nvSpPr>
         <p:spPr>
           <a:xfrm>
-            <a:off x="839788" y="1681163"/>
-            <a:ext cx="5157787" cy="823912"/>
+            <a:off x="472381" y="2988734"/>
+            <a:ext cx="2901255" cy="1464732"/>
           </a:xfrm>
         </p:spPr>
         <p:txBody>
@@ -1561,39 +1363,39 @@
           <a:lstStyle>
             <a:lvl1pPr marL="0" indent="0">
               <a:buNone/>
-              <a:defRPr sz="2400" b="1"/>
+              <a:defRPr sz="1800" b="1"/>
             </a:lvl1pPr>
-            <a:lvl2pPr marL="457200" indent="0">
+            <a:lvl2pPr marL="342900" indent="0">
               <a:buNone/>
-              <a:defRPr sz="2000" b="1"/>
+              <a:defRPr sz="1500" b="1"/>
             </a:lvl2pPr>
-            <a:lvl3pPr marL="914400" indent="0">
+            <a:lvl3pPr marL="685800" indent="0">
               <a:buNone/>
-              <a:defRPr sz="1800" b="1"/>
+              <a:defRPr sz="1350" b="1"/>
             </a:lvl3pPr>
-            <a:lvl4pPr marL="1371600" indent="0">
+            <a:lvl4pPr marL="1028700" indent="0">
               <a:buNone/>
-              <a:defRPr sz="1600" b="1"/>
+              <a:defRPr sz="1200" b="1"/>
             </a:lvl4pPr>
-            <a:lvl5pPr marL="1828800" indent="0">
+            <a:lvl5pPr marL="1371600" indent="0">
               <a:buNone/>
-              <a:defRPr sz="1600" b="1"/>
+              <a:defRPr sz="1200" b="1"/>
             </a:lvl5pPr>
-            <a:lvl6pPr marL="2286000" indent="0">
+            <a:lvl6pPr marL="1714500" indent="0">
               <a:buNone/>
-              <a:defRPr sz="1600" b="1"/>
+              <a:defRPr sz="1200" b="1"/>
             </a:lvl6pPr>
-            <a:lvl7pPr marL="2743200" indent="0">
+            <a:lvl7pPr marL="2057400" indent="0">
               <a:buNone/>
-              <a:defRPr sz="1600" b="1"/>
+              <a:defRPr sz="1200" b="1"/>
             </a:lvl7pPr>
-            <a:lvl8pPr marL="3200400" indent="0">
+            <a:lvl8pPr marL="2400300" indent="0">
               <a:buNone/>
-              <a:defRPr sz="1600" b="1"/>
+              <a:defRPr sz="1200" b="1"/>
             </a:lvl8pPr>
-            <a:lvl9pPr marL="3657600" indent="0">
+            <a:lvl9pPr marL="2743200" indent="0">
               <a:buNone/>
-              <a:defRPr sz="1600" b="1"/>
+              <a:defRPr sz="1200" b="1"/>
             </a:lvl9pPr>
           </a:lstStyle>
           <a:p>
@@ -1607,13 +1409,7 @@
       </p:sp>
       <p:sp>
         <p:nvSpPr>
-          <p:cNvPr id="4" name="Marcador de contenido 3">
-            <a:extLst>
-              <a:ext uri="{FF2B5EF4-FFF2-40B4-BE49-F238E27FC236}">
-                <a16:creationId xmlns:a16="http://schemas.microsoft.com/office/drawing/2014/main" id="{0ED79B1C-F5BD-1DE1-5B80-4ABF0B669952}"/>
-              </a:ext>
-            </a:extLst>
-          </p:cNvPr>
+          <p:cNvPr id="4" name="Content Placeholder 3"/>
           <p:cNvSpPr>
             <a:spLocks noGrp="1"/>
           </p:cNvSpPr>
@@ -1623,8 +1419,8 @@
         </p:nvSpPr>
         <p:spPr>
           <a:xfrm>
-            <a:off x="839788" y="2505075"/>
-            <a:ext cx="5157787" cy="3684588"/>
+            <a:off x="472381" y="4453467"/>
+            <a:ext cx="2901255" cy="6550379"/>
           </a:xfrm>
         </p:spPr>
         <p:txBody>
@@ -1664,19 +1460,13 @@
               <a:rPr lang="es-ES"/>
               <a:t>Quinto nivel</a:t>
             </a:r>
-            <a:endParaRPr lang="es-AR"/>
+            <a:endParaRPr lang="en-US" dirty="0"/>
           </a:p>
         </p:txBody>
       </p:sp>
       <p:sp>
         <p:nvSpPr>
-          <p:cNvPr id="5" name="Marcador de texto 4">
-            <a:extLst>
-              <a:ext uri="{FF2B5EF4-FFF2-40B4-BE49-F238E27FC236}">
-                <a16:creationId xmlns:a16="http://schemas.microsoft.com/office/drawing/2014/main" id="{3641C598-8777-92EE-4617-0BFCAA15F58B}"/>
-              </a:ext>
-            </a:extLst>
-          </p:cNvPr>
+          <p:cNvPr id="5" name="Text Placeholder 4"/>
           <p:cNvSpPr>
             <a:spLocks noGrp="1"/>
           </p:cNvSpPr>
@@ -1686,8 +1476,8 @@
         </p:nvSpPr>
         <p:spPr>
           <a:xfrm>
-            <a:off x="6172200" y="1681163"/>
-            <a:ext cx="5183188" cy="823912"/>
+            <a:off x="3471863" y="2988734"/>
+            <a:ext cx="2915543" cy="1464732"/>
           </a:xfrm>
         </p:spPr>
         <p:txBody>
@@ -1695,39 +1485,39 @@
           <a:lstStyle>
             <a:lvl1pPr marL="0" indent="0">
               <a:buNone/>
-              <a:defRPr sz="2400" b="1"/>
+              <a:defRPr sz="1800" b="1"/>
             </a:lvl1pPr>
-            <a:lvl2pPr marL="457200" indent="0">
+            <a:lvl2pPr marL="342900" indent="0">
               <a:buNone/>
-              <a:defRPr sz="2000" b="1"/>
+              <a:defRPr sz="1500" b="1"/>
             </a:lvl2pPr>
-            <a:lvl3pPr marL="914400" indent="0">
+            <a:lvl3pPr marL="685800" indent="0">
               <a:buNone/>
-              <a:defRPr sz="1800" b="1"/>
+              <a:defRPr sz="1350" b="1"/>
             </a:lvl3pPr>
-            <a:lvl4pPr marL="1371600" indent="0">
+            <a:lvl4pPr marL="1028700" indent="0">
               <a:buNone/>
-              <a:defRPr sz="1600" b="1"/>
+              <a:defRPr sz="1200" b="1"/>
             </a:lvl4pPr>
-            <a:lvl5pPr marL="1828800" indent="0">
+            <a:lvl5pPr marL="1371600" indent="0">
               <a:buNone/>
-              <a:defRPr sz="1600" b="1"/>
+              <a:defRPr sz="1200" b="1"/>
             </a:lvl5pPr>
-            <a:lvl6pPr marL="2286000" indent="0">
+            <a:lvl6pPr marL="1714500" indent="0">
               <a:buNone/>
-              <a:defRPr sz="1600" b="1"/>
+              <a:defRPr sz="1200" b="1"/>
             </a:lvl6pPr>
-            <a:lvl7pPr marL="2743200" indent="0">
+            <a:lvl7pPr marL="2057400" indent="0">
               <a:buNone/>
-              <a:defRPr sz="1600" b="1"/>
+              <a:defRPr sz="1200" b="1"/>
             </a:lvl7pPr>
-            <a:lvl8pPr marL="3200400" indent="0">
+            <a:lvl8pPr marL="2400300" indent="0">
               <a:buNone/>
-              <a:defRPr sz="1600" b="1"/>
+              <a:defRPr sz="1200" b="1"/>
             </a:lvl8pPr>
-            <a:lvl9pPr marL="3657600" indent="0">
+            <a:lvl9pPr marL="2743200" indent="0">
               <a:buNone/>
-              <a:defRPr sz="1600" b="1"/>
+              <a:defRPr sz="1200" b="1"/>
             </a:lvl9pPr>
           </a:lstStyle>
           <a:p>
@@ -1741,13 +1531,7 @@
       </p:sp>
       <p:sp>
         <p:nvSpPr>
-          <p:cNvPr id="6" name="Marcador de contenido 5">
-            <a:extLst>
-              <a:ext uri="{FF2B5EF4-FFF2-40B4-BE49-F238E27FC236}">
-                <a16:creationId xmlns:a16="http://schemas.microsoft.com/office/drawing/2014/main" id="{9414FEF4-15D9-158C-2DDD-BAF48BDBA6AD}"/>
-              </a:ext>
-            </a:extLst>
-          </p:cNvPr>
+          <p:cNvPr id="6" name="Content Placeholder 5"/>
           <p:cNvSpPr>
             <a:spLocks noGrp="1"/>
           </p:cNvSpPr>
@@ -1757,8 +1541,8 @@
         </p:nvSpPr>
         <p:spPr>
           <a:xfrm>
-            <a:off x="6172200" y="2505075"/>
-            <a:ext cx="5183188" cy="3684588"/>
+            <a:off x="3471863" y="4453467"/>
+            <a:ext cx="2915543" cy="6550379"/>
           </a:xfrm>
         </p:spPr>
         <p:txBody>
@@ -1798,19 +1582,13 @@
               <a:rPr lang="es-ES"/>
               <a:t>Quinto nivel</a:t>
             </a:r>
-            <a:endParaRPr lang="es-AR"/>
+            <a:endParaRPr lang="en-US" dirty="0"/>
           </a:p>
         </p:txBody>
       </p:sp>
       <p:sp>
         <p:nvSpPr>
-          <p:cNvPr id="7" name="Marcador de fecha 6">
-            <a:extLst>
-              <a:ext uri="{FF2B5EF4-FFF2-40B4-BE49-F238E27FC236}">
-                <a16:creationId xmlns:a16="http://schemas.microsoft.com/office/drawing/2014/main" id="{E0B01936-38AD-B645-588E-AC30A39021E0}"/>
-              </a:ext>
-            </a:extLst>
-          </p:cNvPr>
+          <p:cNvPr id="7" name="Date Placeholder 6"/>
           <p:cNvSpPr>
             <a:spLocks noGrp="1"/>
           </p:cNvSpPr>
@@ -1833,13 +1611,7 @@
       </p:sp>
       <p:sp>
         <p:nvSpPr>
-          <p:cNvPr id="8" name="Marcador de pie de página 7">
-            <a:extLst>
-              <a:ext uri="{FF2B5EF4-FFF2-40B4-BE49-F238E27FC236}">
-                <a16:creationId xmlns:a16="http://schemas.microsoft.com/office/drawing/2014/main" id="{25EF0282-1B32-75CA-1ECD-E36C521565B5}"/>
-              </a:ext>
-            </a:extLst>
-          </p:cNvPr>
+          <p:cNvPr id="8" name="Footer Placeholder 7"/>
           <p:cNvSpPr>
             <a:spLocks noGrp="1"/>
           </p:cNvSpPr>
@@ -1858,13 +1630,7 @@
       </p:sp>
       <p:sp>
         <p:nvSpPr>
-          <p:cNvPr id="9" name="Marcador de número de diapositiva 8">
-            <a:extLst>
-              <a:ext uri="{FF2B5EF4-FFF2-40B4-BE49-F238E27FC236}">
-                <a16:creationId xmlns:a16="http://schemas.microsoft.com/office/drawing/2014/main" id="{7A7DFD22-3837-ABBA-FB14-3E2F26D79099}"/>
-              </a:ext>
-            </a:extLst>
-          </p:cNvPr>
+          <p:cNvPr id="9" name="Slide Number Placeholder 8"/>
           <p:cNvSpPr>
             <a:spLocks noGrp="1"/>
           </p:cNvSpPr>
@@ -1888,7 +1654,7 @@
     </p:spTree>
     <p:extLst>
       <p:ext uri="{BB962C8B-B14F-4D97-AF65-F5344CB8AC3E}">
-        <p14:creationId xmlns:p14="http://schemas.microsoft.com/office/powerpoint/2010/main" val="1022716312"/>
+        <p14:creationId xmlns:p14="http://schemas.microsoft.com/office/powerpoint/2010/main" val="1489461792"/>
       </p:ext>
     </p:extLst>
   </p:cSld>
@@ -1917,13 +1683,7 @@
       </p:grpSpPr>
       <p:sp>
         <p:nvSpPr>
-          <p:cNvPr id="2" name="Título 1">
-            <a:extLst>
-              <a:ext uri="{FF2B5EF4-FFF2-40B4-BE49-F238E27FC236}">
-                <a16:creationId xmlns:a16="http://schemas.microsoft.com/office/drawing/2014/main" id="{1C5C8B66-FAA2-0C07-402C-6F4102ACFFF3}"/>
-              </a:ext>
-            </a:extLst>
-          </p:cNvPr>
+          <p:cNvPr id="2" name="Title 1"/>
           <p:cNvSpPr>
             <a:spLocks noGrp="1"/>
           </p:cNvSpPr>
@@ -1940,19 +1700,13 @@
               <a:rPr lang="es-ES"/>
               <a:t>Haga clic para modificar el estilo de título del patrón</a:t>
             </a:r>
-            <a:endParaRPr lang="es-AR"/>
+            <a:endParaRPr lang="en-US" dirty="0"/>
           </a:p>
         </p:txBody>
       </p:sp>
       <p:sp>
         <p:nvSpPr>
-          <p:cNvPr id="3" name="Marcador de fecha 2">
-            <a:extLst>
-              <a:ext uri="{FF2B5EF4-FFF2-40B4-BE49-F238E27FC236}">
-                <a16:creationId xmlns:a16="http://schemas.microsoft.com/office/drawing/2014/main" id="{2FC3D486-6CFC-267A-1F05-6AD0A4988FC7}"/>
-              </a:ext>
-            </a:extLst>
-          </p:cNvPr>
+          <p:cNvPr id="3" name="Date Placeholder 2"/>
           <p:cNvSpPr>
             <a:spLocks noGrp="1"/>
           </p:cNvSpPr>
@@ -1975,13 +1729,7 @@
       </p:sp>
       <p:sp>
         <p:nvSpPr>
-          <p:cNvPr id="4" name="Marcador de pie de página 3">
-            <a:extLst>
-              <a:ext uri="{FF2B5EF4-FFF2-40B4-BE49-F238E27FC236}">
-                <a16:creationId xmlns:a16="http://schemas.microsoft.com/office/drawing/2014/main" id="{A4040E85-C742-F660-3147-8EC7701961B6}"/>
-              </a:ext>
-            </a:extLst>
-          </p:cNvPr>
+          <p:cNvPr id="4" name="Footer Placeholder 3"/>
           <p:cNvSpPr>
             <a:spLocks noGrp="1"/>
           </p:cNvSpPr>
@@ -2000,13 +1748,7 @@
       </p:sp>
       <p:sp>
         <p:nvSpPr>
-          <p:cNvPr id="5" name="Marcador de número de diapositiva 4">
-            <a:extLst>
-              <a:ext uri="{FF2B5EF4-FFF2-40B4-BE49-F238E27FC236}">
-                <a16:creationId xmlns:a16="http://schemas.microsoft.com/office/drawing/2014/main" id="{8E1AC797-19AC-8050-9FFE-03A397FCC285}"/>
-              </a:ext>
-            </a:extLst>
-          </p:cNvPr>
+          <p:cNvPr id="5" name="Slide Number Placeholder 4"/>
           <p:cNvSpPr>
             <a:spLocks noGrp="1"/>
           </p:cNvSpPr>
@@ -2030,7 +1772,7 @@
     </p:spTree>
     <p:extLst>
       <p:ext uri="{BB962C8B-B14F-4D97-AF65-F5344CB8AC3E}">
-        <p14:creationId xmlns:p14="http://schemas.microsoft.com/office/powerpoint/2010/main" val="12898425"/>
+        <p14:creationId xmlns:p14="http://schemas.microsoft.com/office/powerpoint/2010/main" val="608910014"/>
       </p:ext>
     </p:extLst>
   </p:cSld>
@@ -2059,13 +1801,7 @@
       </p:grpSpPr>
       <p:sp>
         <p:nvSpPr>
-          <p:cNvPr id="2" name="Marcador de fecha 1">
-            <a:extLst>
-              <a:ext uri="{FF2B5EF4-FFF2-40B4-BE49-F238E27FC236}">
-                <a16:creationId xmlns:a16="http://schemas.microsoft.com/office/drawing/2014/main" id="{AC69073D-B881-8BC8-D503-0033E3F1A1FF}"/>
-              </a:ext>
-            </a:extLst>
-          </p:cNvPr>
+          <p:cNvPr id="2" name="Date Placeholder 1"/>
           <p:cNvSpPr>
             <a:spLocks noGrp="1"/>
           </p:cNvSpPr>
@@ -2088,13 +1824,7 @@
       </p:sp>
       <p:sp>
         <p:nvSpPr>
-          <p:cNvPr id="3" name="Marcador de pie de página 2">
-            <a:extLst>
-              <a:ext uri="{FF2B5EF4-FFF2-40B4-BE49-F238E27FC236}">
-                <a16:creationId xmlns:a16="http://schemas.microsoft.com/office/drawing/2014/main" id="{0ACC0706-63A3-3715-9782-ADFED67300A4}"/>
-              </a:ext>
-            </a:extLst>
-          </p:cNvPr>
+          <p:cNvPr id="3" name="Footer Placeholder 2"/>
           <p:cNvSpPr>
             <a:spLocks noGrp="1"/>
           </p:cNvSpPr>
@@ -2113,13 +1843,7 @@
       </p:sp>
       <p:sp>
         <p:nvSpPr>
-          <p:cNvPr id="4" name="Marcador de número de diapositiva 3">
-            <a:extLst>
-              <a:ext uri="{FF2B5EF4-FFF2-40B4-BE49-F238E27FC236}">
-                <a16:creationId xmlns:a16="http://schemas.microsoft.com/office/drawing/2014/main" id="{DAC43B37-AB3C-7F93-06F2-2EA92EC354B3}"/>
-              </a:ext>
-            </a:extLst>
-          </p:cNvPr>
+          <p:cNvPr id="4" name="Slide Number Placeholder 3"/>
           <p:cNvSpPr>
             <a:spLocks noGrp="1"/>
           </p:cNvSpPr>
@@ -2143,7 +1867,7 @@
     </p:spTree>
     <p:extLst>
       <p:ext uri="{BB962C8B-B14F-4D97-AF65-F5344CB8AC3E}">
-        <p14:creationId xmlns:p14="http://schemas.microsoft.com/office/powerpoint/2010/main" val="3226304972"/>
+        <p14:creationId xmlns:p14="http://schemas.microsoft.com/office/powerpoint/2010/main" val="3501601303"/>
       </p:ext>
     </p:extLst>
   </p:cSld>
@@ -2172,13 +1896,7 @@
       </p:grpSpPr>
       <p:sp>
         <p:nvSpPr>
-          <p:cNvPr id="2" name="Título 1">
-            <a:extLst>
-              <a:ext uri="{FF2B5EF4-FFF2-40B4-BE49-F238E27FC236}">
-                <a16:creationId xmlns:a16="http://schemas.microsoft.com/office/drawing/2014/main" id="{EF4693D9-1981-A272-6893-FC15F3A361AE}"/>
-              </a:ext>
-            </a:extLst>
-          </p:cNvPr>
+          <p:cNvPr id="2" name="Title 1"/>
           <p:cNvSpPr>
             <a:spLocks noGrp="1"/>
           </p:cNvSpPr>
@@ -2188,15 +1906,15 @@
         </p:nvSpPr>
         <p:spPr>
           <a:xfrm>
-            <a:off x="839788" y="457200"/>
-            <a:ext cx="3932237" cy="1600200"/>
+            <a:off x="472381" y="812800"/>
+            <a:ext cx="2211884" cy="2844800"/>
           </a:xfrm>
         </p:spPr>
         <p:txBody>
           <a:bodyPr anchor="b"/>
           <a:lstStyle>
             <a:lvl1pPr>
-              <a:defRPr sz="3200"/>
+              <a:defRPr sz="2400"/>
             </a:lvl1pPr>
           </a:lstStyle>
           <a:p>
@@ -2204,19 +1922,13 @@
               <a:rPr lang="es-ES"/>
               <a:t>Haga clic para modificar el estilo de título del patrón</a:t>
             </a:r>
-            <a:endParaRPr lang="es-AR"/>
+            <a:endParaRPr lang="en-US" dirty="0"/>
           </a:p>
         </p:txBody>
       </p:sp>
       <p:sp>
         <p:nvSpPr>
-          <p:cNvPr id="3" name="Marcador de contenido 2">
-            <a:extLst>
-              <a:ext uri="{FF2B5EF4-FFF2-40B4-BE49-F238E27FC236}">
-                <a16:creationId xmlns:a16="http://schemas.microsoft.com/office/drawing/2014/main" id="{C24F3CD9-0056-70C1-7BED-E9E3820A74CC}"/>
-              </a:ext>
-            </a:extLst>
-          </p:cNvPr>
+          <p:cNvPr id="3" name="Content Placeholder 2"/>
           <p:cNvSpPr>
             <a:spLocks noGrp="1"/>
           </p:cNvSpPr>
@@ -2226,39 +1938,39 @@
         </p:nvSpPr>
         <p:spPr>
           <a:xfrm>
-            <a:off x="5183188" y="987425"/>
-            <a:ext cx="6172200" cy="4873625"/>
+            <a:off x="2915543" y="1755425"/>
+            <a:ext cx="3471863" cy="8664222"/>
           </a:xfrm>
         </p:spPr>
         <p:txBody>
           <a:bodyPr/>
           <a:lstStyle>
             <a:lvl1pPr>
-              <a:defRPr sz="3200"/>
+              <a:defRPr sz="2400"/>
             </a:lvl1pPr>
             <a:lvl2pPr>
-              <a:defRPr sz="2800"/>
+              <a:defRPr sz="2100"/>
             </a:lvl2pPr>
             <a:lvl3pPr>
-              <a:defRPr sz="2400"/>
+              <a:defRPr sz="1800"/>
             </a:lvl3pPr>
             <a:lvl4pPr>
-              <a:defRPr sz="2000"/>
+              <a:defRPr sz="1500"/>
             </a:lvl4pPr>
             <a:lvl5pPr>
-              <a:defRPr sz="2000"/>
+              <a:defRPr sz="1500"/>
             </a:lvl5pPr>
             <a:lvl6pPr>
-              <a:defRPr sz="2000"/>
+              <a:defRPr sz="1500"/>
             </a:lvl6pPr>
             <a:lvl7pPr>
-              <a:defRPr sz="2000"/>
+              <a:defRPr sz="1500"/>
             </a:lvl7pPr>
             <a:lvl8pPr>
-              <a:defRPr sz="2000"/>
+              <a:defRPr sz="1500"/>
             </a:lvl8pPr>
             <a:lvl9pPr>
-              <a:defRPr sz="2000"/>
+              <a:defRPr sz="1500"/>
             </a:lvl9pPr>
           </a:lstStyle>
           <a:p>
@@ -2295,19 +2007,13 @@
               <a:rPr lang="es-ES"/>
               <a:t>Quinto nivel</a:t>
             </a:r>
-            <a:endParaRPr lang="es-AR"/>
+            <a:endParaRPr lang="en-US" dirty="0"/>
           </a:p>
         </p:txBody>
       </p:sp>
       <p:sp>
         <p:nvSpPr>
-          <p:cNvPr id="4" name="Marcador de texto 3">
-            <a:extLst>
-              <a:ext uri="{FF2B5EF4-FFF2-40B4-BE49-F238E27FC236}">
-                <a16:creationId xmlns:a16="http://schemas.microsoft.com/office/drawing/2014/main" id="{C217FE62-4EDC-3736-0973-D6A070B0C2B1}"/>
-              </a:ext>
-            </a:extLst>
-          </p:cNvPr>
+          <p:cNvPr id="4" name="Text Placeholder 3"/>
           <p:cNvSpPr>
             <a:spLocks noGrp="1"/>
           </p:cNvSpPr>
@@ -2317,8 +2023,8 @@
         </p:nvSpPr>
         <p:spPr>
           <a:xfrm>
-            <a:off x="839788" y="2057400"/>
-            <a:ext cx="3932237" cy="3811588"/>
+            <a:off x="472381" y="3657600"/>
+            <a:ext cx="2211884" cy="6776156"/>
           </a:xfrm>
         </p:spPr>
         <p:txBody>
@@ -2326,39 +2032,39 @@
           <a:lstStyle>
             <a:lvl1pPr marL="0" indent="0">
               <a:buNone/>
-              <a:defRPr sz="1600"/>
+              <a:defRPr sz="1200"/>
             </a:lvl1pPr>
-            <a:lvl2pPr marL="457200" indent="0">
+            <a:lvl2pPr marL="342900" indent="0">
               <a:buNone/>
-              <a:defRPr sz="1400"/>
+              <a:defRPr sz="1050"/>
             </a:lvl2pPr>
-            <a:lvl3pPr marL="914400" indent="0">
+            <a:lvl3pPr marL="685800" indent="0">
               <a:buNone/>
-              <a:defRPr sz="1200"/>
+              <a:defRPr sz="900"/>
             </a:lvl3pPr>
-            <a:lvl4pPr marL="1371600" indent="0">
+            <a:lvl4pPr marL="1028700" indent="0">
               <a:buNone/>
-              <a:defRPr sz="1000"/>
+              <a:defRPr sz="750"/>
             </a:lvl4pPr>
-            <a:lvl5pPr marL="1828800" indent="0">
+            <a:lvl5pPr marL="1371600" indent="0">
               <a:buNone/>
-              <a:defRPr sz="1000"/>
+              <a:defRPr sz="750"/>
             </a:lvl5pPr>
-            <a:lvl6pPr marL="2286000" indent="0">
+            <a:lvl6pPr marL="1714500" indent="0">
               <a:buNone/>
-              <a:defRPr sz="1000"/>
+              <a:defRPr sz="750"/>
             </a:lvl6pPr>
-            <a:lvl7pPr marL="2743200" indent="0">
+            <a:lvl7pPr marL="2057400" indent="0">
               <a:buNone/>
-              <a:defRPr sz="1000"/>
+              <a:defRPr sz="750"/>
             </a:lvl7pPr>
-            <a:lvl8pPr marL="3200400" indent="0">
+            <a:lvl8pPr marL="2400300" indent="0">
               <a:buNone/>
-              <a:defRPr sz="1000"/>
+              <a:defRPr sz="750"/>
             </a:lvl8pPr>
-            <a:lvl9pPr marL="3657600" indent="0">
+            <a:lvl9pPr marL="2743200" indent="0">
               <a:buNone/>
-              <a:defRPr sz="1000"/>
+              <a:defRPr sz="750"/>
             </a:lvl9pPr>
           </a:lstStyle>
           <a:p>
@@ -2372,13 +2078,7 @@
       </p:sp>
       <p:sp>
         <p:nvSpPr>
-          <p:cNvPr id="5" name="Marcador de fecha 4">
-            <a:extLst>
-              <a:ext uri="{FF2B5EF4-FFF2-40B4-BE49-F238E27FC236}">
-                <a16:creationId xmlns:a16="http://schemas.microsoft.com/office/drawing/2014/main" id="{F7C4F228-C8A8-A6E5-0FA3-71F6CDFEC158}"/>
-              </a:ext>
-            </a:extLst>
-          </p:cNvPr>
+          <p:cNvPr id="5" name="Date Placeholder 4"/>
           <p:cNvSpPr>
             <a:spLocks noGrp="1"/>
           </p:cNvSpPr>
@@ -2401,13 +2101,7 @@
       </p:sp>
       <p:sp>
         <p:nvSpPr>
-          <p:cNvPr id="6" name="Marcador de pie de página 5">
-            <a:extLst>
-              <a:ext uri="{FF2B5EF4-FFF2-40B4-BE49-F238E27FC236}">
-                <a16:creationId xmlns:a16="http://schemas.microsoft.com/office/drawing/2014/main" id="{5B5C74D0-38D0-7E09-894D-AB67F3BA2ABE}"/>
-              </a:ext>
-            </a:extLst>
-          </p:cNvPr>
+          <p:cNvPr id="6" name="Footer Placeholder 5"/>
           <p:cNvSpPr>
             <a:spLocks noGrp="1"/>
           </p:cNvSpPr>
@@ -2426,13 +2120,7 @@
       </p:sp>
       <p:sp>
         <p:nvSpPr>
-          <p:cNvPr id="7" name="Marcador de número de diapositiva 6">
-            <a:extLst>
-              <a:ext uri="{FF2B5EF4-FFF2-40B4-BE49-F238E27FC236}">
-                <a16:creationId xmlns:a16="http://schemas.microsoft.com/office/drawing/2014/main" id="{6E70EEEC-F0E2-3983-AFF0-883025C3DCE2}"/>
-              </a:ext>
-            </a:extLst>
-          </p:cNvPr>
+          <p:cNvPr id="7" name="Slide Number Placeholder 6"/>
           <p:cNvSpPr>
             <a:spLocks noGrp="1"/>
           </p:cNvSpPr>
@@ -2456,7 +2144,7 @@
     </p:spTree>
     <p:extLst>
       <p:ext uri="{BB962C8B-B14F-4D97-AF65-F5344CB8AC3E}">
-        <p14:creationId xmlns:p14="http://schemas.microsoft.com/office/powerpoint/2010/main" val="212081174"/>
+        <p14:creationId xmlns:p14="http://schemas.microsoft.com/office/powerpoint/2010/main" val="3203597481"/>
       </p:ext>
     </p:extLst>
   </p:cSld>
@@ -2485,13 +2173,7 @@
       </p:grpSpPr>
       <p:sp>
         <p:nvSpPr>
-          <p:cNvPr id="2" name="Título 1">
-            <a:extLst>
-              <a:ext uri="{FF2B5EF4-FFF2-40B4-BE49-F238E27FC236}">
-                <a16:creationId xmlns:a16="http://schemas.microsoft.com/office/drawing/2014/main" id="{B744DAF3-6C01-067A-F930-641E3920D405}"/>
-              </a:ext>
-            </a:extLst>
-          </p:cNvPr>
+          <p:cNvPr id="2" name="Title 1"/>
           <p:cNvSpPr>
             <a:spLocks noGrp="1"/>
           </p:cNvSpPr>
@@ -2501,15 +2183,15 @@
         </p:nvSpPr>
         <p:spPr>
           <a:xfrm>
-            <a:off x="839788" y="457200"/>
-            <a:ext cx="3932237" cy="1600200"/>
+            <a:off x="472381" y="812800"/>
+            <a:ext cx="2211884" cy="2844800"/>
           </a:xfrm>
         </p:spPr>
         <p:txBody>
           <a:bodyPr anchor="b"/>
           <a:lstStyle>
             <a:lvl1pPr>
-              <a:defRPr sz="3200"/>
+              <a:defRPr sz="2400"/>
             </a:lvl1pPr>
           </a:lstStyle>
           <a:p>
@@ -2517,21 +2199,15 @@
               <a:rPr lang="es-ES"/>
               <a:t>Haga clic para modificar el estilo de título del patrón</a:t>
             </a:r>
-            <a:endParaRPr lang="es-AR"/>
+            <a:endParaRPr lang="en-US" dirty="0"/>
           </a:p>
         </p:txBody>
       </p:sp>
       <p:sp>
         <p:nvSpPr>
-          <p:cNvPr id="3" name="Marcador de posición de imagen 2">
-            <a:extLst>
-              <a:ext uri="{FF2B5EF4-FFF2-40B4-BE49-F238E27FC236}">
-                <a16:creationId xmlns:a16="http://schemas.microsoft.com/office/drawing/2014/main" id="{41EC8692-C0DE-F8D4-96C4-5BB29C71CDD6}"/>
-              </a:ext>
-            </a:extLst>
-          </p:cNvPr>
+          <p:cNvPr id="3" name="Picture Placeholder 2"/>
           <p:cNvSpPr>
-            <a:spLocks noGrp="1"/>
+            <a:spLocks noGrp="1" noChangeAspect="1"/>
           </p:cNvSpPr>
           <p:nvPr>
             <p:ph type="pic" idx="1"/>
@@ -2539,64 +2215,62 @@
         </p:nvSpPr>
         <p:spPr>
           <a:xfrm>
-            <a:off x="5183188" y="987425"/>
-            <a:ext cx="6172200" cy="4873625"/>
+            <a:off x="2915543" y="1755425"/>
+            <a:ext cx="3471863" cy="8664222"/>
           </a:xfrm>
         </p:spPr>
         <p:txBody>
-          <a:bodyPr/>
+          <a:bodyPr anchor="t"/>
           <a:lstStyle>
             <a:lvl1pPr marL="0" indent="0">
               <a:buNone/>
-              <a:defRPr sz="3200"/>
+              <a:defRPr sz="2400"/>
             </a:lvl1pPr>
-            <a:lvl2pPr marL="457200" indent="0">
+            <a:lvl2pPr marL="342900" indent="0">
               <a:buNone/>
-              <a:defRPr sz="2800"/>
+              <a:defRPr sz="2100"/>
             </a:lvl2pPr>
-            <a:lvl3pPr marL="914400" indent="0">
+            <a:lvl3pPr marL="685800" indent="0">
               <a:buNone/>
-              <a:defRPr sz="2400"/>
+              <a:defRPr sz="1800"/>
             </a:lvl3pPr>
-            <a:lvl4pPr marL="1371600" indent="0">
+            <a:lvl4pPr marL="1028700" indent="0">
               <a:buNone/>
-              <a:defRPr sz="2000"/>
+              <a:defRPr sz="1500"/>
             </a:lvl4pPr>
-            <a:lvl5pPr marL="1828800" indent="0">
+            <a:lvl5pPr marL="1371600" indent="0">
               <a:buNone/>
-              <a:defRPr sz="2000"/>
+              <a:defRPr sz="1500"/>
             </a:lvl5pPr>
-            <a:lvl6pPr marL="2286000" indent="0">
+            <a:lvl6pPr marL="1714500" indent="0">
               <a:buNone/>
-              <a:defRPr sz="2000"/>
+              <a:defRPr sz="1500"/>
             </a:lvl6pPr>
-            <a:lvl7pPr marL="2743200" indent="0">
+            <a:lvl7pPr marL="2057400" indent="0">
               <a:buNone/>
-              <a:defRPr sz="2000"/>
+              <a:defRPr sz="1500"/>
             </a:lvl7pPr>
-            <a:lvl8pPr marL="3200400" indent="0">
+            <a:lvl8pPr marL="2400300" indent="0">
               <a:buNone/>
-              <a:defRPr sz="2000"/>
+              <a:defRPr sz="1500"/>
             </a:lvl8pPr>
-            <a:lvl9pPr marL="3657600" indent="0">
+            <a:lvl9pPr marL="2743200" indent="0">
               <a:buNone/>
-              <a:defRPr sz="2000"/>
+              <a:defRPr sz="1500"/>
             </a:lvl9pPr>
           </a:lstStyle>
           <a:p>
-            <a:endParaRPr lang="es-AR"/>
+            <a:r>
+              <a:rPr lang="es-ES"/>
+              <a:t>Haga clic en el icono para agregar una imagen</a:t>
+            </a:r>
+            <a:endParaRPr lang="en-US" dirty="0"/>
           </a:p>
         </p:txBody>
       </p:sp>
       <p:sp>
         <p:nvSpPr>
-          <p:cNvPr id="4" name="Marcador de texto 3">
-            <a:extLst>
-              <a:ext uri="{FF2B5EF4-FFF2-40B4-BE49-F238E27FC236}">
-                <a16:creationId xmlns:a16="http://schemas.microsoft.com/office/drawing/2014/main" id="{945CB6DE-69EE-4C43-129B-B67C2A18D2E8}"/>
-              </a:ext>
-            </a:extLst>
-          </p:cNvPr>
+          <p:cNvPr id="4" name="Text Placeholder 3"/>
           <p:cNvSpPr>
             <a:spLocks noGrp="1"/>
           </p:cNvSpPr>
@@ -2606,8 +2280,8 @@
         </p:nvSpPr>
         <p:spPr>
           <a:xfrm>
-            <a:off x="839788" y="2057400"/>
-            <a:ext cx="3932237" cy="3811588"/>
+            <a:off x="472381" y="3657600"/>
+            <a:ext cx="2211884" cy="6776156"/>
           </a:xfrm>
         </p:spPr>
         <p:txBody>
@@ -2615,39 +2289,39 @@
           <a:lstStyle>
             <a:lvl1pPr marL="0" indent="0">
               <a:buNone/>
-              <a:defRPr sz="1600"/>
+              <a:defRPr sz="1200"/>
             </a:lvl1pPr>
-            <a:lvl2pPr marL="457200" indent="0">
+            <a:lvl2pPr marL="342900" indent="0">
               <a:buNone/>
-              <a:defRPr sz="1400"/>
+              <a:defRPr sz="1050"/>
             </a:lvl2pPr>
-            <a:lvl3pPr marL="914400" indent="0">
+            <a:lvl3pPr marL="685800" indent="0">
               <a:buNone/>
-              <a:defRPr sz="1200"/>
+              <a:defRPr sz="900"/>
             </a:lvl3pPr>
-            <a:lvl4pPr marL="1371600" indent="0">
+            <a:lvl4pPr marL="1028700" indent="0">
               <a:buNone/>
-              <a:defRPr sz="1000"/>
+              <a:defRPr sz="750"/>
             </a:lvl4pPr>
-            <a:lvl5pPr marL="1828800" indent="0">
+            <a:lvl5pPr marL="1371600" indent="0">
               <a:buNone/>
-              <a:defRPr sz="1000"/>
+              <a:defRPr sz="750"/>
             </a:lvl5pPr>
-            <a:lvl6pPr marL="2286000" indent="0">
+            <a:lvl6pPr marL="1714500" indent="0">
               <a:buNone/>
-              <a:defRPr sz="1000"/>
+              <a:defRPr sz="750"/>
             </a:lvl6pPr>
-            <a:lvl7pPr marL="2743200" indent="0">
+            <a:lvl7pPr marL="2057400" indent="0">
               <a:buNone/>
-              <a:defRPr sz="1000"/>
+              <a:defRPr sz="750"/>
             </a:lvl7pPr>
-            <a:lvl8pPr marL="3200400" indent="0">
+            <a:lvl8pPr marL="2400300" indent="0">
               <a:buNone/>
-              <a:defRPr sz="1000"/>
+              <a:defRPr sz="750"/>
             </a:lvl8pPr>
-            <a:lvl9pPr marL="3657600" indent="0">
+            <a:lvl9pPr marL="2743200" indent="0">
               <a:buNone/>
-              <a:defRPr sz="1000"/>
+              <a:defRPr sz="750"/>
             </a:lvl9pPr>
           </a:lstStyle>
           <a:p>
@@ -2661,13 +2335,7 @@
       </p:sp>
       <p:sp>
         <p:nvSpPr>
-          <p:cNvPr id="5" name="Marcador de fecha 4">
-            <a:extLst>
-              <a:ext uri="{FF2B5EF4-FFF2-40B4-BE49-F238E27FC236}">
-                <a16:creationId xmlns:a16="http://schemas.microsoft.com/office/drawing/2014/main" id="{39B25267-2A9D-7046-72AF-6022AF6CF0C6}"/>
-              </a:ext>
-            </a:extLst>
-          </p:cNvPr>
+          <p:cNvPr id="5" name="Date Placeholder 4"/>
           <p:cNvSpPr>
             <a:spLocks noGrp="1"/>
           </p:cNvSpPr>
@@ -2690,13 +2358,7 @@
       </p:sp>
       <p:sp>
         <p:nvSpPr>
-          <p:cNvPr id="6" name="Marcador de pie de página 5">
-            <a:extLst>
-              <a:ext uri="{FF2B5EF4-FFF2-40B4-BE49-F238E27FC236}">
-                <a16:creationId xmlns:a16="http://schemas.microsoft.com/office/drawing/2014/main" id="{67516E2A-30AA-0F18-7016-BDE083F21A3C}"/>
-              </a:ext>
-            </a:extLst>
-          </p:cNvPr>
+          <p:cNvPr id="6" name="Footer Placeholder 5"/>
           <p:cNvSpPr>
             <a:spLocks noGrp="1"/>
           </p:cNvSpPr>
@@ -2715,13 +2377,7 @@
       </p:sp>
       <p:sp>
         <p:nvSpPr>
-          <p:cNvPr id="7" name="Marcador de número de diapositiva 6">
-            <a:extLst>
-              <a:ext uri="{FF2B5EF4-FFF2-40B4-BE49-F238E27FC236}">
-                <a16:creationId xmlns:a16="http://schemas.microsoft.com/office/drawing/2014/main" id="{83C572CD-139E-E717-4BAF-861B3BF20F5F}"/>
-              </a:ext>
-            </a:extLst>
-          </p:cNvPr>
+          <p:cNvPr id="7" name="Slide Number Placeholder 6"/>
           <p:cNvSpPr>
             <a:spLocks noGrp="1"/>
           </p:cNvSpPr>
@@ -2745,7 +2401,7 @@
     </p:spTree>
     <p:extLst>
       <p:ext uri="{BB962C8B-B14F-4D97-AF65-F5344CB8AC3E}">
-        <p14:creationId xmlns:p14="http://schemas.microsoft.com/office/powerpoint/2010/main" val="4169966608"/>
+        <p14:creationId xmlns:p14="http://schemas.microsoft.com/office/powerpoint/2010/main" val="1914234003"/>
       </p:ext>
     </p:extLst>
   </p:cSld>
@@ -2779,13 +2435,7 @@
       </p:grpSpPr>
       <p:sp>
         <p:nvSpPr>
-          <p:cNvPr id="2" name="Marcador de título 1">
-            <a:extLst>
-              <a:ext uri="{FF2B5EF4-FFF2-40B4-BE49-F238E27FC236}">
-                <a16:creationId xmlns:a16="http://schemas.microsoft.com/office/drawing/2014/main" id="{D8B69BBE-ECE1-E21C-B470-B57AC79593D6}"/>
-              </a:ext>
-            </a:extLst>
-          </p:cNvPr>
+          <p:cNvPr id="2" name="Title Placeholder 1"/>
           <p:cNvSpPr>
             <a:spLocks noGrp="1"/>
           </p:cNvSpPr>
@@ -2795,8 +2445,8 @@
         </p:nvSpPr>
         <p:spPr>
           <a:xfrm>
-            <a:off x="838200" y="365125"/>
-            <a:ext cx="10515600" cy="1325563"/>
+            <a:off x="471488" y="649114"/>
+            <a:ext cx="5915025" cy="2356556"/>
           </a:xfrm>
           <a:prstGeom prst="rect">
             <a:avLst/>
@@ -2812,19 +2462,13 @@
               <a:rPr lang="es-ES"/>
               <a:t>Haga clic para modificar el estilo de título del patrón</a:t>
             </a:r>
-            <a:endParaRPr lang="es-AR"/>
+            <a:endParaRPr lang="en-US" dirty="0"/>
           </a:p>
         </p:txBody>
       </p:sp>
       <p:sp>
         <p:nvSpPr>
-          <p:cNvPr id="3" name="Marcador de texto 2">
-            <a:extLst>
-              <a:ext uri="{FF2B5EF4-FFF2-40B4-BE49-F238E27FC236}">
-                <a16:creationId xmlns:a16="http://schemas.microsoft.com/office/drawing/2014/main" id="{637B95BF-25CE-849A-34F5-289B78ECFFB3}"/>
-              </a:ext>
-            </a:extLst>
-          </p:cNvPr>
+          <p:cNvPr id="3" name="Text Placeholder 2"/>
           <p:cNvSpPr>
             <a:spLocks noGrp="1"/>
           </p:cNvSpPr>
@@ -2834,8 +2478,8 @@
         </p:nvSpPr>
         <p:spPr>
           <a:xfrm>
-            <a:off x="838200" y="1825625"/>
-            <a:ext cx="10515600" cy="4351338"/>
+            <a:off x="471488" y="3245556"/>
+            <a:ext cx="5915025" cy="7735712"/>
           </a:xfrm>
           <a:prstGeom prst="rect">
             <a:avLst/>
@@ -2880,19 +2524,13 @@
               <a:rPr lang="es-ES"/>
               <a:t>Quinto nivel</a:t>
             </a:r>
-            <a:endParaRPr lang="es-AR"/>
+            <a:endParaRPr lang="en-US" dirty="0"/>
           </a:p>
         </p:txBody>
       </p:sp>
       <p:sp>
         <p:nvSpPr>
-          <p:cNvPr id="4" name="Marcador de fecha 3">
-            <a:extLst>
-              <a:ext uri="{FF2B5EF4-FFF2-40B4-BE49-F238E27FC236}">
-                <a16:creationId xmlns:a16="http://schemas.microsoft.com/office/drawing/2014/main" id="{C49313BC-4199-BE76-0A3E-A3FADB9B8A36}"/>
-              </a:ext>
-            </a:extLst>
-          </p:cNvPr>
+          <p:cNvPr id="4" name="Date Placeholder 3"/>
           <p:cNvSpPr>
             <a:spLocks noGrp="1"/>
           </p:cNvSpPr>
@@ -2902,8 +2540,8 @@
         </p:nvSpPr>
         <p:spPr>
           <a:xfrm>
-            <a:off x="838200" y="6356350"/>
-            <a:ext cx="2743200" cy="365125"/>
+            <a:off x="471488" y="11300181"/>
+            <a:ext cx="1543050" cy="649111"/>
           </a:xfrm>
           <a:prstGeom prst="rect">
             <a:avLst/>
@@ -2913,7 +2551,7 @@
           <a:bodyPr vert="horz" lIns="91440" tIns="45720" rIns="91440" bIns="45720" rtlCol="0" anchor="ctr"/>
           <a:lstStyle>
             <a:lvl1pPr algn="l">
-              <a:defRPr sz="1200">
+              <a:defRPr sz="900">
                 <a:solidFill>
                   <a:schemeClr val="tx1">
                     <a:tint val="82000"/>
@@ -2933,13 +2571,7 @@
       </p:sp>
       <p:sp>
         <p:nvSpPr>
-          <p:cNvPr id="5" name="Marcador de pie de página 4">
-            <a:extLst>
-              <a:ext uri="{FF2B5EF4-FFF2-40B4-BE49-F238E27FC236}">
-                <a16:creationId xmlns:a16="http://schemas.microsoft.com/office/drawing/2014/main" id="{82B5DC5F-285C-EA5F-531A-25660C67BD5B}"/>
-              </a:ext>
-            </a:extLst>
-          </p:cNvPr>
+          <p:cNvPr id="5" name="Footer Placeholder 4"/>
           <p:cNvSpPr>
             <a:spLocks noGrp="1"/>
           </p:cNvSpPr>
@@ -2949,8 +2581,8 @@
         </p:nvSpPr>
         <p:spPr>
           <a:xfrm>
-            <a:off x="4038600" y="6356350"/>
-            <a:ext cx="4114800" cy="365125"/>
+            <a:off x="2271713" y="11300181"/>
+            <a:ext cx="2314575" cy="649111"/>
           </a:xfrm>
           <a:prstGeom prst="rect">
             <a:avLst/>
@@ -2960,7 +2592,7 @@
           <a:bodyPr vert="horz" lIns="91440" tIns="45720" rIns="91440" bIns="45720" rtlCol="0" anchor="ctr"/>
           <a:lstStyle>
             <a:lvl1pPr algn="ctr">
-              <a:defRPr sz="1200">
+              <a:defRPr sz="900">
                 <a:solidFill>
                   <a:schemeClr val="tx1">
                     <a:tint val="82000"/>
@@ -2976,13 +2608,7 @@
       </p:sp>
       <p:sp>
         <p:nvSpPr>
-          <p:cNvPr id="6" name="Marcador de número de diapositiva 5">
-            <a:extLst>
-              <a:ext uri="{FF2B5EF4-FFF2-40B4-BE49-F238E27FC236}">
-                <a16:creationId xmlns:a16="http://schemas.microsoft.com/office/drawing/2014/main" id="{EEC961DE-5471-DC57-6CDD-5D998330FCD9}"/>
-              </a:ext>
-            </a:extLst>
-          </p:cNvPr>
+          <p:cNvPr id="6" name="Slide Number Placeholder 5"/>
           <p:cNvSpPr>
             <a:spLocks noGrp="1"/>
           </p:cNvSpPr>
@@ -2992,8 +2618,8 @@
         </p:nvSpPr>
         <p:spPr>
           <a:xfrm>
-            <a:off x="8610600" y="6356350"/>
-            <a:ext cx="2743200" cy="365125"/>
+            <a:off x="4843463" y="11300181"/>
+            <a:ext cx="1543050" cy="649111"/>
           </a:xfrm>
           <a:prstGeom prst="rect">
             <a:avLst/>
@@ -3003,7 +2629,7 @@
           <a:bodyPr vert="horz" lIns="91440" tIns="45720" rIns="91440" bIns="45720" rtlCol="0" anchor="ctr"/>
           <a:lstStyle>
             <a:lvl1pPr algn="r">
-              <a:defRPr sz="1200">
+              <a:defRPr sz="900">
                 <a:solidFill>
                   <a:schemeClr val="tx1">
                     <a:tint val="82000"/>
@@ -3024,27 +2650,27 @@
     </p:spTree>
     <p:extLst>
       <p:ext uri="{BB962C8B-B14F-4D97-AF65-F5344CB8AC3E}">
-        <p14:creationId xmlns:p14="http://schemas.microsoft.com/office/powerpoint/2010/main" val="1697359416"/>
+        <p14:creationId xmlns:p14="http://schemas.microsoft.com/office/powerpoint/2010/main" val="3783904527"/>
       </p:ext>
     </p:extLst>
   </p:cSld>
   <p:clrMap bg1="lt1" tx1="dk1" bg2="lt2" tx2="dk2" accent1="accent1" accent2="accent2" accent3="accent3" accent4="accent4" accent5="accent5" accent6="accent6" hlink="hlink" folHlink="folHlink"/>
   <p:sldLayoutIdLst>
-    <p:sldLayoutId id="2147483649" r:id="rId1"/>
-    <p:sldLayoutId id="2147483650" r:id="rId2"/>
-    <p:sldLayoutId id="2147483651" r:id="rId3"/>
-    <p:sldLayoutId id="2147483652" r:id="rId4"/>
-    <p:sldLayoutId id="2147483653" r:id="rId5"/>
-    <p:sldLayoutId id="2147483654" r:id="rId6"/>
-    <p:sldLayoutId id="2147483655" r:id="rId7"/>
-    <p:sldLayoutId id="2147483656" r:id="rId8"/>
-    <p:sldLayoutId id="2147483657" r:id="rId9"/>
-    <p:sldLayoutId id="2147483658" r:id="rId10"/>
-    <p:sldLayoutId id="2147483659" r:id="rId11"/>
+    <p:sldLayoutId id="2147483661" r:id="rId1"/>
+    <p:sldLayoutId id="2147483662" r:id="rId2"/>
+    <p:sldLayoutId id="2147483663" r:id="rId3"/>
+    <p:sldLayoutId id="2147483664" r:id="rId4"/>
+    <p:sldLayoutId id="2147483665" r:id="rId5"/>
+    <p:sldLayoutId id="2147483666" r:id="rId6"/>
+    <p:sldLayoutId id="2147483667" r:id="rId7"/>
+    <p:sldLayoutId id="2147483668" r:id="rId8"/>
+    <p:sldLayoutId id="2147483669" r:id="rId9"/>
+    <p:sldLayoutId id="2147483670" r:id="rId10"/>
+    <p:sldLayoutId id="2147483671" r:id="rId11"/>
   </p:sldLayoutIdLst>
   <p:txStyles>
     <p:titleStyle>
-      <a:lvl1pPr algn="l" defTabSz="914400" rtl="0" eaLnBrk="1" latinLnBrk="0" hangingPunct="1">
+      <a:lvl1pPr algn="l" defTabSz="685800" rtl="0" eaLnBrk="1" latinLnBrk="0" hangingPunct="1">
         <a:lnSpc>
           <a:spcPct val="90000"/>
         </a:lnSpc>
@@ -3052,7 +2678,7 @@
           <a:spcPct val="0"/>
         </a:spcBef>
         <a:buNone/>
-        <a:defRPr sz="4400" kern="1200">
+        <a:defRPr sz="3300" kern="1200">
           <a:solidFill>
             <a:schemeClr val="tx1"/>
           </a:solidFill>
@@ -3063,16 +2689,16 @@
       </a:lvl1pPr>
     </p:titleStyle>
     <p:bodyStyle>
-      <a:lvl1pPr marL="228600" indent="-228600" algn="l" defTabSz="914400" rtl="0" eaLnBrk="1" latinLnBrk="0" hangingPunct="1">
+      <a:lvl1pPr marL="171450" indent="-171450" algn="l" defTabSz="685800" rtl="0" eaLnBrk="1" latinLnBrk="0" hangingPunct="1">
         <a:lnSpc>
           <a:spcPct val="90000"/>
         </a:lnSpc>
         <a:spcBef>
-          <a:spcPts val="1000"/>
+          <a:spcPts val="750"/>
         </a:spcBef>
         <a:buFont typeface="Arial" panose="020B0604020202020204" pitchFamily="34" charset="0"/>
         <a:buChar char="•"/>
-        <a:defRPr sz="2800" kern="1200">
+        <a:defRPr sz="2100" kern="1200">
           <a:solidFill>
             <a:schemeClr val="tx1"/>
           </a:solidFill>
@@ -3081,48 +2707,12 @@
           <a:cs typeface="+mn-cs"/>
         </a:defRPr>
       </a:lvl1pPr>
-      <a:lvl2pPr marL="685800" indent="-228600" algn="l" defTabSz="914400" rtl="0" eaLnBrk="1" latinLnBrk="0" hangingPunct="1">
+      <a:lvl2pPr marL="514350" indent="-171450" algn="l" defTabSz="685800" rtl="0" eaLnBrk="1" latinLnBrk="0" hangingPunct="1">
         <a:lnSpc>
           <a:spcPct val="90000"/>
         </a:lnSpc>
         <a:spcBef>
-          <a:spcPts val="500"/>
-        </a:spcBef>
-        <a:buFont typeface="Arial" panose="020B0604020202020204" pitchFamily="34" charset="0"/>
-        <a:buChar char="•"/>
-        <a:defRPr sz="2400" kern="1200">
-          <a:solidFill>
-            <a:schemeClr val="tx1"/>
-          </a:solidFill>
-          <a:latin typeface="+mn-lt"/>
-          <a:ea typeface="+mn-ea"/>
-          <a:cs typeface="+mn-cs"/>
-        </a:defRPr>
-      </a:lvl2pPr>
-      <a:lvl3pPr marL="1143000" indent="-228600" algn="l" defTabSz="914400" rtl="0" eaLnBrk="1" latinLnBrk="0" hangingPunct="1">
-        <a:lnSpc>
-          <a:spcPct val="90000"/>
-        </a:lnSpc>
-        <a:spcBef>
-          <a:spcPts val="500"/>
-        </a:spcBef>
-        <a:buFont typeface="Arial" panose="020B0604020202020204" pitchFamily="34" charset="0"/>
-        <a:buChar char="•"/>
-        <a:defRPr sz="2000" kern="1200">
-          <a:solidFill>
-            <a:schemeClr val="tx1"/>
-          </a:solidFill>
-          <a:latin typeface="+mn-lt"/>
-          <a:ea typeface="+mn-ea"/>
-          <a:cs typeface="+mn-cs"/>
-        </a:defRPr>
-      </a:lvl3pPr>
-      <a:lvl4pPr marL="1600200" indent="-228600" algn="l" defTabSz="914400" rtl="0" eaLnBrk="1" latinLnBrk="0" hangingPunct="1">
-        <a:lnSpc>
-          <a:spcPct val="90000"/>
-        </a:lnSpc>
-        <a:spcBef>
-          <a:spcPts val="500"/>
+          <a:spcPts val="375"/>
         </a:spcBef>
         <a:buFont typeface="Arial" panose="020B0604020202020204" pitchFamily="34" charset="0"/>
         <a:buChar char="•"/>
@@ -3134,17 +2724,53 @@
           <a:ea typeface="+mn-ea"/>
           <a:cs typeface="+mn-cs"/>
         </a:defRPr>
-      </a:lvl4pPr>
-      <a:lvl5pPr marL="2057400" indent="-228600" algn="l" defTabSz="914400" rtl="0" eaLnBrk="1" latinLnBrk="0" hangingPunct="1">
+      </a:lvl2pPr>
+      <a:lvl3pPr marL="857250" indent="-171450" algn="l" defTabSz="685800" rtl="0" eaLnBrk="1" latinLnBrk="0" hangingPunct="1">
         <a:lnSpc>
           <a:spcPct val="90000"/>
         </a:lnSpc>
         <a:spcBef>
-          <a:spcPts val="500"/>
+          <a:spcPts val="375"/>
         </a:spcBef>
         <a:buFont typeface="Arial" panose="020B0604020202020204" pitchFamily="34" charset="0"/>
         <a:buChar char="•"/>
-        <a:defRPr sz="1800" kern="1200">
+        <a:defRPr sz="1500" kern="1200">
+          <a:solidFill>
+            <a:schemeClr val="tx1"/>
+          </a:solidFill>
+          <a:latin typeface="+mn-lt"/>
+          <a:ea typeface="+mn-ea"/>
+          <a:cs typeface="+mn-cs"/>
+        </a:defRPr>
+      </a:lvl3pPr>
+      <a:lvl4pPr marL="1200150" indent="-171450" algn="l" defTabSz="685800" rtl="0" eaLnBrk="1" latinLnBrk="0" hangingPunct="1">
+        <a:lnSpc>
+          <a:spcPct val="90000"/>
+        </a:lnSpc>
+        <a:spcBef>
+          <a:spcPts val="375"/>
+        </a:spcBef>
+        <a:buFont typeface="Arial" panose="020B0604020202020204" pitchFamily="34" charset="0"/>
+        <a:buChar char="•"/>
+        <a:defRPr sz="1350" kern="1200">
+          <a:solidFill>
+            <a:schemeClr val="tx1"/>
+          </a:solidFill>
+          <a:latin typeface="+mn-lt"/>
+          <a:ea typeface="+mn-ea"/>
+          <a:cs typeface="+mn-cs"/>
+        </a:defRPr>
+      </a:lvl4pPr>
+      <a:lvl5pPr marL="1543050" indent="-171450" algn="l" defTabSz="685800" rtl="0" eaLnBrk="1" latinLnBrk="0" hangingPunct="1">
+        <a:lnSpc>
+          <a:spcPct val="90000"/>
+        </a:lnSpc>
+        <a:spcBef>
+          <a:spcPts val="375"/>
+        </a:spcBef>
+        <a:buFont typeface="Arial" panose="020B0604020202020204" pitchFamily="34" charset="0"/>
+        <a:buChar char="•"/>
+        <a:defRPr sz="1350" kern="1200">
           <a:solidFill>
             <a:schemeClr val="tx1"/>
           </a:solidFill>
@@ -3153,16 +2779,16 @@
           <a:cs typeface="+mn-cs"/>
         </a:defRPr>
       </a:lvl5pPr>
-      <a:lvl6pPr marL="2514600" indent="-228600" algn="l" defTabSz="914400" rtl="0" eaLnBrk="1" latinLnBrk="0" hangingPunct="1">
+      <a:lvl6pPr marL="1885950" indent="-171450" algn="l" defTabSz="685800" rtl="0" eaLnBrk="1" latinLnBrk="0" hangingPunct="1">
         <a:lnSpc>
           <a:spcPct val="90000"/>
         </a:lnSpc>
         <a:spcBef>
-          <a:spcPts val="500"/>
+          <a:spcPts val="375"/>
         </a:spcBef>
         <a:buFont typeface="Arial" panose="020B0604020202020204" pitchFamily="34" charset="0"/>
         <a:buChar char="•"/>
-        <a:defRPr sz="1800" kern="1200">
+        <a:defRPr sz="1350" kern="1200">
           <a:solidFill>
             <a:schemeClr val="tx1"/>
           </a:solidFill>
@@ -3171,16 +2797,16 @@
           <a:cs typeface="+mn-cs"/>
         </a:defRPr>
       </a:lvl6pPr>
-      <a:lvl7pPr marL="2971800" indent="-228600" algn="l" defTabSz="914400" rtl="0" eaLnBrk="1" latinLnBrk="0" hangingPunct="1">
+      <a:lvl7pPr marL="2228850" indent="-171450" algn="l" defTabSz="685800" rtl="0" eaLnBrk="1" latinLnBrk="0" hangingPunct="1">
         <a:lnSpc>
           <a:spcPct val="90000"/>
         </a:lnSpc>
         <a:spcBef>
-          <a:spcPts val="500"/>
+          <a:spcPts val="375"/>
         </a:spcBef>
         <a:buFont typeface="Arial" panose="020B0604020202020204" pitchFamily="34" charset="0"/>
         <a:buChar char="•"/>
-        <a:defRPr sz="1800" kern="1200">
+        <a:defRPr sz="1350" kern="1200">
           <a:solidFill>
             <a:schemeClr val="tx1"/>
           </a:solidFill>
@@ -3189,16 +2815,16 @@
           <a:cs typeface="+mn-cs"/>
         </a:defRPr>
       </a:lvl7pPr>
-      <a:lvl8pPr marL="3429000" indent="-228600" algn="l" defTabSz="914400" rtl="0" eaLnBrk="1" latinLnBrk="0" hangingPunct="1">
+      <a:lvl8pPr marL="2571750" indent="-171450" algn="l" defTabSz="685800" rtl="0" eaLnBrk="1" latinLnBrk="0" hangingPunct="1">
         <a:lnSpc>
           <a:spcPct val="90000"/>
         </a:lnSpc>
         <a:spcBef>
-          <a:spcPts val="500"/>
+          <a:spcPts val="375"/>
         </a:spcBef>
         <a:buFont typeface="Arial" panose="020B0604020202020204" pitchFamily="34" charset="0"/>
         <a:buChar char="•"/>
-        <a:defRPr sz="1800" kern="1200">
+        <a:defRPr sz="1350" kern="1200">
           <a:solidFill>
             <a:schemeClr val="tx1"/>
           </a:solidFill>
@@ -3207,16 +2833,16 @@
           <a:cs typeface="+mn-cs"/>
         </a:defRPr>
       </a:lvl8pPr>
-      <a:lvl9pPr marL="3886200" indent="-228600" algn="l" defTabSz="914400" rtl="0" eaLnBrk="1" latinLnBrk="0" hangingPunct="1">
+      <a:lvl9pPr marL="2914650" indent="-171450" algn="l" defTabSz="685800" rtl="0" eaLnBrk="1" latinLnBrk="0" hangingPunct="1">
         <a:lnSpc>
           <a:spcPct val="90000"/>
         </a:lnSpc>
         <a:spcBef>
-          <a:spcPts val="500"/>
+          <a:spcPts val="375"/>
         </a:spcBef>
         <a:buFont typeface="Arial" panose="020B0604020202020204" pitchFamily="34" charset="0"/>
         <a:buChar char="•"/>
-        <a:defRPr sz="1800" kern="1200">
+        <a:defRPr sz="1350" kern="1200">
           <a:solidFill>
             <a:schemeClr val="tx1"/>
           </a:solidFill>
@@ -3228,10 +2854,10 @@
     </p:bodyStyle>
     <p:otherStyle>
       <a:defPPr>
-        <a:defRPr lang="es-AR"/>
+        <a:defRPr lang="en-US"/>
       </a:defPPr>
-      <a:lvl1pPr marL="0" algn="l" defTabSz="914400" rtl="0" eaLnBrk="1" latinLnBrk="0" hangingPunct="1">
-        <a:defRPr sz="1800" kern="1200">
+      <a:lvl1pPr marL="0" algn="l" defTabSz="685800" rtl="0" eaLnBrk="1" latinLnBrk="0" hangingPunct="1">
+        <a:defRPr sz="1350" kern="1200">
           <a:solidFill>
             <a:schemeClr val="tx1"/>
           </a:solidFill>
@@ -3240,8 +2866,8 @@
           <a:cs typeface="+mn-cs"/>
         </a:defRPr>
       </a:lvl1pPr>
-      <a:lvl2pPr marL="457200" algn="l" defTabSz="914400" rtl="0" eaLnBrk="1" latinLnBrk="0" hangingPunct="1">
-        <a:defRPr sz="1800" kern="1200">
+      <a:lvl2pPr marL="342900" algn="l" defTabSz="685800" rtl="0" eaLnBrk="1" latinLnBrk="0" hangingPunct="1">
+        <a:defRPr sz="1350" kern="1200">
           <a:solidFill>
             <a:schemeClr val="tx1"/>
           </a:solidFill>
@@ -3250,8 +2876,8 @@
           <a:cs typeface="+mn-cs"/>
         </a:defRPr>
       </a:lvl2pPr>
-      <a:lvl3pPr marL="914400" algn="l" defTabSz="914400" rtl="0" eaLnBrk="1" latinLnBrk="0" hangingPunct="1">
-        <a:defRPr sz="1800" kern="1200">
+      <a:lvl3pPr marL="685800" algn="l" defTabSz="685800" rtl="0" eaLnBrk="1" latinLnBrk="0" hangingPunct="1">
+        <a:defRPr sz="1350" kern="1200">
           <a:solidFill>
             <a:schemeClr val="tx1"/>
           </a:solidFill>
@@ -3260,8 +2886,8 @@
           <a:cs typeface="+mn-cs"/>
         </a:defRPr>
       </a:lvl3pPr>
-      <a:lvl4pPr marL="1371600" algn="l" defTabSz="914400" rtl="0" eaLnBrk="1" latinLnBrk="0" hangingPunct="1">
-        <a:defRPr sz="1800" kern="1200">
+      <a:lvl4pPr marL="1028700" algn="l" defTabSz="685800" rtl="0" eaLnBrk="1" latinLnBrk="0" hangingPunct="1">
+        <a:defRPr sz="1350" kern="1200">
           <a:solidFill>
             <a:schemeClr val="tx1"/>
           </a:solidFill>
@@ -3270,8 +2896,8 @@
           <a:cs typeface="+mn-cs"/>
         </a:defRPr>
       </a:lvl4pPr>
-      <a:lvl5pPr marL="1828800" algn="l" defTabSz="914400" rtl="0" eaLnBrk="1" latinLnBrk="0" hangingPunct="1">
-        <a:defRPr sz="1800" kern="1200">
+      <a:lvl5pPr marL="1371600" algn="l" defTabSz="685800" rtl="0" eaLnBrk="1" latinLnBrk="0" hangingPunct="1">
+        <a:defRPr sz="1350" kern="1200">
           <a:solidFill>
             <a:schemeClr val="tx1"/>
           </a:solidFill>
@@ -3280,8 +2906,8 @@
           <a:cs typeface="+mn-cs"/>
         </a:defRPr>
       </a:lvl5pPr>
-      <a:lvl6pPr marL="2286000" algn="l" defTabSz="914400" rtl="0" eaLnBrk="1" latinLnBrk="0" hangingPunct="1">
-        <a:defRPr sz="1800" kern="1200">
+      <a:lvl6pPr marL="1714500" algn="l" defTabSz="685800" rtl="0" eaLnBrk="1" latinLnBrk="0" hangingPunct="1">
+        <a:defRPr sz="1350" kern="1200">
           <a:solidFill>
             <a:schemeClr val="tx1"/>
           </a:solidFill>
@@ -3290,8 +2916,8 @@
           <a:cs typeface="+mn-cs"/>
         </a:defRPr>
       </a:lvl6pPr>
-      <a:lvl7pPr marL="2743200" algn="l" defTabSz="914400" rtl="0" eaLnBrk="1" latinLnBrk="0" hangingPunct="1">
-        <a:defRPr sz="1800" kern="1200">
+      <a:lvl7pPr marL="2057400" algn="l" defTabSz="685800" rtl="0" eaLnBrk="1" latinLnBrk="0" hangingPunct="1">
+        <a:defRPr sz="1350" kern="1200">
           <a:solidFill>
             <a:schemeClr val="tx1"/>
           </a:solidFill>
@@ -3300,8 +2926,8 @@
           <a:cs typeface="+mn-cs"/>
         </a:defRPr>
       </a:lvl7pPr>
-      <a:lvl8pPr marL="3200400" algn="l" defTabSz="914400" rtl="0" eaLnBrk="1" latinLnBrk="0" hangingPunct="1">
-        <a:defRPr sz="1800" kern="1200">
+      <a:lvl8pPr marL="2400300" algn="l" defTabSz="685800" rtl="0" eaLnBrk="1" latinLnBrk="0" hangingPunct="1">
+        <a:defRPr sz="1350" kern="1200">
           <a:solidFill>
             <a:schemeClr val="tx1"/>
           </a:solidFill>
@@ -3310,8 +2936,8 @@
           <a:cs typeface="+mn-cs"/>
         </a:defRPr>
       </a:lvl8pPr>
-      <a:lvl9pPr marL="3657600" algn="l" defTabSz="914400" rtl="0" eaLnBrk="1" latinLnBrk="0" hangingPunct="1">
-        <a:defRPr sz="1800" kern="1200">
+      <a:lvl9pPr marL="2743200" algn="l" defTabSz="685800" rtl="0" eaLnBrk="1" latinLnBrk="0" hangingPunct="1">
+        <a:defRPr sz="1350" kern="1200">
           <a:solidFill>
             <a:schemeClr val="tx1"/>
           </a:solidFill>
@@ -3344,10 +2970,10 @@
       </p:grpSpPr>
       <p:sp>
         <p:nvSpPr>
-          <p:cNvPr id="4" name="Elipse 3">
+          <p:cNvPr id="4" name="Rectángulo: esquinas redondeadas 3">
             <a:extLst>
               <a:ext uri="{FF2B5EF4-FFF2-40B4-BE49-F238E27FC236}">
-                <a16:creationId xmlns:a16="http://schemas.microsoft.com/office/drawing/2014/main" id="{E04703F4-A458-32C0-A4A7-4ED74923CD9D}"/>
+                <a16:creationId xmlns:a16="http://schemas.microsoft.com/office/drawing/2014/main" id="{5DFE833C-805B-EA63-A654-471568AF37E5}"/>
               </a:ext>
             </a:extLst>
           </p:cNvPr>
@@ -3356,23 +2982,24 @@
         </p:nvSpPr>
         <p:spPr>
           <a:xfrm>
-            <a:off x="4116000" y="163285"/>
-            <a:ext cx="3960000" cy="3960000"/>
+            <a:off x="185399" y="1514435"/>
+            <a:ext cx="6521319" cy="3403005"/>
           </a:xfrm>
-          <a:prstGeom prst="ellipse">
-            <a:avLst/>
+          <a:prstGeom prst="roundRect">
+            <a:avLst>
+              <a:gd name="adj" fmla="val 2778"/>
+            </a:avLst>
           </a:prstGeom>
           <a:solidFill>
-            <a:schemeClr val="accent4">
+            <a:schemeClr val="accent6">
               <a:lumMod val="20000"/>
               <a:lumOff val="80000"/>
             </a:schemeClr>
           </a:solidFill>
-          <a:ln w="9525">
+          <a:ln>
             <a:solidFill>
-              <a:schemeClr val="tx1">
-                <a:lumMod val="50000"/>
-                <a:lumOff val="50000"/>
+              <a:schemeClr val="bg1">
+                <a:lumMod val="85000"/>
               </a:schemeClr>
             </a:solidFill>
           </a:ln>
@@ -3394,20 +3021,28 @@
           </a:fontRef>
         </p:style>
         <p:txBody>
-          <a:bodyPr rtlCol="0" anchor="ctr"/>
+          <a:bodyPr rtlCol="0" anchor="t"/>
           <a:lstStyle/>
           <a:p>
-            <a:pPr algn="ctr"/>
-            <a:endParaRPr lang="es-AR"/>
+            <a:r>
+              <a:rPr lang="es-AR" sz="1600" b="1" dirty="0">
+                <a:solidFill>
+                  <a:schemeClr val="accent6">
+                    <a:lumMod val="50000"/>
+                  </a:schemeClr>
+                </a:solidFill>
+              </a:rPr>
+              <a:t>Bunker Quino (Central)</a:t>
+            </a:r>
           </a:p>
         </p:txBody>
       </p:sp>
       <p:sp>
         <p:nvSpPr>
-          <p:cNvPr id="5" name="Elipse 4">
+          <p:cNvPr id="5" name="Rectángulo: esquinas redondeadas 4">
             <a:extLst>
               <a:ext uri="{FF2B5EF4-FFF2-40B4-BE49-F238E27FC236}">
-                <a16:creationId xmlns:a16="http://schemas.microsoft.com/office/drawing/2014/main" id="{4A6BBB55-8C43-C377-81C9-FDB83F3940E6}"/>
+                <a16:creationId xmlns:a16="http://schemas.microsoft.com/office/drawing/2014/main" id="{56F730AA-67BB-F4FC-7CAA-D9CE11695785}"/>
               </a:ext>
             </a:extLst>
           </p:cNvPr>
@@ -3416,23 +3051,24 @@
         </p:nvSpPr>
         <p:spPr>
           <a:xfrm>
-            <a:off x="674914" y="2873827"/>
-            <a:ext cx="3600000" cy="3600000"/>
+            <a:off x="3870960" y="5268134"/>
+            <a:ext cx="2835759" cy="3205306"/>
           </a:xfrm>
-          <a:prstGeom prst="ellipse">
-            <a:avLst/>
+          <a:prstGeom prst="roundRect">
+            <a:avLst>
+              <a:gd name="adj" fmla="val 5168"/>
+            </a:avLst>
           </a:prstGeom>
           <a:solidFill>
-            <a:schemeClr val="accent6">
-              <a:lumMod val="20000"/>
-              <a:lumOff val="80000"/>
+            <a:schemeClr val="tx2">
+              <a:lumMod val="10000"/>
+              <a:lumOff val="90000"/>
             </a:schemeClr>
           </a:solidFill>
-          <a:ln w="9525">
+          <a:ln>
             <a:solidFill>
-              <a:schemeClr val="tx1">
-                <a:lumMod val="50000"/>
-                <a:lumOff val="50000"/>
+              <a:schemeClr val="bg1">
+                <a:lumMod val="85000"/>
               </a:schemeClr>
             </a:solidFill>
           </a:ln>
@@ -3454,20 +3090,67 @@
           </a:fontRef>
         </p:style>
         <p:txBody>
-          <a:bodyPr rtlCol="0" anchor="ctr"/>
+          <a:bodyPr rtlCol="0" anchor="t"/>
           <a:lstStyle/>
           <a:p>
-            <a:pPr algn="ctr"/>
-            <a:endParaRPr lang="es-AR"/>
+            <a:r>
+              <a:rPr lang="es-AR" sz="1200" b="1" dirty="0">
+                <a:solidFill>
+                  <a:schemeClr val="accent1"/>
+                </a:solidFill>
+              </a:rPr>
+              <a:t>Bunker Fontanarrosa (Remoto 2)</a:t>
+            </a:r>
           </a:p>
         </p:txBody>
       </p:sp>
+      <p:pic>
+        <p:nvPicPr>
+          <p:cNvPr id="7" name="Imagen 6">
+            <a:extLst>
+              <a:ext uri="{FF2B5EF4-FFF2-40B4-BE49-F238E27FC236}">
+                <a16:creationId xmlns:a16="http://schemas.microsoft.com/office/drawing/2014/main" id="{6A33271B-0959-41D5-3F63-30AEBBA8F022}"/>
+              </a:ext>
+            </a:extLst>
+          </p:cNvPr>
+          <p:cNvPicPr>
+            <a:picLocks noChangeAspect="1"/>
+          </p:cNvPicPr>
+          <p:nvPr/>
+        </p:nvPicPr>
+        <p:blipFill>
+          <a:blip r:embed="rId2">
+            <a:clrChange>
+              <a:clrFrom>
+                <a:srgbClr val="FFFFFF"/>
+              </a:clrFrom>
+              <a:clrTo>
+                <a:srgbClr val="FFFFFF">
+                  <a:alpha val="0"/>
+                </a:srgbClr>
+              </a:clrTo>
+            </a:clrChange>
+          </a:blip>
+          <a:stretch>
+            <a:fillRect/>
+          </a:stretch>
+        </p:blipFill>
+        <p:spPr>
+          <a:xfrm>
+            <a:off x="226039" y="1016103"/>
+            <a:ext cx="287603" cy="180000"/>
+          </a:xfrm>
+          <a:prstGeom prst="rect">
+            <a:avLst/>
+          </a:prstGeom>
+        </p:spPr>
+      </p:pic>
       <p:sp>
         <p:nvSpPr>
-          <p:cNvPr id="6" name="Elipse 5">
+          <p:cNvPr id="8" name="Rectángulo 7">
             <a:extLst>
               <a:ext uri="{FF2B5EF4-FFF2-40B4-BE49-F238E27FC236}">
-                <a16:creationId xmlns:a16="http://schemas.microsoft.com/office/drawing/2014/main" id="{53F89E8C-03F3-24D7-0F24-E672E35B267E}"/>
+                <a16:creationId xmlns:a16="http://schemas.microsoft.com/office/drawing/2014/main" id="{6EB13968-F148-CBA9-6953-A7566170BFF3}"/>
               </a:ext>
             </a:extLst>
           </p:cNvPr>
@@ -3476,120 +3159,8 @@
         </p:nvSpPr>
         <p:spPr>
           <a:xfrm>
-            <a:off x="8011886" y="2873827"/>
-            <a:ext cx="3600000" cy="3600000"/>
-          </a:xfrm>
-          <a:prstGeom prst="ellipse">
-            <a:avLst/>
-          </a:prstGeom>
-          <a:solidFill>
-            <a:schemeClr val="accent2">
-              <a:lumMod val="20000"/>
-              <a:lumOff val="80000"/>
-            </a:schemeClr>
-          </a:solidFill>
-          <a:ln w="9525">
-            <a:solidFill>
-              <a:schemeClr val="tx1">
-                <a:lumMod val="50000"/>
-                <a:lumOff val="50000"/>
-              </a:schemeClr>
-            </a:solidFill>
-          </a:ln>
-        </p:spPr>
-        <p:style>
-          <a:lnRef idx="2">
-            <a:schemeClr val="accent1">
-              <a:shade val="15000"/>
-            </a:schemeClr>
-          </a:lnRef>
-          <a:fillRef idx="1">
-            <a:schemeClr val="accent1"/>
-          </a:fillRef>
-          <a:effectRef idx="0">
-            <a:schemeClr val="accent1"/>
-          </a:effectRef>
-          <a:fontRef idx="minor">
-            <a:schemeClr val="lt1"/>
-          </a:fontRef>
-        </p:style>
-        <p:txBody>
-          <a:bodyPr rtlCol="0" anchor="ctr"/>
-          <a:lstStyle/>
-          <a:p>
-            <a:pPr algn="ctr"/>
-            <a:endParaRPr lang="es-AR"/>
-          </a:p>
-        </p:txBody>
-      </p:sp>
-      <p:sp>
-        <p:nvSpPr>
-          <p:cNvPr id="7" name="Rectángulo 6">
-            <a:extLst>
-              <a:ext uri="{FF2B5EF4-FFF2-40B4-BE49-F238E27FC236}">
-                <a16:creationId xmlns:a16="http://schemas.microsoft.com/office/drawing/2014/main" id="{580AED88-C343-1E58-491B-73774820166F}"/>
-              </a:ext>
-            </a:extLst>
-          </p:cNvPr>
-          <p:cNvSpPr/>
-          <p:nvPr/>
-        </p:nvSpPr>
-        <p:spPr>
-          <a:xfrm>
-            <a:off x="5192486" y="489857"/>
-            <a:ext cx="1654628" cy="239486"/>
-          </a:xfrm>
-          <a:prstGeom prst="rect">
-            <a:avLst/>
-          </a:prstGeom>
-          <a:ln>
-            <a:noFill/>
-          </a:ln>
-        </p:spPr>
-        <p:style>
-          <a:lnRef idx="2">
-            <a:schemeClr val="accent1">
-              <a:shade val="15000"/>
-            </a:schemeClr>
-          </a:lnRef>
-          <a:fillRef idx="1">
-            <a:schemeClr val="accent1"/>
-          </a:fillRef>
-          <a:effectRef idx="0">
-            <a:schemeClr val="accent1"/>
-          </a:effectRef>
-          <a:fontRef idx="minor">
-            <a:schemeClr val="lt1"/>
-          </a:fontRef>
-        </p:style>
-        <p:txBody>
-          <a:bodyPr rtlCol="0" anchor="ctr"/>
-          <a:lstStyle/>
-          <a:p>
-            <a:pPr algn="ctr"/>
-            <a:r>
-              <a:rPr lang="es-AR" b="1" u="sng" dirty="0"/>
-              <a:t>Bunker Quino</a:t>
-            </a:r>
-          </a:p>
-        </p:txBody>
-      </p:sp>
-      <p:sp>
-        <p:nvSpPr>
-          <p:cNvPr id="8" name="Rectángulo 7">
-            <a:extLst>
-              <a:ext uri="{FF2B5EF4-FFF2-40B4-BE49-F238E27FC236}">
-                <a16:creationId xmlns:a16="http://schemas.microsoft.com/office/drawing/2014/main" id="{CABBA0A0-D494-E53C-8640-C1A0E247C35D}"/>
-              </a:ext>
-            </a:extLst>
-          </p:cNvPr>
-          <p:cNvSpPr/>
-          <p:nvPr/>
-        </p:nvSpPr>
-        <p:spPr>
-          <a:xfrm>
-            <a:off x="4740728" y="892629"/>
-            <a:ext cx="2710543" cy="326571"/>
+            <a:off x="475542" y="983417"/>
+            <a:ext cx="723338" cy="252000"/>
           </a:xfrm>
           <a:prstGeom prst="rect">
             <a:avLst/>
@@ -3619,58 +3190,146 @@
           <a:bodyPr rtlCol="0" anchor="ctr"/>
           <a:lstStyle/>
           <a:p>
-            <a:pPr algn="ctr"/>
             <a:r>
-              <a:rPr lang="es-AR" dirty="0">
+              <a:rPr lang="es-AR" sz="1100" dirty="0">
                 <a:solidFill>
-                  <a:schemeClr val="accent1"/>
+                  <a:schemeClr val="tx1"/>
                 </a:solidFill>
               </a:rPr>
-              <a:t>10.0.</a:t>
-            </a:r>
-            <a:r>
-              <a:rPr lang="es-AR" dirty="0">
-                <a:solidFill>
-                  <a:schemeClr val="accent2"/>
-                </a:solidFill>
-              </a:rPr>
-              <a:t>0</a:t>
-            </a:r>
-            <a:r>
-              <a:rPr lang="es-AR" dirty="0">
-                <a:solidFill>
-                  <a:schemeClr val="accent1"/>
-                </a:solidFill>
-              </a:rPr>
-              <a:t>.</a:t>
-            </a:r>
-            <a:r>
-              <a:rPr lang="es-AR" dirty="0">
-                <a:solidFill>
-                  <a:schemeClr val="accent5">
-                    <a:lumMod val="75000"/>
-                  </a:schemeClr>
-                </a:solidFill>
-              </a:rPr>
-              <a:t>0</a:t>
-            </a:r>
-            <a:r>
-              <a:rPr lang="es-AR" dirty="0">
-                <a:solidFill>
-                  <a:schemeClr val="accent1"/>
-                </a:solidFill>
-              </a:rPr>
-              <a:t>/24</a:t>
+              <a:t>Router</a:t>
             </a:r>
           </a:p>
         </p:txBody>
       </p:sp>
+      <p:pic>
+        <p:nvPicPr>
+          <p:cNvPr id="12" name="Imagen 11">
+            <a:extLst>
+              <a:ext uri="{FF2B5EF4-FFF2-40B4-BE49-F238E27FC236}">
+                <a16:creationId xmlns:a16="http://schemas.microsoft.com/office/drawing/2014/main" id="{5053B51A-C4E8-95A0-0B69-D9B65177C706}"/>
+              </a:ext>
+            </a:extLst>
+          </p:cNvPr>
+          <p:cNvPicPr>
+            <a:picLocks noChangeAspect="1"/>
+          </p:cNvPicPr>
+          <p:nvPr/>
+        </p:nvPicPr>
+        <p:blipFill>
+          <a:blip r:embed="rId3">
+            <a:clrChange>
+              <a:clrFrom>
+                <a:srgbClr val="FFFFFF"/>
+              </a:clrFrom>
+              <a:clrTo>
+                <a:srgbClr val="FFFFFF">
+                  <a:alpha val="0"/>
+                </a:srgbClr>
+              </a:clrTo>
+            </a:clrChange>
+          </a:blip>
+          <a:stretch>
+            <a:fillRect/>
+          </a:stretch>
+        </p:blipFill>
+        <p:spPr>
+          <a:xfrm>
+            <a:off x="1238161" y="1011931"/>
+            <a:ext cx="369928" cy="180000"/>
+          </a:xfrm>
+          <a:prstGeom prst="rect">
+            <a:avLst/>
+          </a:prstGeom>
+        </p:spPr>
+      </p:pic>
+      <p:pic>
+        <p:nvPicPr>
+          <p:cNvPr id="14" name="Imagen 13">
+            <a:extLst>
+              <a:ext uri="{FF2B5EF4-FFF2-40B4-BE49-F238E27FC236}">
+                <a16:creationId xmlns:a16="http://schemas.microsoft.com/office/drawing/2014/main" id="{36B812AC-A9F0-8B8B-A508-0D8636658A61}"/>
+              </a:ext>
+            </a:extLst>
+          </p:cNvPr>
+          <p:cNvPicPr>
+            <a:picLocks noChangeAspect="1"/>
+          </p:cNvPicPr>
+          <p:nvPr/>
+        </p:nvPicPr>
+        <p:blipFill>
+          <a:blip r:embed="rId4">
+            <a:clrChange>
+              <a:clrFrom>
+                <a:srgbClr val="FFFFFF"/>
+              </a:clrFrom>
+              <a:clrTo>
+                <a:srgbClr val="FFFFFF">
+                  <a:alpha val="0"/>
+                </a:srgbClr>
+              </a:clrTo>
+            </a:clrChange>
+          </a:blip>
+          <a:stretch>
+            <a:fillRect/>
+          </a:stretch>
+        </p:blipFill>
+        <p:spPr>
+          <a:xfrm>
+            <a:off x="2247718" y="992220"/>
+            <a:ext cx="262096" cy="216000"/>
+          </a:xfrm>
+          <a:prstGeom prst="rect">
+            <a:avLst/>
+          </a:prstGeom>
+        </p:spPr>
+      </p:pic>
+      <p:pic>
+        <p:nvPicPr>
+          <p:cNvPr id="16" name="Imagen 15">
+            <a:extLst>
+              <a:ext uri="{FF2B5EF4-FFF2-40B4-BE49-F238E27FC236}">
+                <a16:creationId xmlns:a16="http://schemas.microsoft.com/office/drawing/2014/main" id="{B598402A-4EF9-C733-2EB6-5F0D5AFA7E55}"/>
+              </a:ext>
+            </a:extLst>
+          </p:cNvPr>
+          <p:cNvPicPr>
+            <a:picLocks noChangeAspect="1"/>
+          </p:cNvPicPr>
+          <p:nvPr/>
+        </p:nvPicPr>
+        <p:blipFill>
+          <a:blip r:embed="rId5">
+            <a:clrChange>
+              <a:clrFrom>
+                <a:srgbClr val="FFFFFF"/>
+              </a:clrFrom>
+              <a:clrTo>
+                <a:srgbClr val="FFFFFF">
+                  <a:alpha val="0"/>
+                </a:srgbClr>
+              </a:clrTo>
+            </a:clrChange>
+          </a:blip>
+          <a:stretch>
+            <a:fillRect/>
+          </a:stretch>
+        </p:blipFill>
+        <p:spPr>
+          <a:xfrm>
+            <a:off x="3134204" y="989180"/>
+            <a:ext cx="151261" cy="216000"/>
+          </a:xfrm>
+          <a:prstGeom prst="rect">
+            <a:avLst/>
+          </a:prstGeom>
+        </p:spPr>
+      </p:pic>
       <p:sp>
         <p:nvSpPr>
-          <p:cNvPr id="9" name="Rectángulo 8">
+          <p:cNvPr id="21" name="Rectángulo 20">
             <a:extLst>
               <a:ext uri="{FF2B5EF4-FFF2-40B4-BE49-F238E27FC236}">
-                <a16:creationId xmlns:a16="http://schemas.microsoft.com/office/drawing/2014/main" id="{F4EB303A-E6E0-50E2-ECC6-F3F652E81759}"/>
+                <a16:creationId xmlns:a16="http://schemas.microsoft.com/office/drawing/2014/main" id="{0D088404-92DD-2227-DEB7-2BC979750CFF}"/>
               </a:ext>
             </a:extLst>
           </p:cNvPr>
@@ -3679,8 +3338,8 @@
         </p:nvSpPr>
         <p:spPr>
           <a:xfrm>
-            <a:off x="9481457" y="261257"/>
-            <a:ext cx="2362200" cy="664029"/>
+            <a:off x="111760" y="686789"/>
+            <a:ext cx="2764970" cy="292903"/>
           </a:xfrm>
           <a:prstGeom prst="rect">
             <a:avLst/>
@@ -3710,43 +3369,1585 @@
           <a:bodyPr rtlCol="0" anchor="ctr"/>
           <a:lstStyle/>
           <a:p>
-            <a:pPr marL="285750" indent="-285750">
-              <a:buFont typeface="Arial" panose="020B0604020202020204" pitchFamily="34" charset="0"/>
-              <a:buChar char="•"/>
-            </a:pPr>
             <a:r>
-              <a:rPr lang="es-AR" dirty="0">
+              <a:rPr lang="es-AR" sz="1400" u="sng" dirty="0">
                 <a:solidFill>
-                  <a:schemeClr val="accent2"/>
-                </a:solidFill>
-              </a:rPr>
-              <a:t>Subred</a:t>
-            </a:r>
-          </a:p>
-          <a:p>
-            <a:pPr marL="285750" indent="-285750">
-              <a:buFont typeface="Arial" panose="020B0604020202020204" pitchFamily="34" charset="0"/>
-              <a:buChar char="•"/>
-            </a:pPr>
-            <a:r>
-              <a:rPr lang="es-AR" dirty="0">
-                <a:solidFill>
-                  <a:schemeClr val="accent5">
-                    <a:lumMod val="75000"/>
+                  <a:schemeClr val="tx1">
+                    <a:lumMod val="85000"/>
+                    <a:lumOff val="15000"/>
                   </a:schemeClr>
                 </a:solidFill>
               </a:rPr>
-              <a:t>Host</a:t>
+              <a:t>Referencia dispositivos</a:t>
             </a:r>
           </a:p>
         </p:txBody>
       </p:sp>
+      <p:pic>
+        <p:nvPicPr>
+          <p:cNvPr id="25" name="Imagen 24">
+            <a:extLst>
+              <a:ext uri="{FF2B5EF4-FFF2-40B4-BE49-F238E27FC236}">
+                <a16:creationId xmlns:a16="http://schemas.microsoft.com/office/drawing/2014/main" id="{D993DE05-28D3-81E4-B09C-18637E6BDCAC}"/>
+              </a:ext>
+            </a:extLst>
+          </p:cNvPr>
+          <p:cNvPicPr>
+            <a:picLocks noChangeAspect="1"/>
+          </p:cNvPicPr>
+          <p:nvPr/>
+        </p:nvPicPr>
+        <p:blipFill>
+          <a:blip r:embed="rId2">
+            <a:clrChange>
+              <a:clrFrom>
+                <a:srgbClr val="FFFFFF"/>
+              </a:clrFrom>
+              <a:clrTo>
+                <a:srgbClr val="FFFFFF">
+                  <a:alpha val="0"/>
+                </a:srgbClr>
+              </a:clrTo>
+            </a:clrChange>
+          </a:blip>
+          <a:stretch>
+            <a:fillRect/>
+          </a:stretch>
+        </p:blipFill>
+        <p:spPr>
+          <a:xfrm>
+            <a:off x="3184840" y="4261620"/>
+            <a:ext cx="468000" cy="292903"/>
+          </a:xfrm>
+          <a:prstGeom prst="rect">
+            <a:avLst/>
+          </a:prstGeom>
+        </p:spPr>
+      </p:pic>
+      <p:pic>
+        <p:nvPicPr>
+          <p:cNvPr id="67" name="Imagen 66">
+            <a:extLst>
+              <a:ext uri="{FF2B5EF4-FFF2-40B4-BE49-F238E27FC236}">
+                <a16:creationId xmlns:a16="http://schemas.microsoft.com/office/drawing/2014/main" id="{764542D4-3091-DDC7-661B-BC1B4BDC8E9F}"/>
+              </a:ext>
+            </a:extLst>
+          </p:cNvPr>
+          <p:cNvPicPr>
+            <a:picLocks noChangeAspect="1"/>
+          </p:cNvPicPr>
+          <p:nvPr/>
+        </p:nvPicPr>
+        <p:blipFill>
+          <a:blip r:embed="rId3">
+            <a:clrChange>
+              <a:clrFrom>
+                <a:srgbClr val="FFFFFF"/>
+              </a:clrFrom>
+              <a:clrTo>
+                <a:srgbClr val="FFFFFF">
+                  <a:alpha val="0"/>
+                </a:srgbClr>
+              </a:clrTo>
+            </a:clrChange>
+          </a:blip>
+          <a:stretch>
+            <a:fillRect/>
+          </a:stretch>
+        </p:blipFill>
+        <p:spPr>
+          <a:xfrm>
+            <a:off x="3148840" y="3258333"/>
+            <a:ext cx="540000" cy="262755"/>
+          </a:xfrm>
+          <a:prstGeom prst="rect">
+            <a:avLst/>
+          </a:prstGeom>
+        </p:spPr>
+      </p:pic>
+      <p:grpSp>
+        <p:nvGrpSpPr>
+          <p:cNvPr id="80" name="Grupo 79">
+            <a:extLst>
+              <a:ext uri="{FF2B5EF4-FFF2-40B4-BE49-F238E27FC236}">
+                <a16:creationId xmlns:a16="http://schemas.microsoft.com/office/drawing/2014/main" id="{9A28B19C-A788-58BA-42BC-A9EE500C5C3E}"/>
+              </a:ext>
+            </a:extLst>
+          </p:cNvPr>
+          <p:cNvGrpSpPr/>
+          <p:nvPr/>
+        </p:nvGrpSpPr>
+        <p:grpSpPr>
+          <a:xfrm>
+            <a:off x="389677" y="1932809"/>
+            <a:ext cx="1926771" cy="1292455"/>
+            <a:chOff x="-2079171" y="3738604"/>
+            <a:chExt cx="1926771" cy="1292455"/>
+          </a:xfrm>
+        </p:grpSpPr>
+        <p:grpSp>
+          <p:nvGrpSpPr>
+            <p:cNvPr id="57" name="Grupo 56">
+              <a:extLst>
+                <a:ext uri="{FF2B5EF4-FFF2-40B4-BE49-F238E27FC236}">
+                  <a16:creationId xmlns:a16="http://schemas.microsoft.com/office/drawing/2014/main" id="{82CF0107-6AF0-A805-EB3F-945EA03CC32B}"/>
+                </a:ext>
+              </a:extLst>
+            </p:cNvPr>
+            <p:cNvGrpSpPr/>
+            <p:nvPr/>
+          </p:nvGrpSpPr>
+          <p:grpSpPr>
+            <a:xfrm>
+              <a:off x="-2079171" y="3738604"/>
+              <a:ext cx="1926771" cy="1292455"/>
+              <a:chOff x="587829" y="1071603"/>
+              <a:chExt cx="1926771" cy="1292455"/>
+            </a:xfrm>
+          </p:grpSpPr>
+          <p:sp>
+            <p:nvSpPr>
+              <p:cNvPr id="26" name="Rectángulo: esquinas redondeadas 25">
+                <a:extLst>
+                  <a:ext uri="{FF2B5EF4-FFF2-40B4-BE49-F238E27FC236}">
+                    <a16:creationId xmlns:a16="http://schemas.microsoft.com/office/drawing/2014/main" id="{8A4003FE-925E-6DDF-C225-AEFE3AE44C53}"/>
+                  </a:ext>
+                </a:extLst>
+              </p:cNvPr>
+              <p:cNvSpPr/>
+              <p:nvPr/>
+            </p:nvSpPr>
+            <p:spPr>
+              <a:xfrm>
+                <a:off x="587829" y="1071603"/>
+                <a:ext cx="1926771" cy="1260000"/>
+              </a:xfrm>
+              <a:prstGeom prst="roundRect">
+                <a:avLst/>
+              </a:prstGeom>
+              <a:solidFill>
+                <a:schemeClr val="bg1"/>
+              </a:solidFill>
+              <a:ln>
+                <a:noFill/>
+              </a:ln>
+            </p:spPr>
+            <p:style>
+              <a:lnRef idx="2">
+                <a:schemeClr val="accent1">
+                  <a:shade val="15000"/>
+                </a:schemeClr>
+              </a:lnRef>
+              <a:fillRef idx="1">
+                <a:schemeClr val="accent1"/>
+              </a:fillRef>
+              <a:effectRef idx="0">
+                <a:schemeClr val="accent1"/>
+              </a:effectRef>
+              <a:fontRef idx="minor">
+                <a:schemeClr val="lt1"/>
+              </a:fontRef>
+            </p:style>
+            <p:txBody>
+              <a:bodyPr rtlCol="0" anchor="ctr"/>
+              <a:lstStyle/>
+              <a:p>
+                <a:pPr algn="ctr"/>
+                <a:endParaRPr lang="es-AR" dirty="0"/>
+              </a:p>
+            </p:txBody>
+          </p:sp>
+          <p:sp>
+            <p:nvSpPr>
+              <p:cNvPr id="27" name="Rectángulo 26">
+                <a:extLst>
+                  <a:ext uri="{FF2B5EF4-FFF2-40B4-BE49-F238E27FC236}">
+                    <a16:creationId xmlns:a16="http://schemas.microsoft.com/office/drawing/2014/main" id="{CE14AED9-16B3-43F6-F3F8-1CFAF849EA43}"/>
+                  </a:ext>
+                </a:extLst>
+              </p:cNvPr>
+              <p:cNvSpPr/>
+              <p:nvPr/>
+            </p:nvSpPr>
+            <p:spPr>
+              <a:xfrm>
+                <a:off x="587829" y="2176799"/>
+                <a:ext cx="1926771" cy="187259"/>
+              </a:xfrm>
+              <a:prstGeom prst="rect">
+                <a:avLst/>
+              </a:prstGeom>
+              <a:solidFill>
+                <a:schemeClr val="bg1">
+                  <a:lumMod val="95000"/>
+                </a:schemeClr>
+              </a:solidFill>
+              <a:ln>
+                <a:noFill/>
+              </a:ln>
+            </p:spPr>
+            <p:style>
+              <a:lnRef idx="2">
+                <a:schemeClr val="accent1">
+                  <a:shade val="15000"/>
+                </a:schemeClr>
+              </a:lnRef>
+              <a:fillRef idx="1">
+                <a:schemeClr val="accent1"/>
+              </a:fillRef>
+              <a:effectRef idx="0">
+                <a:schemeClr val="accent1"/>
+              </a:effectRef>
+              <a:fontRef idx="minor">
+                <a:schemeClr val="lt1"/>
+              </a:fontRef>
+            </p:style>
+            <p:txBody>
+              <a:bodyPr rtlCol="0" anchor="ctr"/>
+              <a:lstStyle/>
+              <a:p>
+                <a:r>
+                  <a:rPr lang="es-AR" sz="1100" dirty="0">
+                    <a:solidFill>
+                      <a:schemeClr val="tx1">
+                        <a:lumMod val="85000"/>
+                        <a:lumOff val="15000"/>
+                      </a:schemeClr>
+                    </a:solidFill>
+                  </a:rPr>
+                  <a:t>Investigación</a:t>
+                </a:r>
+              </a:p>
+            </p:txBody>
+          </p:sp>
+        </p:grpSp>
+        <p:pic>
+          <p:nvPicPr>
+            <p:cNvPr id="28" name="Imagen 27">
+              <a:extLst>
+                <a:ext uri="{FF2B5EF4-FFF2-40B4-BE49-F238E27FC236}">
+                  <a16:creationId xmlns:a16="http://schemas.microsoft.com/office/drawing/2014/main" id="{25667BD6-EE3A-588F-12FF-582F72DE8BBF}"/>
+                </a:ext>
+              </a:extLst>
+            </p:cNvPr>
+            <p:cNvPicPr>
+              <a:picLocks noChangeAspect="1"/>
+            </p:cNvPicPr>
+            <p:nvPr/>
+          </p:nvPicPr>
+          <p:blipFill>
+            <a:blip r:embed="rId3">
+              <a:clrChange>
+                <a:clrFrom>
+                  <a:srgbClr val="FFFFFF"/>
+                </a:clrFrom>
+                <a:clrTo>
+                  <a:srgbClr val="FFFFFF">
+                    <a:alpha val="0"/>
+                  </a:srgbClr>
+                </a:clrTo>
+              </a:clrChange>
+            </a:blip>
+            <a:stretch>
+              <a:fillRect/>
+            </a:stretch>
+          </p:blipFill>
+          <p:spPr>
+            <a:xfrm>
+              <a:off x="-921363" y="4142407"/>
+              <a:ext cx="540000" cy="262755"/>
+            </a:xfrm>
+            <a:prstGeom prst="rect">
+              <a:avLst/>
+            </a:prstGeom>
+          </p:spPr>
+        </p:pic>
+        <p:pic>
+          <p:nvPicPr>
+            <p:cNvPr id="29" name="Imagen 28">
+              <a:extLst>
+                <a:ext uri="{FF2B5EF4-FFF2-40B4-BE49-F238E27FC236}">
+                  <a16:creationId xmlns:a16="http://schemas.microsoft.com/office/drawing/2014/main" id="{190F4C65-FD27-0CBF-0980-06B24670991A}"/>
+                </a:ext>
+              </a:extLst>
+            </p:cNvPr>
+            <p:cNvPicPr>
+              <a:picLocks noChangeAspect="1"/>
+            </p:cNvPicPr>
+            <p:nvPr/>
+          </p:nvPicPr>
+          <p:blipFill>
+            <a:blip r:embed="rId4">
+              <a:clrChange>
+                <a:clrFrom>
+                  <a:srgbClr val="FFFFFF"/>
+                </a:clrFrom>
+                <a:clrTo>
+                  <a:srgbClr val="FFFFFF">
+                    <a:alpha val="0"/>
+                  </a:srgbClr>
+                </a:clrTo>
+              </a:clrChange>
+            </a:blip>
+            <a:stretch>
+              <a:fillRect/>
+            </a:stretch>
+          </p:blipFill>
+          <p:spPr>
+            <a:xfrm>
+              <a:off x="-1927706" y="3818059"/>
+              <a:ext cx="432000" cy="356021"/>
+            </a:xfrm>
+            <a:prstGeom prst="rect">
+              <a:avLst/>
+            </a:prstGeom>
+          </p:spPr>
+        </p:pic>
+        <p:cxnSp>
+          <p:nvCxnSpPr>
+            <p:cNvPr id="48" name="Conector: angular 47">
+              <a:extLst>
+                <a:ext uri="{FF2B5EF4-FFF2-40B4-BE49-F238E27FC236}">
+                  <a16:creationId xmlns:a16="http://schemas.microsoft.com/office/drawing/2014/main" id="{390D6637-FB1E-6C3D-8F4E-F6BB6DA4DE33}"/>
+                </a:ext>
+              </a:extLst>
+            </p:cNvPr>
+            <p:cNvCxnSpPr>
+              <a:cxnSpLocks/>
+              <a:stCxn id="29" idx="3"/>
+              <a:endCxn id="28" idx="1"/>
+            </p:cNvCxnSpPr>
+            <p:nvPr/>
+          </p:nvCxnSpPr>
+          <p:spPr>
+            <a:xfrm>
+              <a:off x="-1495706" y="3996070"/>
+              <a:ext cx="574343" cy="277715"/>
+            </a:xfrm>
+            <a:prstGeom prst="bentConnector3">
+              <a:avLst>
+                <a:gd name="adj1" fmla="val 50000"/>
+              </a:avLst>
+            </a:prstGeom>
+            <a:ln>
+              <a:solidFill>
+                <a:schemeClr val="accent4">
+                  <a:lumMod val="75000"/>
+                </a:schemeClr>
+              </a:solidFill>
+              <a:headEnd type="triangle"/>
+              <a:tailEnd type="triangle"/>
+            </a:ln>
+          </p:spPr>
+          <p:style>
+            <a:lnRef idx="2">
+              <a:schemeClr val="accent1"/>
+            </a:lnRef>
+            <a:fillRef idx="0">
+              <a:schemeClr val="accent1"/>
+            </a:fillRef>
+            <a:effectRef idx="1">
+              <a:schemeClr val="accent1"/>
+            </a:effectRef>
+            <a:fontRef idx="minor">
+              <a:schemeClr val="tx1"/>
+            </a:fontRef>
+          </p:style>
+        </p:cxnSp>
+        <p:sp>
+          <p:nvSpPr>
+            <p:cNvPr id="62" name="Rectángulo 61">
+              <a:extLst>
+                <a:ext uri="{FF2B5EF4-FFF2-40B4-BE49-F238E27FC236}">
+                  <a16:creationId xmlns:a16="http://schemas.microsoft.com/office/drawing/2014/main" id="{C99066D6-7506-B6E7-62BB-D71D86EBC51A}"/>
+                </a:ext>
+              </a:extLst>
+            </p:cNvPr>
+            <p:cNvSpPr/>
+            <p:nvPr/>
+          </p:nvSpPr>
+          <p:spPr>
+            <a:xfrm>
+              <a:off x="-1982136" y="4213217"/>
+              <a:ext cx="523448" cy="151395"/>
+            </a:xfrm>
+            <a:prstGeom prst="rect">
+              <a:avLst/>
+            </a:prstGeom>
+            <a:noFill/>
+            <a:ln>
+              <a:noFill/>
+            </a:ln>
+          </p:spPr>
+          <p:style>
+            <a:lnRef idx="2">
+              <a:schemeClr val="accent1">
+                <a:shade val="15000"/>
+              </a:schemeClr>
+            </a:lnRef>
+            <a:fillRef idx="1">
+              <a:schemeClr val="accent1"/>
+            </a:fillRef>
+            <a:effectRef idx="0">
+              <a:schemeClr val="accent1"/>
+            </a:effectRef>
+            <a:fontRef idx="minor">
+              <a:schemeClr val="lt1"/>
+            </a:fontRef>
+          </p:style>
+          <p:txBody>
+            <a:bodyPr rtlCol="0" anchor="ctr"/>
+            <a:lstStyle/>
+            <a:p>
+              <a:pPr algn="ctr"/>
+              <a:r>
+                <a:rPr lang="es-AR" sz="1050" dirty="0">
+                  <a:solidFill>
+                    <a:schemeClr val="tx1">
+                      <a:lumMod val="85000"/>
+                      <a:lumOff val="15000"/>
+                    </a:schemeClr>
+                  </a:solidFill>
+                </a:rPr>
+                <a:t>x120</a:t>
+              </a:r>
+            </a:p>
+          </p:txBody>
+        </p:sp>
+        <p:pic>
+          <p:nvPicPr>
+            <p:cNvPr id="63" name="Imagen 62">
+              <a:extLst>
+                <a:ext uri="{FF2B5EF4-FFF2-40B4-BE49-F238E27FC236}">
+                  <a16:creationId xmlns:a16="http://schemas.microsoft.com/office/drawing/2014/main" id="{DC91B1F3-C791-01C5-0382-B528F83BAFF3}"/>
+                </a:ext>
+              </a:extLst>
+            </p:cNvPr>
+            <p:cNvPicPr>
+              <a:picLocks noChangeAspect="1"/>
+            </p:cNvPicPr>
+            <p:nvPr/>
+          </p:nvPicPr>
+          <p:blipFill>
+            <a:blip r:embed="rId4">
+              <a:clrChange>
+                <a:clrFrom>
+                  <a:srgbClr val="FFFFFF"/>
+                </a:clrFrom>
+                <a:clrTo>
+                  <a:srgbClr val="FFFFFF">
+                    <a:alpha val="0"/>
+                  </a:srgbClr>
+                </a:clrTo>
+              </a:clrChange>
+            </a:blip>
+            <a:stretch>
+              <a:fillRect/>
+            </a:stretch>
+          </p:blipFill>
+          <p:spPr>
+            <a:xfrm>
+              <a:off x="-1927706" y="4404734"/>
+              <a:ext cx="432000" cy="356021"/>
+            </a:xfrm>
+            <a:prstGeom prst="rect">
+              <a:avLst/>
+            </a:prstGeom>
+          </p:spPr>
+        </p:pic>
+        <p:cxnSp>
+          <p:nvCxnSpPr>
+            <p:cNvPr id="71" name="Conector: angular 70">
+              <a:extLst>
+                <a:ext uri="{FF2B5EF4-FFF2-40B4-BE49-F238E27FC236}">
+                  <a16:creationId xmlns:a16="http://schemas.microsoft.com/office/drawing/2014/main" id="{B5874E66-2159-99CA-83C4-C02BF3868731}"/>
+                </a:ext>
+              </a:extLst>
+            </p:cNvPr>
+            <p:cNvCxnSpPr>
+              <a:cxnSpLocks/>
+              <a:stCxn id="63" idx="3"/>
+              <a:endCxn id="28" idx="1"/>
+            </p:cNvCxnSpPr>
+            <p:nvPr/>
+          </p:nvCxnSpPr>
+          <p:spPr>
+            <a:xfrm flipV="1">
+              <a:off x="-1495706" y="4273785"/>
+              <a:ext cx="574343" cy="308960"/>
+            </a:xfrm>
+            <a:prstGeom prst="bentConnector3">
+              <a:avLst>
+                <a:gd name="adj1" fmla="val 50000"/>
+              </a:avLst>
+            </a:prstGeom>
+            <a:ln>
+              <a:solidFill>
+                <a:schemeClr val="accent4">
+                  <a:lumMod val="75000"/>
+                </a:schemeClr>
+              </a:solidFill>
+              <a:headEnd type="triangle"/>
+              <a:tailEnd type="triangle"/>
+            </a:ln>
+          </p:spPr>
+          <p:style>
+            <a:lnRef idx="2">
+              <a:schemeClr val="accent1"/>
+            </a:lnRef>
+            <a:fillRef idx="0">
+              <a:schemeClr val="accent1"/>
+            </a:fillRef>
+            <a:effectRef idx="1">
+              <a:schemeClr val="accent1"/>
+            </a:effectRef>
+            <a:fontRef idx="minor">
+              <a:schemeClr val="tx1"/>
+            </a:fontRef>
+          </p:style>
+        </p:cxnSp>
+      </p:grpSp>
+      <p:cxnSp>
+        <p:nvCxnSpPr>
+          <p:cNvPr id="45" name="Conector: angular 44">
+            <a:extLst>
+              <a:ext uri="{FF2B5EF4-FFF2-40B4-BE49-F238E27FC236}">
+                <a16:creationId xmlns:a16="http://schemas.microsoft.com/office/drawing/2014/main" id="{3A50CCB9-74D5-5D78-D071-9D8F810C6A06}"/>
+              </a:ext>
+            </a:extLst>
+          </p:cNvPr>
+          <p:cNvCxnSpPr>
+            <a:cxnSpLocks/>
+            <a:stCxn id="28" idx="3"/>
+            <a:endCxn id="67" idx="0"/>
+          </p:cNvCxnSpPr>
+          <p:nvPr/>
+        </p:nvCxnSpPr>
+        <p:spPr>
+          <a:xfrm>
+            <a:off x="2087485" y="2467990"/>
+            <a:ext cx="1331355" cy="790343"/>
+          </a:xfrm>
+          <a:prstGeom prst="bentConnector2">
+            <a:avLst/>
+          </a:prstGeom>
+          <a:ln>
+            <a:solidFill>
+              <a:schemeClr val="accent4">
+                <a:lumMod val="75000"/>
+              </a:schemeClr>
+            </a:solidFill>
+            <a:headEnd type="triangle"/>
+            <a:tailEnd type="triangle"/>
+          </a:ln>
+        </p:spPr>
+        <p:style>
+          <a:lnRef idx="2">
+            <a:schemeClr val="accent1"/>
+          </a:lnRef>
+          <a:fillRef idx="0">
+            <a:schemeClr val="accent1"/>
+          </a:fillRef>
+          <a:effectRef idx="1">
+            <a:schemeClr val="accent1"/>
+          </a:effectRef>
+          <a:fontRef idx="minor">
+            <a:schemeClr val="tx1"/>
+          </a:fontRef>
+        </p:style>
+      </p:cxnSp>
+      <p:grpSp>
+        <p:nvGrpSpPr>
+          <p:cNvPr id="97" name="Grupo 96">
+            <a:extLst>
+              <a:ext uri="{FF2B5EF4-FFF2-40B4-BE49-F238E27FC236}">
+                <a16:creationId xmlns:a16="http://schemas.microsoft.com/office/drawing/2014/main" id="{44B598DA-555A-2B92-12DB-F611F70C5ABB}"/>
+              </a:ext>
+            </a:extLst>
+          </p:cNvPr>
+          <p:cNvGrpSpPr/>
+          <p:nvPr/>
+        </p:nvGrpSpPr>
+        <p:grpSpPr>
+          <a:xfrm>
+            <a:off x="389676" y="3336201"/>
+            <a:ext cx="1926771" cy="1292455"/>
+            <a:chOff x="-2079171" y="3738604"/>
+            <a:chExt cx="1926771" cy="1292455"/>
+          </a:xfrm>
+        </p:grpSpPr>
+        <p:grpSp>
+          <p:nvGrpSpPr>
+            <p:cNvPr id="98" name="Grupo 97">
+              <a:extLst>
+                <a:ext uri="{FF2B5EF4-FFF2-40B4-BE49-F238E27FC236}">
+                  <a16:creationId xmlns:a16="http://schemas.microsoft.com/office/drawing/2014/main" id="{0D7EDFB6-1370-86E4-6439-C5F5525C5807}"/>
+                </a:ext>
+              </a:extLst>
+            </p:cNvPr>
+            <p:cNvGrpSpPr/>
+            <p:nvPr/>
+          </p:nvGrpSpPr>
+          <p:grpSpPr>
+            <a:xfrm>
+              <a:off x="-2079171" y="3738604"/>
+              <a:ext cx="1926771" cy="1292455"/>
+              <a:chOff x="587829" y="1071603"/>
+              <a:chExt cx="1926771" cy="1292455"/>
+            </a:xfrm>
+          </p:grpSpPr>
+          <p:sp>
+            <p:nvSpPr>
+              <p:cNvPr id="105" name="Rectángulo: esquinas redondeadas 104">
+                <a:extLst>
+                  <a:ext uri="{FF2B5EF4-FFF2-40B4-BE49-F238E27FC236}">
+                    <a16:creationId xmlns:a16="http://schemas.microsoft.com/office/drawing/2014/main" id="{75A3680D-C349-AEBA-F0AD-80CB619C1E73}"/>
+                  </a:ext>
+                </a:extLst>
+              </p:cNvPr>
+              <p:cNvSpPr/>
+              <p:nvPr/>
+            </p:nvSpPr>
+            <p:spPr>
+              <a:xfrm>
+                <a:off x="587829" y="1071603"/>
+                <a:ext cx="1926771" cy="1260000"/>
+              </a:xfrm>
+              <a:prstGeom prst="roundRect">
+                <a:avLst/>
+              </a:prstGeom>
+              <a:solidFill>
+                <a:schemeClr val="bg1"/>
+              </a:solidFill>
+              <a:ln>
+                <a:noFill/>
+              </a:ln>
+            </p:spPr>
+            <p:style>
+              <a:lnRef idx="2">
+                <a:schemeClr val="accent1">
+                  <a:shade val="15000"/>
+                </a:schemeClr>
+              </a:lnRef>
+              <a:fillRef idx="1">
+                <a:schemeClr val="accent1"/>
+              </a:fillRef>
+              <a:effectRef idx="0">
+                <a:schemeClr val="accent1"/>
+              </a:effectRef>
+              <a:fontRef idx="minor">
+                <a:schemeClr val="lt1"/>
+              </a:fontRef>
+            </p:style>
+            <p:txBody>
+              <a:bodyPr rtlCol="0" anchor="ctr"/>
+              <a:lstStyle/>
+              <a:p>
+                <a:pPr algn="ctr"/>
+                <a:endParaRPr lang="es-AR" dirty="0"/>
+              </a:p>
+            </p:txBody>
+          </p:sp>
+          <p:sp>
+            <p:nvSpPr>
+              <p:cNvPr id="106" name="Rectángulo 105">
+                <a:extLst>
+                  <a:ext uri="{FF2B5EF4-FFF2-40B4-BE49-F238E27FC236}">
+                    <a16:creationId xmlns:a16="http://schemas.microsoft.com/office/drawing/2014/main" id="{5EA88288-27E5-F785-AE93-FBD9FF0CD32C}"/>
+                  </a:ext>
+                </a:extLst>
+              </p:cNvPr>
+              <p:cNvSpPr/>
+              <p:nvPr/>
+            </p:nvSpPr>
+            <p:spPr>
+              <a:xfrm>
+                <a:off x="587829" y="2176799"/>
+                <a:ext cx="1926771" cy="187259"/>
+              </a:xfrm>
+              <a:prstGeom prst="rect">
+                <a:avLst/>
+              </a:prstGeom>
+              <a:solidFill>
+                <a:schemeClr val="bg1">
+                  <a:lumMod val="95000"/>
+                </a:schemeClr>
+              </a:solidFill>
+              <a:ln>
+                <a:noFill/>
+              </a:ln>
+            </p:spPr>
+            <p:style>
+              <a:lnRef idx="2">
+                <a:schemeClr val="accent1">
+                  <a:shade val="15000"/>
+                </a:schemeClr>
+              </a:lnRef>
+              <a:fillRef idx="1">
+                <a:schemeClr val="accent1"/>
+              </a:fillRef>
+              <a:effectRef idx="0">
+                <a:schemeClr val="accent1"/>
+              </a:effectRef>
+              <a:fontRef idx="minor">
+                <a:schemeClr val="lt1"/>
+              </a:fontRef>
+            </p:style>
+            <p:txBody>
+              <a:bodyPr rtlCol="0" anchor="ctr"/>
+              <a:lstStyle/>
+              <a:p>
+                <a:r>
+                  <a:rPr lang="es-AR" sz="1100" dirty="0">
+                    <a:solidFill>
+                      <a:schemeClr val="tx1">
+                        <a:lumMod val="85000"/>
+                        <a:lumOff val="15000"/>
+                      </a:schemeClr>
+                    </a:solidFill>
+                  </a:rPr>
+                  <a:t>Logística</a:t>
+                </a:r>
+              </a:p>
+            </p:txBody>
+          </p:sp>
+        </p:grpSp>
+        <p:pic>
+          <p:nvPicPr>
+            <p:cNvPr id="99" name="Imagen 98">
+              <a:extLst>
+                <a:ext uri="{FF2B5EF4-FFF2-40B4-BE49-F238E27FC236}">
+                  <a16:creationId xmlns:a16="http://schemas.microsoft.com/office/drawing/2014/main" id="{A31AAD8A-5F6C-BD67-B327-25F79DAEEC89}"/>
+                </a:ext>
+              </a:extLst>
+            </p:cNvPr>
+            <p:cNvPicPr>
+              <a:picLocks noChangeAspect="1"/>
+            </p:cNvPicPr>
+            <p:nvPr/>
+          </p:nvPicPr>
+          <p:blipFill>
+            <a:blip r:embed="rId3">
+              <a:clrChange>
+                <a:clrFrom>
+                  <a:srgbClr val="FFFFFF"/>
+                </a:clrFrom>
+                <a:clrTo>
+                  <a:srgbClr val="FFFFFF">
+                    <a:alpha val="0"/>
+                  </a:srgbClr>
+                </a:clrTo>
+              </a:clrChange>
+            </a:blip>
+            <a:stretch>
+              <a:fillRect/>
+            </a:stretch>
+          </p:blipFill>
+          <p:spPr>
+            <a:xfrm>
+              <a:off x="-921363" y="4142407"/>
+              <a:ext cx="540000" cy="262755"/>
+            </a:xfrm>
+            <a:prstGeom prst="rect">
+              <a:avLst/>
+            </a:prstGeom>
+          </p:spPr>
+        </p:pic>
+        <p:pic>
+          <p:nvPicPr>
+            <p:cNvPr id="100" name="Imagen 99">
+              <a:extLst>
+                <a:ext uri="{FF2B5EF4-FFF2-40B4-BE49-F238E27FC236}">
+                  <a16:creationId xmlns:a16="http://schemas.microsoft.com/office/drawing/2014/main" id="{43D889B8-8142-1ED9-5843-1BD93FB4C345}"/>
+                </a:ext>
+              </a:extLst>
+            </p:cNvPr>
+            <p:cNvPicPr>
+              <a:picLocks noChangeAspect="1"/>
+            </p:cNvPicPr>
+            <p:nvPr/>
+          </p:nvPicPr>
+          <p:blipFill>
+            <a:blip r:embed="rId4">
+              <a:clrChange>
+                <a:clrFrom>
+                  <a:srgbClr val="FFFFFF"/>
+                </a:clrFrom>
+                <a:clrTo>
+                  <a:srgbClr val="FFFFFF">
+                    <a:alpha val="0"/>
+                  </a:srgbClr>
+                </a:clrTo>
+              </a:clrChange>
+            </a:blip>
+            <a:stretch>
+              <a:fillRect/>
+            </a:stretch>
+          </p:blipFill>
+          <p:spPr>
+            <a:xfrm>
+              <a:off x="-1927706" y="3818059"/>
+              <a:ext cx="432000" cy="356021"/>
+            </a:xfrm>
+            <a:prstGeom prst="rect">
+              <a:avLst/>
+            </a:prstGeom>
+          </p:spPr>
+        </p:pic>
+        <p:cxnSp>
+          <p:nvCxnSpPr>
+            <p:cNvPr id="101" name="Conector: angular 100">
+              <a:extLst>
+                <a:ext uri="{FF2B5EF4-FFF2-40B4-BE49-F238E27FC236}">
+                  <a16:creationId xmlns:a16="http://schemas.microsoft.com/office/drawing/2014/main" id="{6746E100-A2A7-3448-AF71-3E6F8BBB049A}"/>
+                </a:ext>
+              </a:extLst>
+            </p:cNvPr>
+            <p:cNvCxnSpPr>
+              <a:cxnSpLocks/>
+              <a:stCxn id="100" idx="3"/>
+              <a:endCxn id="99" idx="1"/>
+            </p:cNvCxnSpPr>
+            <p:nvPr/>
+          </p:nvCxnSpPr>
+          <p:spPr>
+            <a:xfrm>
+              <a:off x="-1495706" y="3996070"/>
+              <a:ext cx="574343" cy="277715"/>
+            </a:xfrm>
+            <a:prstGeom prst="bentConnector3">
+              <a:avLst>
+                <a:gd name="adj1" fmla="val 50000"/>
+              </a:avLst>
+            </a:prstGeom>
+            <a:ln>
+              <a:solidFill>
+                <a:schemeClr val="accent4">
+                  <a:lumMod val="75000"/>
+                </a:schemeClr>
+              </a:solidFill>
+              <a:headEnd type="triangle"/>
+              <a:tailEnd type="triangle"/>
+            </a:ln>
+          </p:spPr>
+          <p:style>
+            <a:lnRef idx="2">
+              <a:schemeClr val="accent1"/>
+            </a:lnRef>
+            <a:fillRef idx="0">
+              <a:schemeClr val="accent1"/>
+            </a:fillRef>
+            <a:effectRef idx="1">
+              <a:schemeClr val="accent1"/>
+            </a:effectRef>
+            <a:fontRef idx="minor">
+              <a:schemeClr val="tx1"/>
+            </a:fontRef>
+          </p:style>
+        </p:cxnSp>
+        <p:sp>
+          <p:nvSpPr>
+            <p:cNvPr id="102" name="Rectángulo 101">
+              <a:extLst>
+                <a:ext uri="{FF2B5EF4-FFF2-40B4-BE49-F238E27FC236}">
+                  <a16:creationId xmlns:a16="http://schemas.microsoft.com/office/drawing/2014/main" id="{3A5FF6CD-BD10-28C1-9862-DC23A2F33D47}"/>
+                </a:ext>
+              </a:extLst>
+            </p:cNvPr>
+            <p:cNvSpPr/>
+            <p:nvPr/>
+          </p:nvSpPr>
+          <p:spPr>
+            <a:xfrm>
+              <a:off x="-1982136" y="4213217"/>
+              <a:ext cx="523448" cy="151395"/>
+            </a:xfrm>
+            <a:prstGeom prst="rect">
+              <a:avLst/>
+            </a:prstGeom>
+            <a:noFill/>
+            <a:ln>
+              <a:noFill/>
+            </a:ln>
+          </p:spPr>
+          <p:style>
+            <a:lnRef idx="2">
+              <a:schemeClr val="accent1">
+                <a:shade val="15000"/>
+              </a:schemeClr>
+            </a:lnRef>
+            <a:fillRef idx="1">
+              <a:schemeClr val="accent1"/>
+            </a:fillRef>
+            <a:effectRef idx="0">
+              <a:schemeClr val="accent1"/>
+            </a:effectRef>
+            <a:fontRef idx="minor">
+              <a:schemeClr val="lt1"/>
+            </a:fontRef>
+          </p:style>
+          <p:txBody>
+            <a:bodyPr rtlCol="0" anchor="ctr"/>
+            <a:lstStyle/>
+            <a:p>
+              <a:pPr algn="ctr"/>
+              <a:r>
+                <a:rPr lang="es-AR" sz="1050" dirty="0">
+                  <a:solidFill>
+                    <a:schemeClr val="tx1">
+                      <a:lumMod val="85000"/>
+                      <a:lumOff val="15000"/>
+                    </a:schemeClr>
+                  </a:solidFill>
+                </a:rPr>
+                <a:t>X80</a:t>
+              </a:r>
+            </a:p>
+          </p:txBody>
+        </p:sp>
+        <p:pic>
+          <p:nvPicPr>
+            <p:cNvPr id="103" name="Imagen 102">
+              <a:extLst>
+                <a:ext uri="{FF2B5EF4-FFF2-40B4-BE49-F238E27FC236}">
+                  <a16:creationId xmlns:a16="http://schemas.microsoft.com/office/drawing/2014/main" id="{30AD6905-3E60-CEB5-851D-4AAF00EF5915}"/>
+                </a:ext>
+              </a:extLst>
+            </p:cNvPr>
+            <p:cNvPicPr>
+              <a:picLocks noChangeAspect="1"/>
+            </p:cNvPicPr>
+            <p:nvPr/>
+          </p:nvPicPr>
+          <p:blipFill>
+            <a:blip r:embed="rId4">
+              <a:clrChange>
+                <a:clrFrom>
+                  <a:srgbClr val="FFFFFF"/>
+                </a:clrFrom>
+                <a:clrTo>
+                  <a:srgbClr val="FFFFFF">
+                    <a:alpha val="0"/>
+                  </a:srgbClr>
+                </a:clrTo>
+              </a:clrChange>
+            </a:blip>
+            <a:stretch>
+              <a:fillRect/>
+            </a:stretch>
+          </p:blipFill>
+          <p:spPr>
+            <a:xfrm>
+              <a:off x="-1927706" y="4404734"/>
+              <a:ext cx="432000" cy="356021"/>
+            </a:xfrm>
+            <a:prstGeom prst="rect">
+              <a:avLst/>
+            </a:prstGeom>
+          </p:spPr>
+        </p:pic>
+        <p:cxnSp>
+          <p:nvCxnSpPr>
+            <p:cNvPr id="104" name="Conector: angular 103">
+              <a:extLst>
+                <a:ext uri="{FF2B5EF4-FFF2-40B4-BE49-F238E27FC236}">
+                  <a16:creationId xmlns:a16="http://schemas.microsoft.com/office/drawing/2014/main" id="{CBA1534D-43F2-7950-22B1-87BA68B47FFA}"/>
+                </a:ext>
+              </a:extLst>
+            </p:cNvPr>
+            <p:cNvCxnSpPr>
+              <a:cxnSpLocks/>
+              <a:stCxn id="103" idx="3"/>
+              <a:endCxn id="99" idx="1"/>
+            </p:cNvCxnSpPr>
+            <p:nvPr/>
+          </p:nvCxnSpPr>
+          <p:spPr>
+            <a:xfrm flipV="1">
+              <a:off x="-1495706" y="4273785"/>
+              <a:ext cx="574343" cy="308960"/>
+            </a:xfrm>
+            <a:prstGeom prst="bentConnector3">
+              <a:avLst>
+                <a:gd name="adj1" fmla="val 50000"/>
+              </a:avLst>
+            </a:prstGeom>
+            <a:ln>
+              <a:solidFill>
+                <a:schemeClr val="accent4">
+                  <a:lumMod val="75000"/>
+                </a:schemeClr>
+              </a:solidFill>
+              <a:headEnd type="triangle"/>
+              <a:tailEnd type="triangle"/>
+            </a:ln>
+          </p:spPr>
+          <p:style>
+            <a:lnRef idx="2">
+              <a:schemeClr val="accent1"/>
+            </a:lnRef>
+            <a:fillRef idx="0">
+              <a:schemeClr val="accent1"/>
+            </a:fillRef>
+            <a:effectRef idx="1">
+              <a:schemeClr val="accent1"/>
+            </a:effectRef>
+            <a:fontRef idx="minor">
+              <a:schemeClr val="tx1"/>
+            </a:fontRef>
+          </p:style>
+        </p:cxnSp>
+      </p:grpSp>
+      <p:cxnSp>
+        <p:nvCxnSpPr>
+          <p:cNvPr id="107" name="Conector: angular 106">
+            <a:extLst>
+              <a:ext uri="{FF2B5EF4-FFF2-40B4-BE49-F238E27FC236}">
+                <a16:creationId xmlns:a16="http://schemas.microsoft.com/office/drawing/2014/main" id="{0B6EB8BE-8B31-D928-CF9B-7DC827523365}"/>
+              </a:ext>
+            </a:extLst>
+          </p:cNvPr>
+          <p:cNvCxnSpPr>
+            <a:cxnSpLocks/>
+            <a:stCxn id="99" idx="3"/>
+            <a:endCxn id="67" idx="1"/>
+          </p:cNvCxnSpPr>
+          <p:nvPr/>
+        </p:nvCxnSpPr>
+        <p:spPr>
+          <a:xfrm flipV="1">
+            <a:off x="2087484" y="3389711"/>
+            <a:ext cx="1061356" cy="481671"/>
+          </a:xfrm>
+          <a:prstGeom prst="bentConnector3">
+            <a:avLst>
+              <a:gd name="adj1" fmla="val 50000"/>
+            </a:avLst>
+          </a:prstGeom>
+          <a:ln>
+            <a:solidFill>
+              <a:schemeClr val="accent4">
+                <a:lumMod val="75000"/>
+              </a:schemeClr>
+            </a:solidFill>
+            <a:headEnd type="triangle"/>
+            <a:tailEnd type="triangle"/>
+          </a:ln>
+        </p:spPr>
+        <p:style>
+          <a:lnRef idx="2">
+            <a:schemeClr val="accent1"/>
+          </a:lnRef>
+          <a:fillRef idx="0">
+            <a:schemeClr val="accent1"/>
+          </a:fillRef>
+          <a:effectRef idx="1">
+            <a:schemeClr val="accent1"/>
+          </a:effectRef>
+          <a:fontRef idx="minor">
+            <a:schemeClr val="tx1"/>
+          </a:fontRef>
+        </p:style>
+      </p:cxnSp>
+      <p:grpSp>
+        <p:nvGrpSpPr>
+          <p:cNvPr id="184" name="Grupo 183">
+            <a:extLst>
+              <a:ext uri="{FF2B5EF4-FFF2-40B4-BE49-F238E27FC236}">
+                <a16:creationId xmlns:a16="http://schemas.microsoft.com/office/drawing/2014/main" id="{0FB116DF-00EC-A1C4-C130-A9A96E2CA224}"/>
+              </a:ext>
+            </a:extLst>
+          </p:cNvPr>
+          <p:cNvGrpSpPr/>
+          <p:nvPr/>
+        </p:nvGrpSpPr>
+        <p:grpSpPr>
+          <a:xfrm>
+            <a:off x="4596840" y="3336201"/>
+            <a:ext cx="1926771" cy="1292455"/>
+            <a:chOff x="3285465" y="3345943"/>
+            <a:chExt cx="1926771" cy="1292455"/>
+          </a:xfrm>
+        </p:grpSpPr>
+        <p:grpSp>
+          <p:nvGrpSpPr>
+            <p:cNvPr id="119" name="Grupo 118">
+              <a:extLst>
+                <a:ext uri="{FF2B5EF4-FFF2-40B4-BE49-F238E27FC236}">
+                  <a16:creationId xmlns:a16="http://schemas.microsoft.com/office/drawing/2014/main" id="{7A6B818F-DA9C-8CB2-373B-DEBBC620AF17}"/>
+                </a:ext>
+              </a:extLst>
+            </p:cNvPr>
+            <p:cNvGrpSpPr/>
+            <p:nvPr/>
+          </p:nvGrpSpPr>
+          <p:grpSpPr>
+            <a:xfrm>
+              <a:off x="3285465" y="3345943"/>
+              <a:ext cx="1926771" cy="1292455"/>
+              <a:chOff x="587829" y="1071603"/>
+              <a:chExt cx="1926771" cy="1292455"/>
+            </a:xfrm>
+          </p:grpSpPr>
+          <p:sp>
+            <p:nvSpPr>
+              <p:cNvPr id="126" name="Rectángulo: esquinas redondeadas 125">
+                <a:extLst>
+                  <a:ext uri="{FF2B5EF4-FFF2-40B4-BE49-F238E27FC236}">
+                    <a16:creationId xmlns:a16="http://schemas.microsoft.com/office/drawing/2014/main" id="{5142E364-C91F-85DF-F911-13C621B849B9}"/>
+                  </a:ext>
+                </a:extLst>
+              </p:cNvPr>
+              <p:cNvSpPr/>
+              <p:nvPr/>
+            </p:nvSpPr>
+            <p:spPr>
+              <a:xfrm>
+                <a:off x="587829" y="1071603"/>
+                <a:ext cx="1926771" cy="1260000"/>
+              </a:xfrm>
+              <a:prstGeom prst="roundRect">
+                <a:avLst/>
+              </a:prstGeom>
+              <a:solidFill>
+                <a:schemeClr val="bg1"/>
+              </a:solidFill>
+              <a:ln>
+                <a:noFill/>
+              </a:ln>
+            </p:spPr>
+            <p:style>
+              <a:lnRef idx="2">
+                <a:schemeClr val="accent1">
+                  <a:shade val="15000"/>
+                </a:schemeClr>
+              </a:lnRef>
+              <a:fillRef idx="1">
+                <a:schemeClr val="accent1"/>
+              </a:fillRef>
+              <a:effectRef idx="0">
+                <a:schemeClr val="accent1"/>
+              </a:effectRef>
+              <a:fontRef idx="minor">
+                <a:schemeClr val="lt1"/>
+              </a:fontRef>
+            </p:style>
+            <p:txBody>
+              <a:bodyPr rtlCol="0" anchor="ctr"/>
+              <a:lstStyle/>
+              <a:p>
+                <a:pPr algn="ctr"/>
+                <a:endParaRPr lang="es-AR" dirty="0"/>
+              </a:p>
+            </p:txBody>
+          </p:sp>
+          <p:sp>
+            <p:nvSpPr>
+              <p:cNvPr id="127" name="Rectángulo 126">
+                <a:extLst>
+                  <a:ext uri="{FF2B5EF4-FFF2-40B4-BE49-F238E27FC236}">
+                    <a16:creationId xmlns:a16="http://schemas.microsoft.com/office/drawing/2014/main" id="{DF236BB0-6A15-97A4-3DE1-E57F7110CD55}"/>
+                  </a:ext>
+                </a:extLst>
+              </p:cNvPr>
+              <p:cNvSpPr/>
+              <p:nvPr/>
+            </p:nvSpPr>
+            <p:spPr>
+              <a:xfrm>
+                <a:off x="587829" y="2176799"/>
+                <a:ext cx="1926771" cy="187259"/>
+              </a:xfrm>
+              <a:prstGeom prst="rect">
+                <a:avLst/>
+              </a:prstGeom>
+              <a:solidFill>
+                <a:schemeClr val="bg1">
+                  <a:lumMod val="95000"/>
+                </a:schemeClr>
+              </a:solidFill>
+              <a:ln>
+                <a:noFill/>
+              </a:ln>
+            </p:spPr>
+            <p:style>
+              <a:lnRef idx="2">
+                <a:schemeClr val="accent1">
+                  <a:shade val="15000"/>
+                </a:schemeClr>
+              </a:lnRef>
+              <a:fillRef idx="1">
+                <a:schemeClr val="accent1"/>
+              </a:fillRef>
+              <a:effectRef idx="0">
+                <a:schemeClr val="accent1"/>
+              </a:effectRef>
+              <a:fontRef idx="minor">
+                <a:schemeClr val="lt1"/>
+              </a:fontRef>
+            </p:style>
+            <p:txBody>
+              <a:bodyPr rtlCol="0" anchor="ctr"/>
+              <a:lstStyle/>
+              <a:p>
+                <a:r>
+                  <a:rPr lang="es-AR" sz="1100" dirty="0">
+                    <a:solidFill>
+                      <a:schemeClr val="tx1">
+                        <a:lumMod val="85000"/>
+                        <a:lumOff val="15000"/>
+                      </a:schemeClr>
+                    </a:solidFill>
+                  </a:rPr>
+                  <a:t>Administración</a:t>
+                </a:r>
+              </a:p>
+            </p:txBody>
+          </p:sp>
+        </p:grpSp>
+        <p:pic>
+          <p:nvPicPr>
+            <p:cNvPr id="120" name="Imagen 119">
+              <a:extLst>
+                <a:ext uri="{FF2B5EF4-FFF2-40B4-BE49-F238E27FC236}">
+                  <a16:creationId xmlns:a16="http://schemas.microsoft.com/office/drawing/2014/main" id="{B369ACDC-A865-2E34-AC7D-44214ADB14DB}"/>
+                </a:ext>
+              </a:extLst>
+            </p:cNvPr>
+            <p:cNvPicPr>
+              <a:picLocks noChangeAspect="1"/>
+            </p:cNvPicPr>
+            <p:nvPr/>
+          </p:nvPicPr>
+          <p:blipFill>
+            <a:blip r:embed="rId3">
+              <a:clrChange>
+                <a:clrFrom>
+                  <a:srgbClr val="FFFFFF"/>
+                </a:clrFrom>
+                <a:clrTo>
+                  <a:srgbClr val="FFFFFF">
+                    <a:alpha val="0"/>
+                  </a:srgbClr>
+                </a:clrTo>
+              </a:clrChange>
+            </a:blip>
+            <a:stretch>
+              <a:fillRect/>
+            </a:stretch>
+          </p:blipFill>
+          <p:spPr>
+            <a:xfrm>
+              <a:off x="3554201" y="3750147"/>
+              <a:ext cx="540000" cy="262755"/>
+            </a:xfrm>
+            <a:prstGeom prst="rect">
+              <a:avLst/>
+            </a:prstGeom>
+          </p:spPr>
+        </p:pic>
+        <p:pic>
+          <p:nvPicPr>
+            <p:cNvPr id="121" name="Imagen 120">
+              <a:extLst>
+                <a:ext uri="{FF2B5EF4-FFF2-40B4-BE49-F238E27FC236}">
+                  <a16:creationId xmlns:a16="http://schemas.microsoft.com/office/drawing/2014/main" id="{B4F82F95-5D3F-A11D-D9A0-2AA4EB684BD8}"/>
+                </a:ext>
+              </a:extLst>
+            </p:cNvPr>
+            <p:cNvPicPr>
+              <a:picLocks noChangeAspect="1"/>
+            </p:cNvPicPr>
+            <p:nvPr/>
+          </p:nvPicPr>
+          <p:blipFill>
+            <a:blip r:embed="rId4">
+              <a:clrChange>
+                <a:clrFrom>
+                  <a:srgbClr val="FFFFFF"/>
+                </a:clrFrom>
+                <a:clrTo>
+                  <a:srgbClr val="FFFFFF">
+                    <a:alpha val="0"/>
+                  </a:srgbClr>
+                </a:clrTo>
+              </a:clrChange>
+            </a:blip>
+            <a:stretch>
+              <a:fillRect/>
+            </a:stretch>
+          </p:blipFill>
+          <p:spPr>
+            <a:xfrm>
+              <a:off x="4645970" y="3425398"/>
+              <a:ext cx="432000" cy="356021"/>
+            </a:xfrm>
+            <a:prstGeom prst="rect">
+              <a:avLst/>
+            </a:prstGeom>
+          </p:spPr>
+        </p:pic>
+        <p:cxnSp>
+          <p:nvCxnSpPr>
+            <p:cNvPr id="122" name="Conector: angular 121">
+              <a:extLst>
+                <a:ext uri="{FF2B5EF4-FFF2-40B4-BE49-F238E27FC236}">
+                  <a16:creationId xmlns:a16="http://schemas.microsoft.com/office/drawing/2014/main" id="{CFCCFA08-32F2-1CF0-DD7F-9AC0892025A8}"/>
+                </a:ext>
+              </a:extLst>
+            </p:cNvPr>
+            <p:cNvCxnSpPr>
+              <a:cxnSpLocks/>
+              <a:stCxn id="121" idx="1"/>
+              <a:endCxn id="120" idx="3"/>
+            </p:cNvCxnSpPr>
+            <p:nvPr/>
+          </p:nvCxnSpPr>
+          <p:spPr>
+            <a:xfrm rot="10800000" flipV="1">
+              <a:off x="4094202" y="3603409"/>
+              <a:ext cx="551769" cy="278116"/>
+            </a:xfrm>
+            <a:prstGeom prst="bentConnector3">
+              <a:avLst>
+                <a:gd name="adj1" fmla="val 50000"/>
+              </a:avLst>
+            </a:prstGeom>
+            <a:ln>
+              <a:solidFill>
+                <a:schemeClr val="accent4">
+                  <a:lumMod val="75000"/>
+                </a:schemeClr>
+              </a:solidFill>
+              <a:headEnd type="triangle"/>
+              <a:tailEnd type="triangle"/>
+            </a:ln>
+          </p:spPr>
+          <p:style>
+            <a:lnRef idx="2">
+              <a:schemeClr val="accent1"/>
+            </a:lnRef>
+            <a:fillRef idx="0">
+              <a:schemeClr val="accent1"/>
+            </a:fillRef>
+            <a:effectRef idx="1">
+              <a:schemeClr val="accent1"/>
+            </a:effectRef>
+            <a:fontRef idx="minor">
+              <a:schemeClr val="tx1"/>
+            </a:fontRef>
+          </p:style>
+        </p:cxnSp>
+        <p:sp>
+          <p:nvSpPr>
+            <p:cNvPr id="123" name="Rectángulo 122">
+              <a:extLst>
+                <a:ext uri="{FF2B5EF4-FFF2-40B4-BE49-F238E27FC236}">
+                  <a16:creationId xmlns:a16="http://schemas.microsoft.com/office/drawing/2014/main" id="{B653EEE7-44DD-1EB0-4FF6-EE447EBE76D6}"/>
+                </a:ext>
+              </a:extLst>
+            </p:cNvPr>
+            <p:cNvSpPr/>
+            <p:nvPr/>
+          </p:nvSpPr>
+          <p:spPr>
+            <a:xfrm>
+              <a:off x="4591540" y="3820556"/>
+              <a:ext cx="523448" cy="151395"/>
+            </a:xfrm>
+            <a:prstGeom prst="rect">
+              <a:avLst/>
+            </a:prstGeom>
+            <a:noFill/>
+            <a:ln>
+              <a:noFill/>
+            </a:ln>
+          </p:spPr>
+          <p:style>
+            <a:lnRef idx="2">
+              <a:schemeClr val="accent1">
+                <a:shade val="15000"/>
+              </a:schemeClr>
+            </a:lnRef>
+            <a:fillRef idx="1">
+              <a:schemeClr val="accent1"/>
+            </a:fillRef>
+            <a:effectRef idx="0">
+              <a:schemeClr val="accent1"/>
+            </a:effectRef>
+            <a:fontRef idx="minor">
+              <a:schemeClr val="lt1"/>
+            </a:fontRef>
+          </p:style>
+          <p:txBody>
+            <a:bodyPr rtlCol="0" anchor="ctr"/>
+            <a:lstStyle/>
+            <a:p>
+              <a:pPr algn="ctr"/>
+              <a:r>
+                <a:rPr lang="es-AR" sz="1050" dirty="0">
+                  <a:solidFill>
+                    <a:schemeClr val="tx1">
+                      <a:lumMod val="85000"/>
+                      <a:lumOff val="15000"/>
+                    </a:schemeClr>
+                  </a:solidFill>
+                </a:rPr>
+                <a:t>x50</a:t>
+              </a:r>
+            </a:p>
+          </p:txBody>
+        </p:sp>
+        <p:pic>
+          <p:nvPicPr>
+            <p:cNvPr id="124" name="Imagen 123">
+              <a:extLst>
+                <a:ext uri="{FF2B5EF4-FFF2-40B4-BE49-F238E27FC236}">
+                  <a16:creationId xmlns:a16="http://schemas.microsoft.com/office/drawing/2014/main" id="{2F04460A-41E6-CEB4-7F5C-0B6AEB314621}"/>
+                </a:ext>
+              </a:extLst>
+            </p:cNvPr>
+            <p:cNvPicPr>
+              <a:picLocks noChangeAspect="1"/>
+            </p:cNvPicPr>
+            <p:nvPr/>
+          </p:nvPicPr>
+          <p:blipFill>
+            <a:blip r:embed="rId4">
+              <a:clrChange>
+                <a:clrFrom>
+                  <a:srgbClr val="FFFFFF"/>
+                </a:clrFrom>
+                <a:clrTo>
+                  <a:srgbClr val="FFFFFF">
+                    <a:alpha val="0"/>
+                  </a:srgbClr>
+                </a:clrTo>
+              </a:clrChange>
+            </a:blip>
+            <a:stretch>
+              <a:fillRect/>
+            </a:stretch>
+          </p:blipFill>
+          <p:spPr>
+            <a:xfrm>
+              <a:off x="4645970" y="4012073"/>
+              <a:ext cx="432000" cy="356021"/>
+            </a:xfrm>
+            <a:prstGeom prst="rect">
+              <a:avLst/>
+            </a:prstGeom>
+          </p:spPr>
+        </p:pic>
+        <p:cxnSp>
+          <p:nvCxnSpPr>
+            <p:cNvPr id="125" name="Conector: angular 124">
+              <a:extLst>
+                <a:ext uri="{FF2B5EF4-FFF2-40B4-BE49-F238E27FC236}">
+                  <a16:creationId xmlns:a16="http://schemas.microsoft.com/office/drawing/2014/main" id="{0FCA556D-6A3E-2BAE-302D-03EAE1106575}"/>
+                </a:ext>
+              </a:extLst>
+            </p:cNvPr>
+            <p:cNvCxnSpPr>
+              <a:cxnSpLocks/>
+              <a:stCxn id="124" idx="1"/>
+              <a:endCxn id="120" idx="3"/>
+            </p:cNvCxnSpPr>
+            <p:nvPr/>
+          </p:nvCxnSpPr>
+          <p:spPr>
+            <a:xfrm rot="10800000">
+              <a:off x="4094202" y="3881526"/>
+              <a:ext cx="551769" cy="308559"/>
+            </a:xfrm>
+            <a:prstGeom prst="bentConnector3">
+              <a:avLst>
+                <a:gd name="adj1" fmla="val 50000"/>
+              </a:avLst>
+            </a:prstGeom>
+            <a:ln>
+              <a:solidFill>
+                <a:schemeClr val="accent4">
+                  <a:lumMod val="75000"/>
+                </a:schemeClr>
+              </a:solidFill>
+              <a:headEnd type="triangle"/>
+              <a:tailEnd type="triangle"/>
+            </a:ln>
+          </p:spPr>
+          <p:style>
+            <a:lnRef idx="2">
+              <a:schemeClr val="accent1"/>
+            </a:lnRef>
+            <a:fillRef idx="0">
+              <a:schemeClr val="accent1"/>
+            </a:fillRef>
+            <a:effectRef idx="1">
+              <a:schemeClr val="accent1"/>
+            </a:effectRef>
+            <a:fontRef idx="minor">
+              <a:schemeClr val="tx1"/>
+            </a:fontRef>
+          </p:style>
+        </p:cxnSp>
+      </p:grpSp>
+      <p:cxnSp>
+        <p:nvCxnSpPr>
+          <p:cNvPr id="128" name="Conector: angular 127">
+            <a:extLst>
+              <a:ext uri="{FF2B5EF4-FFF2-40B4-BE49-F238E27FC236}">
+                <a16:creationId xmlns:a16="http://schemas.microsoft.com/office/drawing/2014/main" id="{3CA28353-75AE-7AF5-468F-E6CA29C3B69E}"/>
+              </a:ext>
+            </a:extLst>
+          </p:cNvPr>
+          <p:cNvCxnSpPr>
+            <a:cxnSpLocks/>
+            <a:stCxn id="120" idx="1"/>
+            <a:endCxn id="67" idx="3"/>
+          </p:cNvCxnSpPr>
+          <p:nvPr/>
+        </p:nvCxnSpPr>
+        <p:spPr>
+          <a:xfrm rot="10800000">
+            <a:off x="3688840" y="3389711"/>
+            <a:ext cx="1176736" cy="482072"/>
+          </a:xfrm>
+          <a:prstGeom prst="bentConnector3">
+            <a:avLst>
+              <a:gd name="adj1" fmla="val 50000"/>
+            </a:avLst>
+          </a:prstGeom>
+          <a:ln>
+            <a:solidFill>
+              <a:schemeClr val="accent4">
+                <a:lumMod val="75000"/>
+              </a:schemeClr>
+            </a:solidFill>
+            <a:headEnd type="triangle"/>
+            <a:tailEnd type="triangle"/>
+          </a:ln>
+        </p:spPr>
+        <p:style>
+          <a:lnRef idx="2">
+            <a:schemeClr val="accent1"/>
+          </a:lnRef>
+          <a:fillRef idx="0">
+            <a:schemeClr val="accent1"/>
+          </a:fillRef>
+          <a:effectRef idx="1">
+            <a:schemeClr val="accent1"/>
+          </a:effectRef>
+          <a:fontRef idx="minor">
+            <a:schemeClr val="tx1"/>
+          </a:fontRef>
+        </p:style>
+      </p:cxnSp>
       <p:sp>
         <p:nvSpPr>
-          <p:cNvPr id="10" name="Rectángulo 9">
+          <p:cNvPr id="136" name="Rectángulo 135">
             <a:extLst>
               <a:ext uri="{FF2B5EF4-FFF2-40B4-BE49-F238E27FC236}">
-                <a16:creationId xmlns:a16="http://schemas.microsoft.com/office/drawing/2014/main" id="{27C6A1A4-4375-BA57-840C-DAF8AA91B86F}"/>
+                <a16:creationId xmlns:a16="http://schemas.microsoft.com/office/drawing/2014/main" id="{F7AF8920-18A8-BFD7-D78D-DBDF3FB227FA}"/>
               </a:ext>
             </a:extLst>
           </p:cNvPr>
@@ -3755,8 +4956,8 @@
         </p:nvSpPr>
         <p:spPr>
           <a:xfrm>
-            <a:off x="1119641" y="3886198"/>
-            <a:ext cx="2710543" cy="326571"/>
+            <a:off x="0" y="60960"/>
+            <a:ext cx="6858000" cy="420040"/>
           </a:xfrm>
           <a:prstGeom prst="rect">
             <a:avLst/>
@@ -3786,58 +4987,23 @@
           <a:bodyPr rtlCol="0" anchor="ctr"/>
           <a:lstStyle/>
           <a:p>
-            <a:pPr algn="ctr"/>
             <a:r>
-              <a:rPr lang="es-AR" dirty="0">
+              <a:rPr lang="es-AR" sz="2000" b="1" dirty="0">
                 <a:solidFill>
                   <a:schemeClr val="accent1"/>
                 </a:solidFill>
               </a:rPr>
-              <a:t>10.0.</a:t>
-            </a:r>
-            <a:r>
-              <a:rPr lang="es-AR" dirty="0">
-                <a:solidFill>
-                  <a:schemeClr val="accent2"/>
-                </a:solidFill>
-              </a:rPr>
-              <a:t>1</a:t>
-            </a:r>
-            <a:r>
-              <a:rPr lang="es-AR" dirty="0">
-                <a:solidFill>
-                  <a:schemeClr val="accent1"/>
-                </a:solidFill>
-              </a:rPr>
-              <a:t>.</a:t>
-            </a:r>
-            <a:r>
-              <a:rPr lang="es-AR" dirty="0">
-                <a:solidFill>
-                  <a:schemeClr val="accent5">
-                    <a:lumMod val="75000"/>
-                  </a:schemeClr>
-                </a:solidFill>
-              </a:rPr>
-              <a:t>0</a:t>
-            </a:r>
-            <a:r>
-              <a:rPr lang="es-AR" dirty="0">
-                <a:solidFill>
-                  <a:schemeClr val="accent1"/>
-                </a:solidFill>
-              </a:rPr>
-              <a:t>/24</a:t>
+              <a:t>Diagrama de red</a:t>
             </a:r>
           </a:p>
         </p:txBody>
       </p:sp>
       <p:sp>
         <p:nvSpPr>
-          <p:cNvPr id="11" name="Rectángulo 10">
+          <p:cNvPr id="137" name="Rectángulo 136">
             <a:extLst>
               <a:ext uri="{FF2B5EF4-FFF2-40B4-BE49-F238E27FC236}">
-                <a16:creationId xmlns:a16="http://schemas.microsoft.com/office/drawing/2014/main" id="{46FC4682-5FCF-773C-2173-AB6FEC1FF254}"/>
+                <a16:creationId xmlns:a16="http://schemas.microsoft.com/office/drawing/2014/main" id="{53C09E5B-2C87-80D8-B817-9E20A4D492FB}"/>
               </a:ext>
             </a:extLst>
           </p:cNvPr>
@@ -3846,8 +5012,8 @@
         </p:nvSpPr>
         <p:spPr>
           <a:xfrm>
-            <a:off x="8456613" y="4123285"/>
-            <a:ext cx="2710543" cy="326571"/>
+            <a:off x="1577609" y="979692"/>
+            <a:ext cx="723338" cy="252000"/>
           </a:xfrm>
           <a:prstGeom prst="rect">
             <a:avLst/>
@@ -3877,58 +5043,23 @@
           <a:bodyPr rtlCol="0" anchor="ctr"/>
           <a:lstStyle/>
           <a:p>
-            <a:pPr algn="ctr"/>
             <a:r>
-              <a:rPr lang="es-AR" dirty="0">
+              <a:rPr lang="es-AR" sz="1100" dirty="0">
                 <a:solidFill>
-                  <a:schemeClr val="accent1"/>
+                  <a:schemeClr val="tx1"/>
                 </a:solidFill>
               </a:rPr>
-              <a:t>10.0.</a:t>
-            </a:r>
-            <a:r>
-              <a:rPr lang="es-AR" dirty="0">
-                <a:solidFill>
-                  <a:schemeClr val="accent2"/>
-                </a:solidFill>
-              </a:rPr>
-              <a:t>2</a:t>
-            </a:r>
-            <a:r>
-              <a:rPr lang="es-AR" dirty="0">
-                <a:solidFill>
-                  <a:schemeClr val="accent1"/>
-                </a:solidFill>
-              </a:rPr>
-              <a:t>.</a:t>
-            </a:r>
-            <a:r>
-              <a:rPr lang="es-AR" dirty="0">
-                <a:solidFill>
-                  <a:schemeClr val="accent5">
-                    <a:lumMod val="75000"/>
-                  </a:schemeClr>
-                </a:solidFill>
-              </a:rPr>
-              <a:t>0</a:t>
-            </a:r>
-            <a:r>
-              <a:rPr lang="es-AR" dirty="0">
-                <a:solidFill>
-                  <a:schemeClr val="accent1"/>
-                </a:solidFill>
-              </a:rPr>
-              <a:t>/24</a:t>
+              <a:t>VLAN</a:t>
             </a:r>
           </a:p>
         </p:txBody>
       </p:sp>
       <p:sp>
         <p:nvSpPr>
-          <p:cNvPr id="12" name="Rectángulo 11">
+          <p:cNvPr id="138" name="Rectángulo 137">
             <a:extLst>
               <a:ext uri="{FF2B5EF4-FFF2-40B4-BE49-F238E27FC236}">
-                <a16:creationId xmlns:a16="http://schemas.microsoft.com/office/drawing/2014/main" id="{6CB9CE6B-02F3-F134-4A5D-E0CF6D6C2DB1}"/>
+                <a16:creationId xmlns:a16="http://schemas.microsoft.com/office/drawing/2014/main" id="{134979AB-1031-0FE8-10B6-AF8E6D5C2458}"/>
               </a:ext>
             </a:extLst>
           </p:cNvPr>
@@ -3937,12 +5068,13 @@
         </p:nvSpPr>
         <p:spPr>
           <a:xfrm>
-            <a:off x="1647599" y="3200398"/>
-            <a:ext cx="1654628" cy="522515"/>
+            <a:off x="2479847" y="979692"/>
+            <a:ext cx="594091" cy="279018"/>
           </a:xfrm>
           <a:prstGeom prst="rect">
             <a:avLst/>
           </a:prstGeom>
+          <a:noFill/>
           <a:ln>
             <a:noFill/>
           </a:ln>
@@ -3967,20 +5099,23 @@
           <a:bodyPr rtlCol="0" anchor="ctr"/>
           <a:lstStyle/>
           <a:p>
-            <a:pPr algn="ctr"/>
             <a:r>
-              <a:rPr lang="es-AR" b="1" u="sng" dirty="0"/>
-              <a:t>Bunker Quintero</a:t>
+              <a:rPr lang="es-AR" sz="1100" dirty="0">
+                <a:solidFill>
+                  <a:schemeClr val="tx1"/>
+                </a:solidFill>
+              </a:rPr>
+              <a:t>Host</a:t>
             </a:r>
           </a:p>
         </p:txBody>
       </p:sp>
       <p:sp>
         <p:nvSpPr>
-          <p:cNvPr id="13" name="Rectángulo 12">
+          <p:cNvPr id="139" name="Rectángulo 138">
             <a:extLst>
               <a:ext uri="{FF2B5EF4-FFF2-40B4-BE49-F238E27FC236}">
-                <a16:creationId xmlns:a16="http://schemas.microsoft.com/office/drawing/2014/main" id="{559E41BE-9058-D1D3-ED72-394F8FB2BF9D}"/>
+                <a16:creationId xmlns:a16="http://schemas.microsoft.com/office/drawing/2014/main" id="{740E28AA-F027-769F-06DC-E7CADDE3C98E}"/>
               </a:ext>
             </a:extLst>
           </p:cNvPr>
@@ -3989,12 +5124,13 @@
         </p:nvSpPr>
         <p:spPr>
           <a:xfrm>
-            <a:off x="8984571" y="3222169"/>
-            <a:ext cx="1654628" cy="827314"/>
+            <a:off x="3285465" y="979692"/>
+            <a:ext cx="723338" cy="252000"/>
           </a:xfrm>
           <a:prstGeom prst="rect">
             <a:avLst/>
           </a:prstGeom>
+          <a:noFill/>
           <a:ln>
             <a:noFill/>
           </a:ln>
@@ -4019,18 +5155,3052 @@
           <a:bodyPr rtlCol="0" anchor="ctr"/>
           <a:lstStyle/>
           <a:p>
+            <a:r>
+              <a:rPr lang="es-AR" sz="1100" dirty="0">
+                <a:solidFill>
+                  <a:schemeClr val="tx1"/>
+                </a:solidFill>
+              </a:rPr>
+              <a:t>Server</a:t>
+            </a:r>
+          </a:p>
+        </p:txBody>
+      </p:sp>
+      <p:sp>
+        <p:nvSpPr>
+          <p:cNvPr id="140" name="Rectángulo 139">
+            <a:extLst>
+              <a:ext uri="{FF2B5EF4-FFF2-40B4-BE49-F238E27FC236}">
+                <a16:creationId xmlns:a16="http://schemas.microsoft.com/office/drawing/2014/main" id="{BDCE3348-3949-5D5C-08F4-BF5173966EEB}"/>
+              </a:ext>
+            </a:extLst>
+          </p:cNvPr>
+          <p:cNvSpPr/>
+          <p:nvPr/>
+        </p:nvSpPr>
+        <p:spPr>
+          <a:xfrm>
+            <a:off x="5440680" y="60960"/>
+            <a:ext cx="1417320" cy="420040"/>
+          </a:xfrm>
+          <a:prstGeom prst="rect">
+            <a:avLst/>
+          </a:prstGeom>
+          <a:noFill/>
+          <a:ln>
+            <a:noFill/>
+          </a:ln>
+        </p:spPr>
+        <p:style>
+          <a:lnRef idx="2">
+            <a:schemeClr val="accent1">
+              <a:shade val="15000"/>
+            </a:schemeClr>
+          </a:lnRef>
+          <a:fillRef idx="1">
+            <a:schemeClr val="accent1"/>
+          </a:fillRef>
+          <a:effectRef idx="0">
+            <a:schemeClr val="accent1"/>
+          </a:effectRef>
+          <a:fontRef idx="minor">
+            <a:schemeClr val="lt1"/>
+          </a:fontRef>
+        </p:style>
+        <p:txBody>
+          <a:bodyPr rtlCol="0" anchor="ctr"/>
+          <a:lstStyle/>
+          <a:p>
+            <a:r>
+              <a:rPr lang="es-AR" sz="1400" b="1" dirty="0">
+                <a:solidFill>
+                  <a:schemeClr val="tx1">
+                    <a:lumMod val="50000"/>
+                    <a:lumOff val="50000"/>
+                  </a:schemeClr>
+                </a:solidFill>
+              </a:rPr>
+              <a:t>TP Final Redes</a:t>
+            </a:r>
+          </a:p>
+          <a:p>
+            <a:r>
+              <a:rPr lang="es-AR" sz="1100" b="1" dirty="0">
+                <a:solidFill>
+                  <a:schemeClr val="tx1">
+                    <a:lumMod val="50000"/>
+                    <a:lumOff val="50000"/>
+                  </a:schemeClr>
+                </a:solidFill>
+              </a:rPr>
+              <a:t>UNGS - SOR</a:t>
+            </a:r>
+          </a:p>
+        </p:txBody>
+      </p:sp>
+      <p:grpSp>
+        <p:nvGrpSpPr>
+          <p:cNvPr id="143" name="Grupo 142">
+            <a:extLst>
+              <a:ext uri="{FF2B5EF4-FFF2-40B4-BE49-F238E27FC236}">
+                <a16:creationId xmlns:a16="http://schemas.microsoft.com/office/drawing/2014/main" id="{20148A3E-4425-C073-2597-4851D15626BE}"/>
+              </a:ext>
+            </a:extLst>
+          </p:cNvPr>
+          <p:cNvGrpSpPr/>
+          <p:nvPr/>
+        </p:nvGrpSpPr>
+        <p:grpSpPr>
+          <a:xfrm>
+            <a:off x="4596840" y="1932809"/>
+            <a:ext cx="1926771" cy="1292455"/>
+            <a:chOff x="587829" y="1071603"/>
+            <a:chExt cx="1926771" cy="1292455"/>
+          </a:xfrm>
+        </p:grpSpPr>
+        <p:sp>
+          <p:nvSpPr>
+            <p:cNvPr id="150" name="Rectángulo: esquinas redondeadas 149">
+              <a:extLst>
+                <a:ext uri="{FF2B5EF4-FFF2-40B4-BE49-F238E27FC236}">
+                  <a16:creationId xmlns:a16="http://schemas.microsoft.com/office/drawing/2014/main" id="{7970DDD1-6628-FD10-1058-9DD80A4720BC}"/>
+                </a:ext>
+              </a:extLst>
+            </p:cNvPr>
+            <p:cNvSpPr/>
+            <p:nvPr/>
+          </p:nvSpPr>
+          <p:spPr>
+            <a:xfrm>
+              <a:off x="587829" y="1071603"/>
+              <a:ext cx="1926771" cy="1260000"/>
+            </a:xfrm>
+            <a:prstGeom prst="roundRect">
+              <a:avLst/>
+            </a:prstGeom>
+            <a:solidFill>
+              <a:schemeClr val="bg1"/>
+            </a:solidFill>
+            <a:ln>
+              <a:noFill/>
+            </a:ln>
+          </p:spPr>
+          <p:style>
+            <a:lnRef idx="2">
+              <a:schemeClr val="accent1">
+                <a:shade val="15000"/>
+              </a:schemeClr>
+            </a:lnRef>
+            <a:fillRef idx="1">
+              <a:schemeClr val="accent1"/>
+            </a:fillRef>
+            <a:effectRef idx="0">
+              <a:schemeClr val="accent1"/>
+            </a:effectRef>
+            <a:fontRef idx="minor">
+              <a:schemeClr val="lt1"/>
+            </a:fontRef>
+          </p:style>
+          <p:txBody>
+            <a:bodyPr rtlCol="0" anchor="ctr"/>
+            <a:lstStyle/>
+            <a:p>
+              <a:pPr algn="ctr"/>
+              <a:endParaRPr lang="es-AR" dirty="0"/>
+            </a:p>
+          </p:txBody>
+        </p:sp>
+        <p:sp>
+          <p:nvSpPr>
+            <p:cNvPr id="151" name="Rectángulo 150">
+              <a:extLst>
+                <a:ext uri="{FF2B5EF4-FFF2-40B4-BE49-F238E27FC236}">
+                  <a16:creationId xmlns:a16="http://schemas.microsoft.com/office/drawing/2014/main" id="{9BE0A16C-A2B6-1F58-8931-EB4B1AC7FDF2}"/>
+                </a:ext>
+              </a:extLst>
+            </p:cNvPr>
+            <p:cNvSpPr/>
+            <p:nvPr/>
+          </p:nvSpPr>
+          <p:spPr>
+            <a:xfrm>
+              <a:off x="587829" y="2176799"/>
+              <a:ext cx="1926771" cy="187259"/>
+            </a:xfrm>
+            <a:prstGeom prst="rect">
+              <a:avLst/>
+            </a:prstGeom>
+            <a:solidFill>
+              <a:schemeClr val="bg1">
+                <a:lumMod val="95000"/>
+              </a:schemeClr>
+            </a:solidFill>
+            <a:ln>
+              <a:noFill/>
+            </a:ln>
+          </p:spPr>
+          <p:style>
+            <a:lnRef idx="2">
+              <a:schemeClr val="accent1">
+                <a:shade val="15000"/>
+              </a:schemeClr>
+            </a:lnRef>
+            <a:fillRef idx="1">
+              <a:schemeClr val="accent1"/>
+            </a:fillRef>
+            <a:effectRef idx="0">
+              <a:schemeClr val="accent1"/>
+            </a:effectRef>
+            <a:fontRef idx="minor">
+              <a:schemeClr val="lt1"/>
+            </a:fontRef>
+          </p:style>
+          <p:txBody>
+            <a:bodyPr rtlCol="0" anchor="ctr"/>
+            <a:lstStyle/>
+            <a:p>
+              <a:r>
+                <a:rPr lang="es-AR" sz="1100" dirty="0">
+                  <a:solidFill>
+                    <a:schemeClr val="tx1">
+                      <a:lumMod val="85000"/>
+                      <a:lumOff val="15000"/>
+                    </a:schemeClr>
+                  </a:solidFill>
+                </a:rPr>
+                <a:t>Servidores</a:t>
+              </a:r>
+            </a:p>
+          </p:txBody>
+        </p:sp>
+      </p:grpSp>
+      <p:pic>
+        <p:nvPicPr>
+          <p:cNvPr id="185" name="Imagen 184">
+            <a:extLst>
+              <a:ext uri="{FF2B5EF4-FFF2-40B4-BE49-F238E27FC236}">
+                <a16:creationId xmlns:a16="http://schemas.microsoft.com/office/drawing/2014/main" id="{BFFD4478-AFAE-187F-C73A-24F537E85273}"/>
+              </a:ext>
+            </a:extLst>
+          </p:cNvPr>
+          <p:cNvPicPr>
+            <a:picLocks noChangeAspect="1"/>
+          </p:cNvPicPr>
+          <p:nvPr/>
+        </p:nvPicPr>
+        <p:blipFill>
+          <a:blip r:embed="rId3">
+            <a:clrChange>
+              <a:clrFrom>
+                <a:srgbClr val="FFFFFF"/>
+              </a:clrFrom>
+              <a:clrTo>
+                <a:srgbClr val="FFFFFF">
+                  <a:alpha val="0"/>
+                </a:srgbClr>
+              </a:clrTo>
+            </a:clrChange>
+          </a:blip>
+          <a:stretch>
+            <a:fillRect/>
+          </a:stretch>
+        </p:blipFill>
+        <p:spPr>
+          <a:xfrm>
+            <a:off x="4865576" y="2338161"/>
+            <a:ext cx="540000" cy="262755"/>
+          </a:xfrm>
+          <a:prstGeom prst="rect">
+            <a:avLst/>
+          </a:prstGeom>
+        </p:spPr>
+      </p:pic>
+      <p:pic>
+        <p:nvPicPr>
+          <p:cNvPr id="186" name="Imagen 185">
+            <a:extLst>
+              <a:ext uri="{FF2B5EF4-FFF2-40B4-BE49-F238E27FC236}">
+                <a16:creationId xmlns:a16="http://schemas.microsoft.com/office/drawing/2014/main" id="{B69DDE68-153A-E250-393F-07E4975A1299}"/>
+              </a:ext>
+            </a:extLst>
+          </p:cNvPr>
+          <p:cNvPicPr>
+            <a:picLocks noChangeAspect="1"/>
+          </p:cNvPicPr>
+          <p:nvPr/>
+        </p:nvPicPr>
+        <p:blipFill>
+          <a:blip r:embed="rId5">
+            <a:clrChange>
+              <a:clrFrom>
+                <a:srgbClr val="FFFFFF"/>
+              </a:clrFrom>
+              <a:clrTo>
+                <a:srgbClr val="FFFFFF">
+                  <a:alpha val="0"/>
+                </a:srgbClr>
+              </a:clrTo>
+            </a:clrChange>
+          </a:blip>
+          <a:stretch>
+            <a:fillRect/>
+          </a:stretch>
+        </p:blipFill>
+        <p:spPr>
+          <a:xfrm>
+            <a:off x="5509425" y="2327032"/>
+            <a:ext cx="335636" cy="479287"/>
+          </a:xfrm>
+          <a:prstGeom prst="rect">
+            <a:avLst/>
+          </a:prstGeom>
+        </p:spPr>
+      </p:pic>
+      <p:sp>
+        <p:nvSpPr>
+          <p:cNvPr id="187" name="Rectángulo 186">
+            <a:extLst>
+              <a:ext uri="{FF2B5EF4-FFF2-40B4-BE49-F238E27FC236}">
+                <a16:creationId xmlns:a16="http://schemas.microsoft.com/office/drawing/2014/main" id="{16BC3BC7-CEF0-3715-0C24-F517D035280B}"/>
+              </a:ext>
+            </a:extLst>
+          </p:cNvPr>
+          <p:cNvSpPr/>
+          <p:nvPr/>
+        </p:nvSpPr>
+        <p:spPr>
+          <a:xfrm>
+            <a:off x="5340075" y="2797855"/>
+            <a:ext cx="674336" cy="178751"/>
+          </a:xfrm>
+          <a:prstGeom prst="rect">
+            <a:avLst/>
+          </a:prstGeom>
+          <a:noFill/>
+          <a:ln>
+            <a:noFill/>
+          </a:ln>
+        </p:spPr>
+        <p:style>
+          <a:lnRef idx="2">
+            <a:schemeClr val="accent1">
+              <a:shade val="15000"/>
+            </a:schemeClr>
+          </a:lnRef>
+          <a:fillRef idx="1">
+            <a:schemeClr val="accent1"/>
+          </a:fillRef>
+          <a:effectRef idx="0">
+            <a:schemeClr val="accent1"/>
+          </a:effectRef>
+          <a:fontRef idx="minor">
+            <a:schemeClr val="lt1"/>
+          </a:fontRef>
+        </p:style>
+        <p:txBody>
+          <a:bodyPr rtlCol="0" anchor="ctr"/>
+          <a:lstStyle/>
+          <a:p>
             <a:pPr algn="ctr"/>
             <a:r>
-              <a:rPr lang="es-AR" b="1" u="sng" dirty="0"/>
-              <a:t>Bunker Fontanarrosa</a:t>
+              <a:rPr lang="es-AR" sz="1050" dirty="0">
+                <a:solidFill>
+                  <a:schemeClr val="tx1">
+                    <a:lumMod val="85000"/>
+                    <a:lumOff val="15000"/>
+                  </a:schemeClr>
+                </a:solidFill>
+              </a:rPr>
+              <a:t>Datos</a:t>
             </a:r>
           </a:p>
         </p:txBody>
       </p:sp>
+      <p:cxnSp>
+        <p:nvCxnSpPr>
+          <p:cNvPr id="188" name="Conector: angular 187">
+            <a:extLst>
+              <a:ext uri="{FF2B5EF4-FFF2-40B4-BE49-F238E27FC236}">
+                <a16:creationId xmlns:a16="http://schemas.microsoft.com/office/drawing/2014/main" id="{560A46CC-CEBD-2BBD-CE46-D4ED786CBF5D}"/>
+              </a:ext>
+            </a:extLst>
+          </p:cNvPr>
+          <p:cNvCxnSpPr>
+            <a:cxnSpLocks/>
+            <a:stCxn id="185" idx="1"/>
+            <a:endCxn id="67" idx="0"/>
+          </p:cNvCxnSpPr>
+          <p:nvPr/>
+        </p:nvCxnSpPr>
+        <p:spPr>
+          <a:xfrm rot="10800000" flipV="1">
+            <a:off x="3418840" y="2469539"/>
+            <a:ext cx="1446736" cy="788794"/>
+          </a:xfrm>
+          <a:prstGeom prst="bentConnector2">
+            <a:avLst/>
+          </a:prstGeom>
+          <a:ln>
+            <a:solidFill>
+              <a:schemeClr val="accent4">
+                <a:lumMod val="75000"/>
+              </a:schemeClr>
+            </a:solidFill>
+            <a:headEnd type="triangle"/>
+            <a:tailEnd type="triangle"/>
+          </a:ln>
+        </p:spPr>
+        <p:style>
+          <a:lnRef idx="2">
+            <a:schemeClr val="accent1"/>
+          </a:lnRef>
+          <a:fillRef idx="0">
+            <a:schemeClr val="accent1"/>
+          </a:fillRef>
+          <a:effectRef idx="1">
+            <a:schemeClr val="accent1"/>
+          </a:effectRef>
+          <a:fontRef idx="minor">
+            <a:schemeClr val="tx1"/>
+          </a:fontRef>
+        </p:style>
+      </p:cxnSp>
+      <p:cxnSp>
+        <p:nvCxnSpPr>
+          <p:cNvPr id="191" name="Conector: angular 190">
+            <a:extLst>
+              <a:ext uri="{FF2B5EF4-FFF2-40B4-BE49-F238E27FC236}">
+                <a16:creationId xmlns:a16="http://schemas.microsoft.com/office/drawing/2014/main" id="{C9333FFA-01FD-EF5A-31DD-238EB26BFF60}"/>
+              </a:ext>
+            </a:extLst>
+          </p:cNvPr>
+          <p:cNvCxnSpPr>
+            <a:cxnSpLocks/>
+            <a:stCxn id="186" idx="0"/>
+            <a:endCxn id="185" idx="0"/>
+          </p:cNvCxnSpPr>
+          <p:nvPr/>
+        </p:nvCxnSpPr>
+        <p:spPr>
+          <a:xfrm rot="16200000" flipH="1" flipV="1">
+            <a:off x="5400845" y="2061762"/>
+            <a:ext cx="11129" cy="541667"/>
+          </a:xfrm>
+          <a:prstGeom prst="bentConnector3">
+            <a:avLst>
+              <a:gd name="adj1" fmla="val -2054093"/>
+            </a:avLst>
+          </a:prstGeom>
+          <a:ln>
+            <a:solidFill>
+              <a:schemeClr val="accent4">
+                <a:lumMod val="75000"/>
+              </a:schemeClr>
+            </a:solidFill>
+            <a:headEnd type="triangle"/>
+            <a:tailEnd type="triangle"/>
+          </a:ln>
+        </p:spPr>
+        <p:style>
+          <a:lnRef idx="2">
+            <a:schemeClr val="accent1"/>
+          </a:lnRef>
+          <a:fillRef idx="0">
+            <a:schemeClr val="accent1"/>
+          </a:fillRef>
+          <a:effectRef idx="1">
+            <a:schemeClr val="accent1"/>
+          </a:effectRef>
+          <a:fontRef idx="minor">
+            <a:schemeClr val="tx1"/>
+          </a:fontRef>
+        </p:style>
+      </p:cxnSp>
+      <p:pic>
+        <p:nvPicPr>
+          <p:cNvPr id="197" name="Imagen 196">
+            <a:extLst>
+              <a:ext uri="{FF2B5EF4-FFF2-40B4-BE49-F238E27FC236}">
+                <a16:creationId xmlns:a16="http://schemas.microsoft.com/office/drawing/2014/main" id="{6FE0DEAC-577C-CC1A-32E6-FA85E7EE060F}"/>
+              </a:ext>
+            </a:extLst>
+          </p:cNvPr>
+          <p:cNvPicPr>
+            <a:picLocks noChangeAspect="1"/>
+          </p:cNvPicPr>
+          <p:nvPr/>
+        </p:nvPicPr>
+        <p:blipFill>
+          <a:blip r:embed="rId5">
+            <a:clrChange>
+              <a:clrFrom>
+                <a:srgbClr val="FFFFFF"/>
+              </a:clrFrom>
+              <a:clrTo>
+                <a:srgbClr val="FFFFFF">
+                  <a:alpha val="0"/>
+                </a:srgbClr>
+              </a:clrTo>
+            </a:clrChange>
+          </a:blip>
+          <a:stretch>
+            <a:fillRect/>
+          </a:stretch>
+        </p:blipFill>
+        <p:spPr>
+          <a:xfrm>
+            <a:off x="6067003" y="2326452"/>
+            <a:ext cx="335636" cy="479287"/>
+          </a:xfrm>
+          <a:prstGeom prst="rect">
+            <a:avLst/>
+          </a:prstGeom>
+        </p:spPr>
+      </p:pic>
+      <p:sp>
+        <p:nvSpPr>
+          <p:cNvPr id="198" name="Rectángulo 197">
+            <a:extLst>
+              <a:ext uri="{FF2B5EF4-FFF2-40B4-BE49-F238E27FC236}">
+                <a16:creationId xmlns:a16="http://schemas.microsoft.com/office/drawing/2014/main" id="{CF9B69C9-1888-7E0D-B87C-C100916BD8D7}"/>
+              </a:ext>
+            </a:extLst>
+          </p:cNvPr>
+          <p:cNvSpPr/>
+          <p:nvPr/>
+        </p:nvSpPr>
+        <p:spPr>
+          <a:xfrm>
+            <a:off x="5887492" y="2817595"/>
+            <a:ext cx="674337" cy="139843"/>
+          </a:xfrm>
+          <a:prstGeom prst="rect">
+            <a:avLst/>
+          </a:prstGeom>
+          <a:noFill/>
+          <a:ln>
+            <a:noFill/>
+          </a:ln>
+        </p:spPr>
+        <p:style>
+          <a:lnRef idx="2">
+            <a:schemeClr val="accent1">
+              <a:shade val="15000"/>
+            </a:schemeClr>
+          </a:lnRef>
+          <a:fillRef idx="1">
+            <a:schemeClr val="accent1"/>
+          </a:fillRef>
+          <a:effectRef idx="0">
+            <a:schemeClr val="accent1"/>
+          </a:effectRef>
+          <a:fontRef idx="minor">
+            <a:schemeClr val="lt1"/>
+          </a:fontRef>
+        </p:style>
+        <p:txBody>
+          <a:bodyPr rtlCol="0" anchor="ctr"/>
+          <a:lstStyle/>
+          <a:p>
+            <a:pPr algn="ctr"/>
+            <a:r>
+              <a:rPr lang="es-AR" sz="1050" dirty="0">
+                <a:solidFill>
+                  <a:schemeClr val="tx1">
+                    <a:lumMod val="85000"/>
+                    <a:lumOff val="15000"/>
+                  </a:schemeClr>
+                </a:solidFill>
+              </a:rPr>
+              <a:t>Comun.</a:t>
+            </a:r>
+          </a:p>
+        </p:txBody>
+      </p:sp>
+      <p:cxnSp>
+        <p:nvCxnSpPr>
+          <p:cNvPr id="199" name="Conector: angular 198">
+            <a:extLst>
+              <a:ext uri="{FF2B5EF4-FFF2-40B4-BE49-F238E27FC236}">
+                <a16:creationId xmlns:a16="http://schemas.microsoft.com/office/drawing/2014/main" id="{5479DD99-E545-4851-916B-72C86897A166}"/>
+              </a:ext>
+            </a:extLst>
+          </p:cNvPr>
+          <p:cNvCxnSpPr>
+            <a:cxnSpLocks/>
+            <a:stCxn id="197" idx="0"/>
+            <a:endCxn id="185" idx="0"/>
+          </p:cNvCxnSpPr>
+          <p:nvPr/>
+        </p:nvCxnSpPr>
+        <p:spPr>
+          <a:xfrm rot="16200000" flipH="1" flipV="1">
+            <a:off x="5679344" y="1782683"/>
+            <a:ext cx="11709" cy="1099245"/>
+          </a:xfrm>
+          <a:prstGeom prst="bentConnector3">
+            <a:avLst>
+              <a:gd name="adj1" fmla="val -1952344"/>
+            </a:avLst>
+          </a:prstGeom>
+          <a:ln>
+            <a:solidFill>
+              <a:schemeClr val="accent4">
+                <a:lumMod val="75000"/>
+              </a:schemeClr>
+            </a:solidFill>
+            <a:headEnd type="triangle"/>
+            <a:tailEnd type="triangle"/>
+          </a:ln>
+        </p:spPr>
+        <p:style>
+          <a:lnRef idx="2">
+            <a:schemeClr val="accent1"/>
+          </a:lnRef>
+          <a:fillRef idx="0">
+            <a:schemeClr val="accent1"/>
+          </a:fillRef>
+          <a:effectRef idx="1">
+            <a:schemeClr val="accent1"/>
+          </a:effectRef>
+          <a:fontRef idx="minor">
+            <a:schemeClr val="tx1"/>
+          </a:fontRef>
+        </p:style>
+      </p:cxnSp>
+      <p:sp>
+        <p:nvSpPr>
+          <p:cNvPr id="215" name="Rectángulo: esquinas redondeadas 214">
+            <a:extLst>
+              <a:ext uri="{FF2B5EF4-FFF2-40B4-BE49-F238E27FC236}">
+                <a16:creationId xmlns:a16="http://schemas.microsoft.com/office/drawing/2014/main" id="{75D47FD4-328F-6B9D-F24B-751D441D6958}"/>
+              </a:ext>
+            </a:extLst>
+          </p:cNvPr>
+          <p:cNvSpPr/>
+          <p:nvPr/>
+        </p:nvSpPr>
+        <p:spPr>
+          <a:xfrm>
+            <a:off x="185399" y="5267732"/>
+            <a:ext cx="2835759" cy="3205305"/>
+          </a:xfrm>
+          <a:prstGeom prst="roundRect">
+            <a:avLst>
+              <a:gd name="adj" fmla="val 5168"/>
+            </a:avLst>
+          </a:prstGeom>
+          <a:solidFill>
+            <a:schemeClr val="tx2">
+              <a:lumMod val="10000"/>
+              <a:lumOff val="90000"/>
+            </a:schemeClr>
+          </a:solidFill>
+          <a:ln>
+            <a:solidFill>
+              <a:schemeClr val="bg1">
+                <a:lumMod val="85000"/>
+              </a:schemeClr>
+            </a:solidFill>
+          </a:ln>
+        </p:spPr>
+        <p:style>
+          <a:lnRef idx="2">
+            <a:schemeClr val="accent1">
+              <a:shade val="15000"/>
+            </a:schemeClr>
+          </a:lnRef>
+          <a:fillRef idx="1">
+            <a:schemeClr val="accent1"/>
+          </a:fillRef>
+          <a:effectRef idx="0">
+            <a:schemeClr val="accent1"/>
+          </a:effectRef>
+          <a:fontRef idx="minor">
+            <a:schemeClr val="lt1"/>
+          </a:fontRef>
+        </p:style>
+        <p:txBody>
+          <a:bodyPr rtlCol="0" anchor="t"/>
+          <a:lstStyle/>
+          <a:p>
+            <a:r>
+              <a:rPr lang="es-AR" sz="1200" b="1" dirty="0">
+                <a:solidFill>
+                  <a:schemeClr val="accent1"/>
+                </a:solidFill>
+              </a:rPr>
+              <a:t>Bunker Quintero (Remoto 1)</a:t>
+            </a:r>
+          </a:p>
+        </p:txBody>
+      </p:sp>
+      <p:cxnSp>
+        <p:nvCxnSpPr>
+          <p:cNvPr id="217" name="Conector recto de flecha 216">
+            <a:extLst>
+              <a:ext uri="{FF2B5EF4-FFF2-40B4-BE49-F238E27FC236}">
+                <a16:creationId xmlns:a16="http://schemas.microsoft.com/office/drawing/2014/main" id="{7AC23D30-0549-4020-CE83-6E4F651D7C30}"/>
+              </a:ext>
+            </a:extLst>
+          </p:cNvPr>
+          <p:cNvCxnSpPr>
+            <a:cxnSpLocks/>
+            <a:stCxn id="25" idx="0"/>
+            <a:endCxn id="67" idx="2"/>
+          </p:cNvCxnSpPr>
+          <p:nvPr/>
+        </p:nvCxnSpPr>
+        <p:spPr>
+          <a:xfrm flipV="1">
+            <a:off x="3418840" y="3521088"/>
+            <a:ext cx="0" cy="740532"/>
+          </a:xfrm>
+          <a:prstGeom prst="straightConnector1">
+            <a:avLst/>
+          </a:prstGeom>
+          <a:ln>
+            <a:headEnd type="triangle"/>
+            <a:tailEnd type="triangle"/>
+          </a:ln>
+        </p:spPr>
+        <p:style>
+          <a:lnRef idx="2">
+            <a:schemeClr val="accent1"/>
+          </a:lnRef>
+          <a:fillRef idx="0">
+            <a:schemeClr val="accent1"/>
+          </a:fillRef>
+          <a:effectRef idx="1">
+            <a:schemeClr val="accent1"/>
+          </a:effectRef>
+          <a:fontRef idx="minor">
+            <a:schemeClr val="tx1"/>
+          </a:fontRef>
+        </p:style>
+      </p:cxnSp>
+      <p:grpSp>
+        <p:nvGrpSpPr>
+          <p:cNvPr id="219" name="Grupo 218">
+            <a:extLst>
+              <a:ext uri="{FF2B5EF4-FFF2-40B4-BE49-F238E27FC236}">
+                <a16:creationId xmlns:a16="http://schemas.microsoft.com/office/drawing/2014/main" id="{2A3D200A-A4B7-096C-C7D6-B12EF9E8D84F}"/>
+              </a:ext>
+            </a:extLst>
+          </p:cNvPr>
+          <p:cNvGrpSpPr/>
+          <p:nvPr/>
+        </p:nvGrpSpPr>
+        <p:grpSpPr>
+          <a:xfrm>
+            <a:off x="4657799" y="5654924"/>
+            <a:ext cx="1926771" cy="1292455"/>
+            <a:chOff x="3285465" y="3345943"/>
+            <a:chExt cx="1926771" cy="1292455"/>
+          </a:xfrm>
+        </p:grpSpPr>
+        <p:grpSp>
+          <p:nvGrpSpPr>
+            <p:cNvPr id="220" name="Grupo 219">
+              <a:extLst>
+                <a:ext uri="{FF2B5EF4-FFF2-40B4-BE49-F238E27FC236}">
+                  <a16:creationId xmlns:a16="http://schemas.microsoft.com/office/drawing/2014/main" id="{8C95065F-05E0-E93B-1F04-4FF94CBBC2D6}"/>
+                </a:ext>
+              </a:extLst>
+            </p:cNvPr>
+            <p:cNvGrpSpPr/>
+            <p:nvPr/>
+          </p:nvGrpSpPr>
+          <p:grpSpPr>
+            <a:xfrm>
+              <a:off x="3285465" y="3345943"/>
+              <a:ext cx="1926771" cy="1292455"/>
+              <a:chOff x="587829" y="1071603"/>
+              <a:chExt cx="1926771" cy="1292455"/>
+            </a:xfrm>
+          </p:grpSpPr>
+          <p:sp>
+            <p:nvSpPr>
+              <p:cNvPr id="227" name="Rectángulo: esquinas redondeadas 226">
+                <a:extLst>
+                  <a:ext uri="{FF2B5EF4-FFF2-40B4-BE49-F238E27FC236}">
+                    <a16:creationId xmlns:a16="http://schemas.microsoft.com/office/drawing/2014/main" id="{47BD0FD2-A8C6-A2C1-77A2-B6FE7147CE90}"/>
+                  </a:ext>
+                </a:extLst>
+              </p:cNvPr>
+              <p:cNvSpPr/>
+              <p:nvPr/>
+            </p:nvSpPr>
+            <p:spPr>
+              <a:xfrm>
+                <a:off x="587829" y="1071603"/>
+                <a:ext cx="1926771" cy="1260000"/>
+              </a:xfrm>
+              <a:prstGeom prst="roundRect">
+                <a:avLst/>
+              </a:prstGeom>
+              <a:solidFill>
+                <a:schemeClr val="bg1"/>
+              </a:solidFill>
+              <a:ln>
+                <a:noFill/>
+              </a:ln>
+            </p:spPr>
+            <p:style>
+              <a:lnRef idx="2">
+                <a:schemeClr val="accent1">
+                  <a:shade val="15000"/>
+                </a:schemeClr>
+              </a:lnRef>
+              <a:fillRef idx="1">
+                <a:schemeClr val="accent1"/>
+              </a:fillRef>
+              <a:effectRef idx="0">
+                <a:schemeClr val="accent1"/>
+              </a:effectRef>
+              <a:fontRef idx="minor">
+                <a:schemeClr val="lt1"/>
+              </a:fontRef>
+            </p:style>
+            <p:txBody>
+              <a:bodyPr rtlCol="0" anchor="ctr"/>
+              <a:lstStyle/>
+              <a:p>
+                <a:pPr algn="ctr"/>
+                <a:endParaRPr lang="es-AR" dirty="0"/>
+              </a:p>
+            </p:txBody>
+          </p:sp>
+          <p:sp>
+            <p:nvSpPr>
+              <p:cNvPr id="228" name="Rectángulo 227">
+                <a:extLst>
+                  <a:ext uri="{FF2B5EF4-FFF2-40B4-BE49-F238E27FC236}">
+                    <a16:creationId xmlns:a16="http://schemas.microsoft.com/office/drawing/2014/main" id="{EFB9CC88-2E7B-8C60-FB27-7C2BE13C07B0}"/>
+                  </a:ext>
+                </a:extLst>
+              </p:cNvPr>
+              <p:cNvSpPr/>
+              <p:nvPr/>
+            </p:nvSpPr>
+            <p:spPr>
+              <a:xfrm>
+                <a:off x="587829" y="2176799"/>
+                <a:ext cx="1926771" cy="187259"/>
+              </a:xfrm>
+              <a:prstGeom prst="rect">
+                <a:avLst/>
+              </a:prstGeom>
+              <a:solidFill>
+                <a:schemeClr val="bg1">
+                  <a:lumMod val="95000"/>
+                </a:schemeClr>
+              </a:solidFill>
+              <a:ln>
+                <a:noFill/>
+              </a:ln>
+            </p:spPr>
+            <p:style>
+              <a:lnRef idx="2">
+                <a:schemeClr val="accent1">
+                  <a:shade val="15000"/>
+                </a:schemeClr>
+              </a:lnRef>
+              <a:fillRef idx="1">
+                <a:schemeClr val="accent1"/>
+              </a:fillRef>
+              <a:effectRef idx="0">
+                <a:schemeClr val="accent1"/>
+              </a:effectRef>
+              <a:fontRef idx="minor">
+                <a:schemeClr val="lt1"/>
+              </a:fontRef>
+            </p:style>
+            <p:txBody>
+              <a:bodyPr rtlCol="0" anchor="ctr"/>
+              <a:lstStyle/>
+              <a:p>
+                <a:r>
+                  <a:rPr lang="es-AR" sz="1100" dirty="0">
+                    <a:solidFill>
+                      <a:schemeClr val="tx1">
+                        <a:lumMod val="85000"/>
+                        <a:lumOff val="15000"/>
+                      </a:schemeClr>
+                    </a:solidFill>
+                  </a:rPr>
+                  <a:t>Medicina</a:t>
+                </a:r>
+              </a:p>
+            </p:txBody>
+          </p:sp>
+        </p:grpSp>
+        <p:pic>
+          <p:nvPicPr>
+            <p:cNvPr id="221" name="Imagen 220">
+              <a:extLst>
+                <a:ext uri="{FF2B5EF4-FFF2-40B4-BE49-F238E27FC236}">
+                  <a16:creationId xmlns:a16="http://schemas.microsoft.com/office/drawing/2014/main" id="{C04A901E-D171-FFC3-65E4-D510C71DF66A}"/>
+                </a:ext>
+              </a:extLst>
+            </p:cNvPr>
+            <p:cNvPicPr>
+              <a:picLocks noChangeAspect="1"/>
+            </p:cNvPicPr>
+            <p:nvPr/>
+          </p:nvPicPr>
+          <p:blipFill>
+            <a:blip r:embed="rId3">
+              <a:clrChange>
+                <a:clrFrom>
+                  <a:srgbClr val="FFFFFF"/>
+                </a:clrFrom>
+                <a:clrTo>
+                  <a:srgbClr val="FFFFFF">
+                    <a:alpha val="0"/>
+                  </a:srgbClr>
+                </a:clrTo>
+              </a:clrChange>
+            </a:blip>
+            <a:stretch>
+              <a:fillRect/>
+            </a:stretch>
+          </p:blipFill>
+          <p:spPr>
+            <a:xfrm>
+              <a:off x="3554201" y="3750147"/>
+              <a:ext cx="540000" cy="262755"/>
+            </a:xfrm>
+            <a:prstGeom prst="rect">
+              <a:avLst/>
+            </a:prstGeom>
+          </p:spPr>
+        </p:pic>
+        <p:pic>
+          <p:nvPicPr>
+            <p:cNvPr id="222" name="Imagen 221">
+              <a:extLst>
+                <a:ext uri="{FF2B5EF4-FFF2-40B4-BE49-F238E27FC236}">
+                  <a16:creationId xmlns:a16="http://schemas.microsoft.com/office/drawing/2014/main" id="{27CA0A11-0F09-7522-1314-3FF03D7FCFD8}"/>
+                </a:ext>
+              </a:extLst>
+            </p:cNvPr>
+            <p:cNvPicPr>
+              <a:picLocks noChangeAspect="1"/>
+            </p:cNvPicPr>
+            <p:nvPr/>
+          </p:nvPicPr>
+          <p:blipFill>
+            <a:blip r:embed="rId4">
+              <a:clrChange>
+                <a:clrFrom>
+                  <a:srgbClr val="FFFFFF"/>
+                </a:clrFrom>
+                <a:clrTo>
+                  <a:srgbClr val="FFFFFF">
+                    <a:alpha val="0"/>
+                  </a:srgbClr>
+                </a:clrTo>
+              </a:clrChange>
+            </a:blip>
+            <a:stretch>
+              <a:fillRect/>
+            </a:stretch>
+          </p:blipFill>
+          <p:spPr>
+            <a:xfrm>
+              <a:off x="4645970" y="3425398"/>
+              <a:ext cx="432000" cy="356021"/>
+            </a:xfrm>
+            <a:prstGeom prst="rect">
+              <a:avLst/>
+            </a:prstGeom>
+          </p:spPr>
+        </p:pic>
+        <p:cxnSp>
+          <p:nvCxnSpPr>
+            <p:cNvPr id="223" name="Conector: angular 222">
+              <a:extLst>
+                <a:ext uri="{FF2B5EF4-FFF2-40B4-BE49-F238E27FC236}">
+                  <a16:creationId xmlns:a16="http://schemas.microsoft.com/office/drawing/2014/main" id="{D0917270-DD6A-0DF5-174D-52A2BC991615}"/>
+                </a:ext>
+              </a:extLst>
+            </p:cNvPr>
+            <p:cNvCxnSpPr>
+              <a:cxnSpLocks/>
+              <a:stCxn id="222" idx="1"/>
+              <a:endCxn id="221" idx="3"/>
+            </p:cNvCxnSpPr>
+            <p:nvPr/>
+          </p:nvCxnSpPr>
+          <p:spPr>
+            <a:xfrm rot="10800000" flipV="1">
+              <a:off x="4094202" y="3603409"/>
+              <a:ext cx="551769" cy="278116"/>
+            </a:xfrm>
+            <a:prstGeom prst="bentConnector3">
+              <a:avLst>
+                <a:gd name="adj1" fmla="val 50000"/>
+              </a:avLst>
+            </a:prstGeom>
+            <a:ln>
+              <a:solidFill>
+                <a:schemeClr val="accent4">
+                  <a:lumMod val="75000"/>
+                </a:schemeClr>
+              </a:solidFill>
+              <a:headEnd type="triangle"/>
+              <a:tailEnd type="triangle"/>
+            </a:ln>
+          </p:spPr>
+          <p:style>
+            <a:lnRef idx="2">
+              <a:schemeClr val="accent1"/>
+            </a:lnRef>
+            <a:fillRef idx="0">
+              <a:schemeClr val="accent1"/>
+            </a:fillRef>
+            <a:effectRef idx="1">
+              <a:schemeClr val="accent1"/>
+            </a:effectRef>
+            <a:fontRef idx="minor">
+              <a:schemeClr val="tx1"/>
+            </a:fontRef>
+          </p:style>
+        </p:cxnSp>
+        <p:sp>
+          <p:nvSpPr>
+            <p:cNvPr id="224" name="Rectángulo 223">
+              <a:extLst>
+                <a:ext uri="{FF2B5EF4-FFF2-40B4-BE49-F238E27FC236}">
+                  <a16:creationId xmlns:a16="http://schemas.microsoft.com/office/drawing/2014/main" id="{2D81BD82-2EFE-1425-6C01-E7EBCA288552}"/>
+                </a:ext>
+              </a:extLst>
+            </p:cNvPr>
+            <p:cNvSpPr/>
+            <p:nvPr/>
+          </p:nvSpPr>
+          <p:spPr>
+            <a:xfrm>
+              <a:off x="4591540" y="3820556"/>
+              <a:ext cx="523448" cy="151395"/>
+            </a:xfrm>
+            <a:prstGeom prst="rect">
+              <a:avLst/>
+            </a:prstGeom>
+            <a:noFill/>
+            <a:ln>
+              <a:noFill/>
+            </a:ln>
+          </p:spPr>
+          <p:style>
+            <a:lnRef idx="2">
+              <a:schemeClr val="accent1">
+                <a:shade val="15000"/>
+              </a:schemeClr>
+            </a:lnRef>
+            <a:fillRef idx="1">
+              <a:schemeClr val="accent1"/>
+            </a:fillRef>
+            <a:effectRef idx="0">
+              <a:schemeClr val="accent1"/>
+            </a:effectRef>
+            <a:fontRef idx="minor">
+              <a:schemeClr val="lt1"/>
+            </a:fontRef>
+          </p:style>
+          <p:txBody>
+            <a:bodyPr rtlCol="0" anchor="ctr"/>
+            <a:lstStyle/>
+            <a:p>
+              <a:pPr algn="ctr"/>
+              <a:r>
+                <a:rPr lang="es-AR" sz="1050" dirty="0">
+                  <a:solidFill>
+                    <a:schemeClr val="tx1">
+                      <a:lumMod val="85000"/>
+                      <a:lumOff val="15000"/>
+                    </a:schemeClr>
+                  </a:solidFill>
+                </a:rPr>
+                <a:t>x70</a:t>
+              </a:r>
+            </a:p>
+          </p:txBody>
+        </p:sp>
+        <p:pic>
+          <p:nvPicPr>
+            <p:cNvPr id="225" name="Imagen 224">
+              <a:extLst>
+                <a:ext uri="{FF2B5EF4-FFF2-40B4-BE49-F238E27FC236}">
+                  <a16:creationId xmlns:a16="http://schemas.microsoft.com/office/drawing/2014/main" id="{6A2FA359-F580-0423-287F-6B9D1B7E42ED}"/>
+                </a:ext>
+              </a:extLst>
+            </p:cNvPr>
+            <p:cNvPicPr>
+              <a:picLocks noChangeAspect="1"/>
+            </p:cNvPicPr>
+            <p:nvPr/>
+          </p:nvPicPr>
+          <p:blipFill>
+            <a:blip r:embed="rId4">
+              <a:clrChange>
+                <a:clrFrom>
+                  <a:srgbClr val="FFFFFF"/>
+                </a:clrFrom>
+                <a:clrTo>
+                  <a:srgbClr val="FFFFFF">
+                    <a:alpha val="0"/>
+                  </a:srgbClr>
+                </a:clrTo>
+              </a:clrChange>
+            </a:blip>
+            <a:stretch>
+              <a:fillRect/>
+            </a:stretch>
+          </p:blipFill>
+          <p:spPr>
+            <a:xfrm>
+              <a:off x="4645970" y="4012073"/>
+              <a:ext cx="432000" cy="356021"/>
+            </a:xfrm>
+            <a:prstGeom prst="rect">
+              <a:avLst/>
+            </a:prstGeom>
+          </p:spPr>
+        </p:pic>
+        <p:cxnSp>
+          <p:nvCxnSpPr>
+            <p:cNvPr id="226" name="Conector: angular 225">
+              <a:extLst>
+                <a:ext uri="{FF2B5EF4-FFF2-40B4-BE49-F238E27FC236}">
+                  <a16:creationId xmlns:a16="http://schemas.microsoft.com/office/drawing/2014/main" id="{B980FE0C-6890-3BB4-2D26-F2BE25EFDF08}"/>
+                </a:ext>
+              </a:extLst>
+            </p:cNvPr>
+            <p:cNvCxnSpPr>
+              <a:cxnSpLocks/>
+              <a:stCxn id="225" idx="1"/>
+              <a:endCxn id="221" idx="3"/>
+            </p:cNvCxnSpPr>
+            <p:nvPr/>
+          </p:nvCxnSpPr>
+          <p:spPr>
+            <a:xfrm rot="10800000">
+              <a:off x="4094202" y="3881526"/>
+              <a:ext cx="551769" cy="308559"/>
+            </a:xfrm>
+            <a:prstGeom prst="bentConnector3">
+              <a:avLst>
+                <a:gd name="adj1" fmla="val 50000"/>
+              </a:avLst>
+            </a:prstGeom>
+            <a:ln>
+              <a:solidFill>
+                <a:schemeClr val="accent4">
+                  <a:lumMod val="75000"/>
+                </a:schemeClr>
+              </a:solidFill>
+              <a:headEnd type="triangle"/>
+              <a:tailEnd type="triangle"/>
+            </a:ln>
+          </p:spPr>
+          <p:style>
+            <a:lnRef idx="2">
+              <a:schemeClr val="accent1"/>
+            </a:lnRef>
+            <a:fillRef idx="0">
+              <a:schemeClr val="accent1"/>
+            </a:fillRef>
+            <a:effectRef idx="1">
+              <a:schemeClr val="accent1"/>
+            </a:effectRef>
+            <a:fontRef idx="minor">
+              <a:schemeClr val="tx1"/>
+            </a:fontRef>
+          </p:style>
+        </p:cxnSp>
+      </p:grpSp>
+      <p:grpSp>
+        <p:nvGrpSpPr>
+          <p:cNvPr id="229" name="Grupo 228">
+            <a:extLst>
+              <a:ext uri="{FF2B5EF4-FFF2-40B4-BE49-F238E27FC236}">
+                <a16:creationId xmlns:a16="http://schemas.microsoft.com/office/drawing/2014/main" id="{366AACE6-9D21-8FAD-F905-EC772AA62D1F}"/>
+              </a:ext>
+            </a:extLst>
+          </p:cNvPr>
+          <p:cNvGrpSpPr/>
+          <p:nvPr/>
+        </p:nvGrpSpPr>
+        <p:grpSpPr>
+          <a:xfrm>
+            <a:off x="4657798" y="7065673"/>
+            <a:ext cx="1926771" cy="1292455"/>
+            <a:chOff x="3285465" y="3345943"/>
+            <a:chExt cx="1926771" cy="1292455"/>
+          </a:xfrm>
+        </p:grpSpPr>
+        <p:grpSp>
+          <p:nvGrpSpPr>
+            <p:cNvPr id="230" name="Grupo 229">
+              <a:extLst>
+                <a:ext uri="{FF2B5EF4-FFF2-40B4-BE49-F238E27FC236}">
+                  <a16:creationId xmlns:a16="http://schemas.microsoft.com/office/drawing/2014/main" id="{BABBFF85-F944-34CB-CD5C-141E48AB4D5F}"/>
+                </a:ext>
+              </a:extLst>
+            </p:cNvPr>
+            <p:cNvGrpSpPr/>
+            <p:nvPr/>
+          </p:nvGrpSpPr>
+          <p:grpSpPr>
+            <a:xfrm>
+              <a:off x="3285465" y="3345943"/>
+              <a:ext cx="1926771" cy="1292455"/>
+              <a:chOff x="587829" y="1071603"/>
+              <a:chExt cx="1926771" cy="1292455"/>
+            </a:xfrm>
+          </p:grpSpPr>
+          <p:sp>
+            <p:nvSpPr>
+              <p:cNvPr id="237" name="Rectángulo: esquinas redondeadas 236">
+                <a:extLst>
+                  <a:ext uri="{FF2B5EF4-FFF2-40B4-BE49-F238E27FC236}">
+                    <a16:creationId xmlns:a16="http://schemas.microsoft.com/office/drawing/2014/main" id="{6825EF7C-18FC-E639-8503-5059A6B423E5}"/>
+                  </a:ext>
+                </a:extLst>
+              </p:cNvPr>
+              <p:cNvSpPr/>
+              <p:nvPr/>
+            </p:nvSpPr>
+            <p:spPr>
+              <a:xfrm>
+                <a:off x="587829" y="1071603"/>
+                <a:ext cx="1926771" cy="1260000"/>
+              </a:xfrm>
+              <a:prstGeom prst="roundRect">
+                <a:avLst/>
+              </a:prstGeom>
+              <a:solidFill>
+                <a:schemeClr val="bg1"/>
+              </a:solidFill>
+              <a:ln>
+                <a:noFill/>
+              </a:ln>
+            </p:spPr>
+            <p:style>
+              <a:lnRef idx="2">
+                <a:schemeClr val="accent1">
+                  <a:shade val="15000"/>
+                </a:schemeClr>
+              </a:lnRef>
+              <a:fillRef idx="1">
+                <a:schemeClr val="accent1"/>
+              </a:fillRef>
+              <a:effectRef idx="0">
+                <a:schemeClr val="accent1"/>
+              </a:effectRef>
+              <a:fontRef idx="minor">
+                <a:schemeClr val="lt1"/>
+              </a:fontRef>
+            </p:style>
+            <p:txBody>
+              <a:bodyPr rtlCol="0" anchor="ctr"/>
+              <a:lstStyle/>
+              <a:p>
+                <a:pPr algn="ctr"/>
+                <a:endParaRPr lang="es-AR" dirty="0"/>
+              </a:p>
+            </p:txBody>
+          </p:sp>
+          <p:sp>
+            <p:nvSpPr>
+              <p:cNvPr id="238" name="Rectángulo 237">
+                <a:extLst>
+                  <a:ext uri="{FF2B5EF4-FFF2-40B4-BE49-F238E27FC236}">
+                    <a16:creationId xmlns:a16="http://schemas.microsoft.com/office/drawing/2014/main" id="{DF457A3C-60FB-438E-6F8F-4CC0213ADC6B}"/>
+                  </a:ext>
+                </a:extLst>
+              </p:cNvPr>
+              <p:cNvSpPr/>
+              <p:nvPr/>
+            </p:nvSpPr>
+            <p:spPr>
+              <a:xfrm>
+                <a:off x="587829" y="2176799"/>
+                <a:ext cx="1926771" cy="187259"/>
+              </a:xfrm>
+              <a:prstGeom prst="rect">
+                <a:avLst/>
+              </a:prstGeom>
+              <a:solidFill>
+                <a:schemeClr val="bg1">
+                  <a:lumMod val="95000"/>
+                </a:schemeClr>
+              </a:solidFill>
+              <a:ln>
+                <a:noFill/>
+              </a:ln>
+            </p:spPr>
+            <p:style>
+              <a:lnRef idx="2">
+                <a:schemeClr val="accent1">
+                  <a:shade val="15000"/>
+                </a:schemeClr>
+              </a:lnRef>
+              <a:fillRef idx="1">
+                <a:schemeClr val="accent1"/>
+              </a:fillRef>
+              <a:effectRef idx="0">
+                <a:schemeClr val="accent1"/>
+              </a:effectRef>
+              <a:fontRef idx="minor">
+                <a:schemeClr val="lt1"/>
+              </a:fontRef>
+            </p:style>
+            <p:txBody>
+              <a:bodyPr rtlCol="0" anchor="ctr"/>
+              <a:lstStyle/>
+              <a:p>
+                <a:r>
+                  <a:rPr lang="es-AR" sz="1100" dirty="0">
+                    <a:solidFill>
+                      <a:schemeClr val="tx1">
+                        <a:lumMod val="85000"/>
+                        <a:lumOff val="15000"/>
+                      </a:schemeClr>
+                    </a:solidFill>
+                  </a:rPr>
+                  <a:t>Seguridad</a:t>
+                </a:r>
+              </a:p>
+            </p:txBody>
+          </p:sp>
+        </p:grpSp>
+        <p:pic>
+          <p:nvPicPr>
+            <p:cNvPr id="231" name="Imagen 230">
+              <a:extLst>
+                <a:ext uri="{FF2B5EF4-FFF2-40B4-BE49-F238E27FC236}">
+                  <a16:creationId xmlns:a16="http://schemas.microsoft.com/office/drawing/2014/main" id="{293F9F15-FF83-43BB-DDE8-E2F3DD9DD5B0}"/>
+                </a:ext>
+              </a:extLst>
+            </p:cNvPr>
+            <p:cNvPicPr>
+              <a:picLocks noChangeAspect="1"/>
+            </p:cNvPicPr>
+            <p:nvPr/>
+          </p:nvPicPr>
+          <p:blipFill>
+            <a:blip r:embed="rId3">
+              <a:clrChange>
+                <a:clrFrom>
+                  <a:srgbClr val="FFFFFF"/>
+                </a:clrFrom>
+                <a:clrTo>
+                  <a:srgbClr val="FFFFFF">
+                    <a:alpha val="0"/>
+                  </a:srgbClr>
+                </a:clrTo>
+              </a:clrChange>
+            </a:blip>
+            <a:stretch>
+              <a:fillRect/>
+            </a:stretch>
+          </p:blipFill>
+          <p:spPr>
+            <a:xfrm>
+              <a:off x="3554201" y="3750147"/>
+              <a:ext cx="540000" cy="262755"/>
+            </a:xfrm>
+            <a:prstGeom prst="rect">
+              <a:avLst/>
+            </a:prstGeom>
+          </p:spPr>
+        </p:pic>
+        <p:pic>
+          <p:nvPicPr>
+            <p:cNvPr id="232" name="Imagen 231">
+              <a:extLst>
+                <a:ext uri="{FF2B5EF4-FFF2-40B4-BE49-F238E27FC236}">
+                  <a16:creationId xmlns:a16="http://schemas.microsoft.com/office/drawing/2014/main" id="{C5E81304-72C4-3EA5-9CAD-A6D6C1A0AB1C}"/>
+                </a:ext>
+              </a:extLst>
+            </p:cNvPr>
+            <p:cNvPicPr>
+              <a:picLocks noChangeAspect="1"/>
+            </p:cNvPicPr>
+            <p:nvPr/>
+          </p:nvPicPr>
+          <p:blipFill>
+            <a:blip r:embed="rId4">
+              <a:clrChange>
+                <a:clrFrom>
+                  <a:srgbClr val="FFFFFF"/>
+                </a:clrFrom>
+                <a:clrTo>
+                  <a:srgbClr val="FFFFFF">
+                    <a:alpha val="0"/>
+                  </a:srgbClr>
+                </a:clrTo>
+              </a:clrChange>
+            </a:blip>
+            <a:stretch>
+              <a:fillRect/>
+            </a:stretch>
+          </p:blipFill>
+          <p:spPr>
+            <a:xfrm>
+              <a:off x="4645970" y="3425398"/>
+              <a:ext cx="432000" cy="356021"/>
+            </a:xfrm>
+            <a:prstGeom prst="rect">
+              <a:avLst/>
+            </a:prstGeom>
+          </p:spPr>
+        </p:pic>
+        <p:cxnSp>
+          <p:nvCxnSpPr>
+            <p:cNvPr id="233" name="Conector: angular 232">
+              <a:extLst>
+                <a:ext uri="{FF2B5EF4-FFF2-40B4-BE49-F238E27FC236}">
+                  <a16:creationId xmlns:a16="http://schemas.microsoft.com/office/drawing/2014/main" id="{EE23A8F3-0460-B6F1-27B0-45814219445D}"/>
+                </a:ext>
+              </a:extLst>
+            </p:cNvPr>
+            <p:cNvCxnSpPr>
+              <a:cxnSpLocks/>
+              <a:stCxn id="232" idx="1"/>
+              <a:endCxn id="231" idx="3"/>
+            </p:cNvCxnSpPr>
+            <p:nvPr/>
+          </p:nvCxnSpPr>
+          <p:spPr>
+            <a:xfrm rot="10800000" flipV="1">
+              <a:off x="4094202" y="3603409"/>
+              <a:ext cx="551769" cy="278116"/>
+            </a:xfrm>
+            <a:prstGeom prst="bentConnector3">
+              <a:avLst>
+                <a:gd name="adj1" fmla="val 50000"/>
+              </a:avLst>
+            </a:prstGeom>
+            <a:ln>
+              <a:solidFill>
+                <a:schemeClr val="accent4">
+                  <a:lumMod val="75000"/>
+                </a:schemeClr>
+              </a:solidFill>
+              <a:headEnd type="triangle"/>
+              <a:tailEnd type="triangle"/>
+            </a:ln>
+          </p:spPr>
+          <p:style>
+            <a:lnRef idx="2">
+              <a:schemeClr val="accent1"/>
+            </a:lnRef>
+            <a:fillRef idx="0">
+              <a:schemeClr val="accent1"/>
+            </a:fillRef>
+            <a:effectRef idx="1">
+              <a:schemeClr val="accent1"/>
+            </a:effectRef>
+            <a:fontRef idx="minor">
+              <a:schemeClr val="tx1"/>
+            </a:fontRef>
+          </p:style>
+        </p:cxnSp>
+        <p:sp>
+          <p:nvSpPr>
+            <p:cNvPr id="234" name="Rectángulo 233">
+              <a:extLst>
+                <a:ext uri="{FF2B5EF4-FFF2-40B4-BE49-F238E27FC236}">
+                  <a16:creationId xmlns:a16="http://schemas.microsoft.com/office/drawing/2014/main" id="{6CAEB32A-E77A-816A-61F1-460AF3BFBC02}"/>
+                </a:ext>
+              </a:extLst>
+            </p:cNvPr>
+            <p:cNvSpPr/>
+            <p:nvPr/>
+          </p:nvSpPr>
+          <p:spPr>
+            <a:xfrm>
+              <a:off x="4591540" y="3820556"/>
+              <a:ext cx="523448" cy="151395"/>
+            </a:xfrm>
+            <a:prstGeom prst="rect">
+              <a:avLst/>
+            </a:prstGeom>
+            <a:noFill/>
+            <a:ln>
+              <a:noFill/>
+            </a:ln>
+          </p:spPr>
+          <p:style>
+            <a:lnRef idx="2">
+              <a:schemeClr val="accent1">
+                <a:shade val="15000"/>
+              </a:schemeClr>
+            </a:lnRef>
+            <a:fillRef idx="1">
+              <a:schemeClr val="accent1"/>
+            </a:fillRef>
+            <a:effectRef idx="0">
+              <a:schemeClr val="accent1"/>
+            </a:effectRef>
+            <a:fontRef idx="minor">
+              <a:schemeClr val="lt1"/>
+            </a:fontRef>
+          </p:style>
+          <p:txBody>
+            <a:bodyPr rtlCol="0" anchor="ctr"/>
+            <a:lstStyle/>
+            <a:p>
+              <a:pPr algn="ctr"/>
+              <a:r>
+                <a:rPr lang="es-AR" sz="1050" dirty="0">
+                  <a:solidFill>
+                    <a:schemeClr val="tx1">
+                      <a:lumMod val="85000"/>
+                      <a:lumOff val="15000"/>
+                    </a:schemeClr>
+                  </a:solidFill>
+                </a:rPr>
+                <a:t>x30</a:t>
+              </a:r>
+            </a:p>
+          </p:txBody>
+        </p:sp>
+        <p:pic>
+          <p:nvPicPr>
+            <p:cNvPr id="235" name="Imagen 234">
+              <a:extLst>
+                <a:ext uri="{FF2B5EF4-FFF2-40B4-BE49-F238E27FC236}">
+                  <a16:creationId xmlns:a16="http://schemas.microsoft.com/office/drawing/2014/main" id="{6E00FD88-837E-503E-7B42-E60E49B0F5F8}"/>
+                </a:ext>
+              </a:extLst>
+            </p:cNvPr>
+            <p:cNvPicPr>
+              <a:picLocks noChangeAspect="1"/>
+            </p:cNvPicPr>
+            <p:nvPr/>
+          </p:nvPicPr>
+          <p:blipFill>
+            <a:blip r:embed="rId4">
+              <a:clrChange>
+                <a:clrFrom>
+                  <a:srgbClr val="FFFFFF"/>
+                </a:clrFrom>
+                <a:clrTo>
+                  <a:srgbClr val="FFFFFF">
+                    <a:alpha val="0"/>
+                  </a:srgbClr>
+                </a:clrTo>
+              </a:clrChange>
+            </a:blip>
+            <a:stretch>
+              <a:fillRect/>
+            </a:stretch>
+          </p:blipFill>
+          <p:spPr>
+            <a:xfrm>
+              <a:off x="4645970" y="4012073"/>
+              <a:ext cx="432000" cy="356021"/>
+            </a:xfrm>
+            <a:prstGeom prst="rect">
+              <a:avLst/>
+            </a:prstGeom>
+          </p:spPr>
+        </p:pic>
+        <p:cxnSp>
+          <p:nvCxnSpPr>
+            <p:cNvPr id="236" name="Conector: angular 235">
+              <a:extLst>
+                <a:ext uri="{FF2B5EF4-FFF2-40B4-BE49-F238E27FC236}">
+                  <a16:creationId xmlns:a16="http://schemas.microsoft.com/office/drawing/2014/main" id="{871E6A3F-9407-CAF9-1C37-0E07933E7D55}"/>
+                </a:ext>
+              </a:extLst>
+            </p:cNvPr>
+            <p:cNvCxnSpPr>
+              <a:cxnSpLocks/>
+              <a:stCxn id="235" idx="1"/>
+              <a:endCxn id="231" idx="3"/>
+            </p:cNvCxnSpPr>
+            <p:nvPr/>
+          </p:nvCxnSpPr>
+          <p:spPr>
+            <a:xfrm rot="10800000">
+              <a:off x="4094202" y="3881526"/>
+              <a:ext cx="551769" cy="308559"/>
+            </a:xfrm>
+            <a:prstGeom prst="bentConnector3">
+              <a:avLst>
+                <a:gd name="adj1" fmla="val 50000"/>
+              </a:avLst>
+            </a:prstGeom>
+            <a:ln>
+              <a:solidFill>
+                <a:schemeClr val="accent4">
+                  <a:lumMod val="75000"/>
+                </a:schemeClr>
+              </a:solidFill>
+              <a:headEnd type="triangle"/>
+              <a:tailEnd type="triangle"/>
+            </a:ln>
+          </p:spPr>
+          <p:style>
+            <a:lnRef idx="2">
+              <a:schemeClr val="accent1"/>
+            </a:lnRef>
+            <a:fillRef idx="0">
+              <a:schemeClr val="accent1"/>
+            </a:fillRef>
+            <a:effectRef idx="1">
+              <a:schemeClr val="accent1"/>
+            </a:effectRef>
+            <a:fontRef idx="minor">
+              <a:schemeClr val="tx1"/>
+            </a:fontRef>
+          </p:style>
+        </p:cxnSp>
+      </p:grpSp>
+      <p:pic>
+        <p:nvPicPr>
+          <p:cNvPr id="239" name="Imagen 238">
+            <a:extLst>
+              <a:ext uri="{FF2B5EF4-FFF2-40B4-BE49-F238E27FC236}">
+                <a16:creationId xmlns:a16="http://schemas.microsoft.com/office/drawing/2014/main" id="{0023B3A4-5A40-678B-3B5F-FD34F7F98D85}"/>
+              </a:ext>
+            </a:extLst>
+          </p:cNvPr>
+          <p:cNvPicPr>
+            <a:picLocks noChangeAspect="1"/>
+          </p:cNvPicPr>
+          <p:nvPr/>
+        </p:nvPicPr>
+        <p:blipFill>
+          <a:blip r:embed="rId3">
+            <a:clrChange>
+              <a:clrFrom>
+                <a:srgbClr val="FFFFFF"/>
+              </a:clrFrom>
+              <a:clrTo>
+                <a:srgbClr val="FFFFFF">
+                  <a:alpha val="0"/>
+                </a:srgbClr>
+              </a:clrTo>
+            </a:clrChange>
+          </a:blip>
+          <a:stretch>
+            <a:fillRect/>
+          </a:stretch>
+        </p:blipFill>
+        <p:spPr>
+          <a:xfrm>
+            <a:off x="3998267" y="6920491"/>
+            <a:ext cx="540000" cy="262755"/>
+          </a:xfrm>
+          <a:prstGeom prst="rect">
+            <a:avLst/>
+          </a:prstGeom>
+        </p:spPr>
+      </p:pic>
+      <p:pic>
+        <p:nvPicPr>
+          <p:cNvPr id="244" name="Imagen 243">
+            <a:extLst>
+              <a:ext uri="{FF2B5EF4-FFF2-40B4-BE49-F238E27FC236}">
+                <a16:creationId xmlns:a16="http://schemas.microsoft.com/office/drawing/2014/main" id="{17560C53-1272-5D95-F305-39C791F05DFC}"/>
+              </a:ext>
+            </a:extLst>
+          </p:cNvPr>
+          <p:cNvPicPr>
+            <a:picLocks noChangeAspect="1"/>
+          </p:cNvPicPr>
+          <p:nvPr/>
+        </p:nvPicPr>
+        <p:blipFill>
+          <a:blip r:embed="rId2">
+            <a:clrChange>
+              <a:clrFrom>
+                <a:srgbClr val="FFFFFF"/>
+              </a:clrFrom>
+              <a:clrTo>
+                <a:srgbClr val="FFFFFF">
+                  <a:alpha val="0"/>
+                </a:srgbClr>
+              </a:clrTo>
+            </a:clrChange>
+          </a:blip>
+          <a:stretch>
+            <a:fillRect/>
+          </a:stretch>
+        </p:blipFill>
+        <p:spPr>
+          <a:xfrm>
+            <a:off x="4026430" y="5764183"/>
+            <a:ext cx="468000" cy="292903"/>
+          </a:xfrm>
+          <a:prstGeom prst="rect">
+            <a:avLst/>
+          </a:prstGeom>
+        </p:spPr>
+      </p:pic>
+      <p:cxnSp>
+        <p:nvCxnSpPr>
+          <p:cNvPr id="245" name="Conector recto de flecha 244">
+            <a:extLst>
+              <a:ext uri="{FF2B5EF4-FFF2-40B4-BE49-F238E27FC236}">
+                <a16:creationId xmlns:a16="http://schemas.microsoft.com/office/drawing/2014/main" id="{EE5316E6-2887-3E97-51B0-5E29E9AB210B}"/>
+              </a:ext>
+            </a:extLst>
+          </p:cNvPr>
+          <p:cNvCxnSpPr>
+            <a:cxnSpLocks/>
+            <a:stCxn id="239" idx="0"/>
+            <a:endCxn id="244" idx="2"/>
+          </p:cNvCxnSpPr>
+          <p:nvPr/>
+        </p:nvCxnSpPr>
+        <p:spPr>
+          <a:xfrm flipH="1" flipV="1">
+            <a:off x="4260430" y="6057086"/>
+            <a:ext cx="7837" cy="863405"/>
+          </a:xfrm>
+          <a:prstGeom prst="straightConnector1">
+            <a:avLst/>
+          </a:prstGeom>
+          <a:ln>
+            <a:headEnd type="triangle"/>
+            <a:tailEnd type="triangle"/>
+          </a:ln>
+        </p:spPr>
+        <p:style>
+          <a:lnRef idx="2">
+            <a:schemeClr val="accent1"/>
+          </a:lnRef>
+          <a:fillRef idx="0">
+            <a:schemeClr val="accent1"/>
+          </a:fillRef>
+          <a:effectRef idx="1">
+            <a:schemeClr val="accent1"/>
+          </a:effectRef>
+          <a:fontRef idx="minor">
+            <a:schemeClr val="tx1"/>
+          </a:fontRef>
+        </p:style>
+      </p:cxnSp>
+      <p:cxnSp>
+        <p:nvCxnSpPr>
+          <p:cNvPr id="258" name="Conector: angular 257">
+            <a:extLst>
+              <a:ext uri="{FF2B5EF4-FFF2-40B4-BE49-F238E27FC236}">
+                <a16:creationId xmlns:a16="http://schemas.microsoft.com/office/drawing/2014/main" id="{FB17849E-462F-A175-950D-333C7E6E86CA}"/>
+              </a:ext>
+            </a:extLst>
+          </p:cNvPr>
+          <p:cNvCxnSpPr>
+            <a:cxnSpLocks/>
+            <a:stCxn id="244" idx="1"/>
+            <a:endCxn id="25" idx="2"/>
+          </p:cNvCxnSpPr>
+          <p:nvPr/>
+        </p:nvCxnSpPr>
+        <p:spPr>
+          <a:xfrm rot="10800000">
+            <a:off x="3418840" y="4554523"/>
+            <a:ext cx="607590" cy="1356112"/>
+          </a:xfrm>
+          <a:prstGeom prst="bentConnector2">
+            <a:avLst/>
+          </a:prstGeom>
+          <a:ln>
+            <a:solidFill>
+              <a:schemeClr val="accent4">
+                <a:lumMod val="75000"/>
+              </a:schemeClr>
+            </a:solidFill>
+            <a:headEnd type="triangle"/>
+            <a:tailEnd type="triangle"/>
+          </a:ln>
+        </p:spPr>
+        <p:style>
+          <a:lnRef idx="2">
+            <a:schemeClr val="accent1"/>
+          </a:lnRef>
+          <a:fillRef idx="0">
+            <a:schemeClr val="accent1"/>
+          </a:fillRef>
+          <a:effectRef idx="1">
+            <a:schemeClr val="accent1"/>
+          </a:effectRef>
+          <a:fontRef idx="minor">
+            <a:schemeClr val="tx1"/>
+          </a:fontRef>
+        </p:style>
+      </p:cxnSp>
+      <p:cxnSp>
+        <p:nvCxnSpPr>
+          <p:cNvPr id="262" name="Conector: angular 261">
+            <a:extLst>
+              <a:ext uri="{FF2B5EF4-FFF2-40B4-BE49-F238E27FC236}">
+                <a16:creationId xmlns:a16="http://schemas.microsoft.com/office/drawing/2014/main" id="{ACBB1496-C0A1-40B4-511D-E8B833B5F9DF}"/>
+              </a:ext>
+            </a:extLst>
+          </p:cNvPr>
+          <p:cNvCxnSpPr>
+            <a:cxnSpLocks/>
+            <a:stCxn id="221" idx="1"/>
+            <a:endCxn id="239" idx="3"/>
+          </p:cNvCxnSpPr>
+          <p:nvPr/>
+        </p:nvCxnSpPr>
+        <p:spPr>
+          <a:xfrm rot="10800000" flipV="1">
+            <a:off x="4538267" y="6190505"/>
+            <a:ext cx="388268" cy="861363"/>
+          </a:xfrm>
+          <a:prstGeom prst="bentConnector3">
+            <a:avLst>
+              <a:gd name="adj1" fmla="val 65700"/>
+            </a:avLst>
+          </a:prstGeom>
+          <a:ln>
+            <a:solidFill>
+              <a:schemeClr val="accent4">
+                <a:lumMod val="75000"/>
+              </a:schemeClr>
+            </a:solidFill>
+            <a:headEnd type="triangle"/>
+            <a:tailEnd type="triangle"/>
+          </a:ln>
+        </p:spPr>
+        <p:style>
+          <a:lnRef idx="2">
+            <a:schemeClr val="accent1"/>
+          </a:lnRef>
+          <a:fillRef idx="0">
+            <a:schemeClr val="accent1"/>
+          </a:fillRef>
+          <a:effectRef idx="1">
+            <a:schemeClr val="accent1"/>
+          </a:effectRef>
+          <a:fontRef idx="minor">
+            <a:schemeClr val="tx1"/>
+          </a:fontRef>
+        </p:style>
+      </p:cxnSp>
+      <p:cxnSp>
+        <p:nvCxnSpPr>
+          <p:cNvPr id="267" name="Conector: angular 266">
+            <a:extLst>
+              <a:ext uri="{FF2B5EF4-FFF2-40B4-BE49-F238E27FC236}">
+                <a16:creationId xmlns:a16="http://schemas.microsoft.com/office/drawing/2014/main" id="{507FF455-FF39-D3F3-7F4E-C349B9AD1FD4}"/>
+              </a:ext>
+            </a:extLst>
+          </p:cNvPr>
+          <p:cNvCxnSpPr>
+            <a:cxnSpLocks/>
+            <a:stCxn id="231" idx="1"/>
+            <a:endCxn id="239" idx="2"/>
+          </p:cNvCxnSpPr>
+          <p:nvPr/>
+        </p:nvCxnSpPr>
+        <p:spPr>
+          <a:xfrm rot="10800000">
+            <a:off x="4268268" y="7183247"/>
+            <a:ext cx="658267" cy="418009"/>
+          </a:xfrm>
+          <a:prstGeom prst="bentConnector2">
+            <a:avLst/>
+          </a:prstGeom>
+          <a:ln>
+            <a:solidFill>
+              <a:schemeClr val="accent4">
+                <a:lumMod val="75000"/>
+              </a:schemeClr>
+            </a:solidFill>
+            <a:headEnd type="triangle"/>
+            <a:tailEnd type="triangle"/>
+          </a:ln>
+        </p:spPr>
+        <p:style>
+          <a:lnRef idx="2">
+            <a:schemeClr val="accent1"/>
+          </a:lnRef>
+          <a:fillRef idx="0">
+            <a:schemeClr val="accent1"/>
+          </a:fillRef>
+          <a:effectRef idx="1">
+            <a:schemeClr val="accent1"/>
+          </a:effectRef>
+          <a:fontRef idx="minor">
+            <a:schemeClr val="tx1"/>
+          </a:fontRef>
+        </p:style>
+      </p:cxnSp>
+      <p:grpSp>
+        <p:nvGrpSpPr>
+          <p:cNvPr id="271" name="Grupo 270">
+            <a:extLst>
+              <a:ext uri="{FF2B5EF4-FFF2-40B4-BE49-F238E27FC236}">
+                <a16:creationId xmlns:a16="http://schemas.microsoft.com/office/drawing/2014/main" id="{22EAF514-D1F9-0F9F-CE23-4F36581DECDF}"/>
+              </a:ext>
+            </a:extLst>
+          </p:cNvPr>
+          <p:cNvGrpSpPr/>
+          <p:nvPr/>
+        </p:nvGrpSpPr>
+        <p:grpSpPr>
+          <a:xfrm>
+            <a:off x="318528" y="5677306"/>
+            <a:ext cx="1926771" cy="1292455"/>
+            <a:chOff x="-2079171" y="3738604"/>
+            <a:chExt cx="1926771" cy="1292455"/>
+          </a:xfrm>
+        </p:grpSpPr>
+        <p:grpSp>
+          <p:nvGrpSpPr>
+            <p:cNvPr id="272" name="Grupo 271">
+              <a:extLst>
+                <a:ext uri="{FF2B5EF4-FFF2-40B4-BE49-F238E27FC236}">
+                  <a16:creationId xmlns:a16="http://schemas.microsoft.com/office/drawing/2014/main" id="{817A620F-ABE3-E391-D99F-0CE12D3C3F18}"/>
+                </a:ext>
+              </a:extLst>
+            </p:cNvPr>
+            <p:cNvGrpSpPr/>
+            <p:nvPr/>
+          </p:nvGrpSpPr>
+          <p:grpSpPr>
+            <a:xfrm>
+              <a:off x="-2079171" y="3738604"/>
+              <a:ext cx="1926771" cy="1292455"/>
+              <a:chOff x="587829" y="1071603"/>
+              <a:chExt cx="1926771" cy="1292455"/>
+            </a:xfrm>
+          </p:grpSpPr>
+          <p:sp>
+            <p:nvSpPr>
+              <p:cNvPr id="279" name="Rectángulo: esquinas redondeadas 278">
+                <a:extLst>
+                  <a:ext uri="{FF2B5EF4-FFF2-40B4-BE49-F238E27FC236}">
+                    <a16:creationId xmlns:a16="http://schemas.microsoft.com/office/drawing/2014/main" id="{507C2C2D-8427-8FFB-824C-97AEDF0C0FBB}"/>
+                  </a:ext>
+                </a:extLst>
+              </p:cNvPr>
+              <p:cNvSpPr/>
+              <p:nvPr/>
+            </p:nvSpPr>
+            <p:spPr>
+              <a:xfrm>
+                <a:off x="587829" y="1071603"/>
+                <a:ext cx="1926771" cy="1260000"/>
+              </a:xfrm>
+              <a:prstGeom prst="roundRect">
+                <a:avLst/>
+              </a:prstGeom>
+              <a:solidFill>
+                <a:schemeClr val="bg1"/>
+              </a:solidFill>
+              <a:ln>
+                <a:noFill/>
+              </a:ln>
+            </p:spPr>
+            <p:style>
+              <a:lnRef idx="2">
+                <a:schemeClr val="accent1">
+                  <a:shade val="15000"/>
+                </a:schemeClr>
+              </a:lnRef>
+              <a:fillRef idx="1">
+                <a:schemeClr val="accent1"/>
+              </a:fillRef>
+              <a:effectRef idx="0">
+                <a:schemeClr val="accent1"/>
+              </a:effectRef>
+              <a:fontRef idx="minor">
+                <a:schemeClr val="lt1"/>
+              </a:fontRef>
+            </p:style>
+            <p:txBody>
+              <a:bodyPr rtlCol="0" anchor="ctr"/>
+              <a:lstStyle/>
+              <a:p>
+                <a:pPr algn="ctr"/>
+                <a:endParaRPr lang="es-AR" dirty="0"/>
+              </a:p>
+            </p:txBody>
+          </p:sp>
+          <p:sp>
+            <p:nvSpPr>
+              <p:cNvPr id="280" name="Rectángulo 279">
+                <a:extLst>
+                  <a:ext uri="{FF2B5EF4-FFF2-40B4-BE49-F238E27FC236}">
+                    <a16:creationId xmlns:a16="http://schemas.microsoft.com/office/drawing/2014/main" id="{2F7BA025-8E74-7A58-C37C-5F7D03A6E6AB}"/>
+                  </a:ext>
+                </a:extLst>
+              </p:cNvPr>
+              <p:cNvSpPr/>
+              <p:nvPr/>
+            </p:nvSpPr>
+            <p:spPr>
+              <a:xfrm>
+                <a:off x="587829" y="2176799"/>
+                <a:ext cx="1926771" cy="187259"/>
+              </a:xfrm>
+              <a:prstGeom prst="rect">
+                <a:avLst/>
+              </a:prstGeom>
+              <a:solidFill>
+                <a:schemeClr val="bg1">
+                  <a:lumMod val="95000"/>
+                </a:schemeClr>
+              </a:solidFill>
+              <a:ln>
+                <a:noFill/>
+              </a:ln>
+            </p:spPr>
+            <p:style>
+              <a:lnRef idx="2">
+                <a:schemeClr val="accent1">
+                  <a:shade val="15000"/>
+                </a:schemeClr>
+              </a:lnRef>
+              <a:fillRef idx="1">
+                <a:schemeClr val="accent1"/>
+              </a:fillRef>
+              <a:effectRef idx="0">
+                <a:schemeClr val="accent1"/>
+              </a:effectRef>
+              <a:fontRef idx="minor">
+                <a:schemeClr val="lt1"/>
+              </a:fontRef>
+            </p:style>
+            <p:txBody>
+              <a:bodyPr rtlCol="0" anchor="ctr"/>
+              <a:lstStyle/>
+              <a:p>
+                <a:r>
+                  <a:rPr lang="es-AR" sz="1100" dirty="0">
+                    <a:solidFill>
+                      <a:schemeClr val="tx1">
+                        <a:lumMod val="85000"/>
+                        <a:lumOff val="15000"/>
+                      </a:schemeClr>
+                    </a:solidFill>
+                  </a:rPr>
+                  <a:t>Cultivo</a:t>
+                </a:r>
+              </a:p>
+            </p:txBody>
+          </p:sp>
+        </p:grpSp>
+        <p:pic>
+          <p:nvPicPr>
+            <p:cNvPr id="273" name="Imagen 272">
+              <a:extLst>
+                <a:ext uri="{FF2B5EF4-FFF2-40B4-BE49-F238E27FC236}">
+                  <a16:creationId xmlns:a16="http://schemas.microsoft.com/office/drawing/2014/main" id="{A19FFE33-AE32-F95E-30DB-7132233D2EAF}"/>
+                </a:ext>
+              </a:extLst>
+            </p:cNvPr>
+            <p:cNvPicPr>
+              <a:picLocks noChangeAspect="1"/>
+            </p:cNvPicPr>
+            <p:nvPr/>
+          </p:nvPicPr>
+          <p:blipFill>
+            <a:blip r:embed="rId3">
+              <a:clrChange>
+                <a:clrFrom>
+                  <a:srgbClr val="FFFFFF"/>
+                </a:clrFrom>
+                <a:clrTo>
+                  <a:srgbClr val="FFFFFF">
+                    <a:alpha val="0"/>
+                  </a:srgbClr>
+                </a:clrTo>
+              </a:clrChange>
+            </a:blip>
+            <a:stretch>
+              <a:fillRect/>
+            </a:stretch>
+          </p:blipFill>
+          <p:spPr>
+            <a:xfrm>
+              <a:off x="-921363" y="4142407"/>
+              <a:ext cx="540000" cy="262755"/>
+            </a:xfrm>
+            <a:prstGeom prst="rect">
+              <a:avLst/>
+            </a:prstGeom>
+          </p:spPr>
+        </p:pic>
+        <p:pic>
+          <p:nvPicPr>
+            <p:cNvPr id="274" name="Imagen 273">
+              <a:extLst>
+                <a:ext uri="{FF2B5EF4-FFF2-40B4-BE49-F238E27FC236}">
+                  <a16:creationId xmlns:a16="http://schemas.microsoft.com/office/drawing/2014/main" id="{6089EFD4-4BF9-6940-A7AE-101605C1D09F}"/>
+                </a:ext>
+              </a:extLst>
+            </p:cNvPr>
+            <p:cNvPicPr>
+              <a:picLocks noChangeAspect="1"/>
+            </p:cNvPicPr>
+            <p:nvPr/>
+          </p:nvPicPr>
+          <p:blipFill>
+            <a:blip r:embed="rId4">
+              <a:clrChange>
+                <a:clrFrom>
+                  <a:srgbClr val="FFFFFF"/>
+                </a:clrFrom>
+                <a:clrTo>
+                  <a:srgbClr val="FFFFFF">
+                    <a:alpha val="0"/>
+                  </a:srgbClr>
+                </a:clrTo>
+              </a:clrChange>
+            </a:blip>
+            <a:stretch>
+              <a:fillRect/>
+            </a:stretch>
+          </p:blipFill>
+          <p:spPr>
+            <a:xfrm>
+              <a:off x="-1927706" y="3818059"/>
+              <a:ext cx="432000" cy="356021"/>
+            </a:xfrm>
+            <a:prstGeom prst="rect">
+              <a:avLst/>
+            </a:prstGeom>
+          </p:spPr>
+        </p:pic>
+        <p:cxnSp>
+          <p:nvCxnSpPr>
+            <p:cNvPr id="275" name="Conector: angular 274">
+              <a:extLst>
+                <a:ext uri="{FF2B5EF4-FFF2-40B4-BE49-F238E27FC236}">
+                  <a16:creationId xmlns:a16="http://schemas.microsoft.com/office/drawing/2014/main" id="{E2848DF1-B4E0-49F8-0E8E-9C1947F6FAC5}"/>
+                </a:ext>
+              </a:extLst>
+            </p:cNvPr>
+            <p:cNvCxnSpPr>
+              <a:cxnSpLocks/>
+              <a:stCxn id="274" idx="3"/>
+              <a:endCxn id="273" idx="1"/>
+            </p:cNvCxnSpPr>
+            <p:nvPr/>
+          </p:nvCxnSpPr>
+          <p:spPr>
+            <a:xfrm>
+              <a:off x="-1495706" y="3996070"/>
+              <a:ext cx="574343" cy="277715"/>
+            </a:xfrm>
+            <a:prstGeom prst="bentConnector3">
+              <a:avLst>
+                <a:gd name="adj1" fmla="val 50000"/>
+              </a:avLst>
+            </a:prstGeom>
+            <a:ln>
+              <a:solidFill>
+                <a:schemeClr val="accent4">
+                  <a:lumMod val="75000"/>
+                </a:schemeClr>
+              </a:solidFill>
+              <a:headEnd type="triangle"/>
+              <a:tailEnd type="triangle"/>
+            </a:ln>
+          </p:spPr>
+          <p:style>
+            <a:lnRef idx="2">
+              <a:schemeClr val="accent1"/>
+            </a:lnRef>
+            <a:fillRef idx="0">
+              <a:schemeClr val="accent1"/>
+            </a:fillRef>
+            <a:effectRef idx="1">
+              <a:schemeClr val="accent1"/>
+            </a:effectRef>
+            <a:fontRef idx="minor">
+              <a:schemeClr val="tx1"/>
+            </a:fontRef>
+          </p:style>
+        </p:cxnSp>
+        <p:sp>
+          <p:nvSpPr>
+            <p:cNvPr id="276" name="Rectángulo 275">
+              <a:extLst>
+                <a:ext uri="{FF2B5EF4-FFF2-40B4-BE49-F238E27FC236}">
+                  <a16:creationId xmlns:a16="http://schemas.microsoft.com/office/drawing/2014/main" id="{DE4D4758-3D53-7CDA-8CE2-10449FC4AFBA}"/>
+                </a:ext>
+              </a:extLst>
+            </p:cNvPr>
+            <p:cNvSpPr/>
+            <p:nvPr/>
+          </p:nvSpPr>
+          <p:spPr>
+            <a:xfrm>
+              <a:off x="-1982136" y="4213217"/>
+              <a:ext cx="523448" cy="151395"/>
+            </a:xfrm>
+            <a:prstGeom prst="rect">
+              <a:avLst/>
+            </a:prstGeom>
+            <a:noFill/>
+            <a:ln>
+              <a:noFill/>
+            </a:ln>
+          </p:spPr>
+          <p:style>
+            <a:lnRef idx="2">
+              <a:schemeClr val="accent1">
+                <a:shade val="15000"/>
+              </a:schemeClr>
+            </a:lnRef>
+            <a:fillRef idx="1">
+              <a:schemeClr val="accent1"/>
+            </a:fillRef>
+            <a:effectRef idx="0">
+              <a:schemeClr val="accent1"/>
+            </a:effectRef>
+            <a:fontRef idx="minor">
+              <a:schemeClr val="lt1"/>
+            </a:fontRef>
+          </p:style>
+          <p:txBody>
+            <a:bodyPr rtlCol="0" anchor="ctr"/>
+            <a:lstStyle/>
+            <a:p>
+              <a:pPr algn="ctr"/>
+              <a:r>
+                <a:rPr lang="es-AR" sz="1050" dirty="0">
+                  <a:solidFill>
+                    <a:schemeClr val="tx1">
+                      <a:lumMod val="85000"/>
+                      <a:lumOff val="15000"/>
+                    </a:schemeClr>
+                  </a:solidFill>
+                </a:rPr>
+                <a:t>x60</a:t>
+              </a:r>
+            </a:p>
+          </p:txBody>
+        </p:sp>
+        <p:pic>
+          <p:nvPicPr>
+            <p:cNvPr id="277" name="Imagen 276">
+              <a:extLst>
+                <a:ext uri="{FF2B5EF4-FFF2-40B4-BE49-F238E27FC236}">
+                  <a16:creationId xmlns:a16="http://schemas.microsoft.com/office/drawing/2014/main" id="{377FAC91-0D82-021E-AFE1-D1F4703E768A}"/>
+                </a:ext>
+              </a:extLst>
+            </p:cNvPr>
+            <p:cNvPicPr>
+              <a:picLocks noChangeAspect="1"/>
+            </p:cNvPicPr>
+            <p:nvPr/>
+          </p:nvPicPr>
+          <p:blipFill>
+            <a:blip r:embed="rId4">
+              <a:clrChange>
+                <a:clrFrom>
+                  <a:srgbClr val="FFFFFF"/>
+                </a:clrFrom>
+                <a:clrTo>
+                  <a:srgbClr val="FFFFFF">
+                    <a:alpha val="0"/>
+                  </a:srgbClr>
+                </a:clrTo>
+              </a:clrChange>
+            </a:blip>
+            <a:stretch>
+              <a:fillRect/>
+            </a:stretch>
+          </p:blipFill>
+          <p:spPr>
+            <a:xfrm>
+              <a:off x="-1927706" y="4404734"/>
+              <a:ext cx="432000" cy="356021"/>
+            </a:xfrm>
+            <a:prstGeom prst="rect">
+              <a:avLst/>
+            </a:prstGeom>
+          </p:spPr>
+        </p:pic>
+        <p:cxnSp>
+          <p:nvCxnSpPr>
+            <p:cNvPr id="278" name="Conector: angular 277">
+              <a:extLst>
+                <a:ext uri="{FF2B5EF4-FFF2-40B4-BE49-F238E27FC236}">
+                  <a16:creationId xmlns:a16="http://schemas.microsoft.com/office/drawing/2014/main" id="{01526157-A38C-AC9D-2F50-1B2285CDBBE3}"/>
+                </a:ext>
+              </a:extLst>
+            </p:cNvPr>
+            <p:cNvCxnSpPr>
+              <a:cxnSpLocks/>
+              <a:stCxn id="277" idx="3"/>
+              <a:endCxn id="273" idx="1"/>
+            </p:cNvCxnSpPr>
+            <p:nvPr/>
+          </p:nvCxnSpPr>
+          <p:spPr>
+            <a:xfrm flipV="1">
+              <a:off x="-1495706" y="4273785"/>
+              <a:ext cx="574343" cy="308960"/>
+            </a:xfrm>
+            <a:prstGeom prst="bentConnector3">
+              <a:avLst>
+                <a:gd name="adj1" fmla="val 50000"/>
+              </a:avLst>
+            </a:prstGeom>
+            <a:ln>
+              <a:solidFill>
+                <a:schemeClr val="accent4">
+                  <a:lumMod val="75000"/>
+                </a:schemeClr>
+              </a:solidFill>
+              <a:headEnd type="triangle"/>
+              <a:tailEnd type="triangle"/>
+            </a:ln>
+          </p:spPr>
+          <p:style>
+            <a:lnRef idx="2">
+              <a:schemeClr val="accent1"/>
+            </a:lnRef>
+            <a:fillRef idx="0">
+              <a:schemeClr val="accent1"/>
+            </a:fillRef>
+            <a:effectRef idx="1">
+              <a:schemeClr val="accent1"/>
+            </a:effectRef>
+            <a:fontRef idx="minor">
+              <a:schemeClr val="tx1"/>
+            </a:fontRef>
+          </p:style>
+        </p:cxnSp>
+      </p:grpSp>
+      <p:grpSp>
+        <p:nvGrpSpPr>
+          <p:cNvPr id="281" name="Grupo 280">
+            <a:extLst>
+              <a:ext uri="{FF2B5EF4-FFF2-40B4-BE49-F238E27FC236}">
+                <a16:creationId xmlns:a16="http://schemas.microsoft.com/office/drawing/2014/main" id="{AE5928DD-AC55-436F-D333-D352D3ADC500}"/>
+              </a:ext>
+            </a:extLst>
+          </p:cNvPr>
+          <p:cNvGrpSpPr/>
+          <p:nvPr/>
+        </p:nvGrpSpPr>
+        <p:grpSpPr>
+          <a:xfrm>
+            <a:off x="320823" y="7060693"/>
+            <a:ext cx="1926771" cy="1292455"/>
+            <a:chOff x="-2079171" y="3738604"/>
+            <a:chExt cx="1926771" cy="1292455"/>
+          </a:xfrm>
+        </p:grpSpPr>
+        <p:grpSp>
+          <p:nvGrpSpPr>
+            <p:cNvPr id="282" name="Grupo 281">
+              <a:extLst>
+                <a:ext uri="{FF2B5EF4-FFF2-40B4-BE49-F238E27FC236}">
+                  <a16:creationId xmlns:a16="http://schemas.microsoft.com/office/drawing/2014/main" id="{C82DCAA5-5B9F-D833-CB23-20BB21DEB2B1}"/>
+                </a:ext>
+              </a:extLst>
+            </p:cNvPr>
+            <p:cNvGrpSpPr/>
+            <p:nvPr/>
+          </p:nvGrpSpPr>
+          <p:grpSpPr>
+            <a:xfrm>
+              <a:off x="-2079171" y="3738604"/>
+              <a:ext cx="1926771" cy="1292455"/>
+              <a:chOff x="587829" y="1071603"/>
+              <a:chExt cx="1926771" cy="1292455"/>
+            </a:xfrm>
+          </p:grpSpPr>
+          <p:sp>
+            <p:nvSpPr>
+              <p:cNvPr id="289" name="Rectángulo: esquinas redondeadas 288">
+                <a:extLst>
+                  <a:ext uri="{FF2B5EF4-FFF2-40B4-BE49-F238E27FC236}">
+                    <a16:creationId xmlns:a16="http://schemas.microsoft.com/office/drawing/2014/main" id="{440A4A89-7BC2-C4FB-0044-AA9D128018AD}"/>
+                  </a:ext>
+                </a:extLst>
+              </p:cNvPr>
+              <p:cNvSpPr/>
+              <p:nvPr/>
+            </p:nvSpPr>
+            <p:spPr>
+              <a:xfrm>
+                <a:off x="587829" y="1071603"/>
+                <a:ext cx="1926771" cy="1260000"/>
+              </a:xfrm>
+              <a:prstGeom prst="roundRect">
+                <a:avLst/>
+              </a:prstGeom>
+              <a:solidFill>
+                <a:schemeClr val="bg1"/>
+              </a:solidFill>
+              <a:ln>
+                <a:noFill/>
+              </a:ln>
+            </p:spPr>
+            <p:style>
+              <a:lnRef idx="2">
+                <a:schemeClr val="accent1">
+                  <a:shade val="15000"/>
+                </a:schemeClr>
+              </a:lnRef>
+              <a:fillRef idx="1">
+                <a:schemeClr val="accent1"/>
+              </a:fillRef>
+              <a:effectRef idx="0">
+                <a:schemeClr val="accent1"/>
+              </a:effectRef>
+              <a:fontRef idx="minor">
+                <a:schemeClr val="lt1"/>
+              </a:fontRef>
+            </p:style>
+            <p:txBody>
+              <a:bodyPr rtlCol="0" anchor="ctr"/>
+              <a:lstStyle/>
+              <a:p>
+                <a:pPr algn="ctr"/>
+                <a:endParaRPr lang="es-AR" dirty="0"/>
+              </a:p>
+            </p:txBody>
+          </p:sp>
+          <p:sp>
+            <p:nvSpPr>
+              <p:cNvPr id="290" name="Rectángulo 289">
+                <a:extLst>
+                  <a:ext uri="{FF2B5EF4-FFF2-40B4-BE49-F238E27FC236}">
+                    <a16:creationId xmlns:a16="http://schemas.microsoft.com/office/drawing/2014/main" id="{8A59BE97-EF2F-BBD5-7A81-B05362866280}"/>
+                  </a:ext>
+                </a:extLst>
+              </p:cNvPr>
+              <p:cNvSpPr/>
+              <p:nvPr/>
+            </p:nvSpPr>
+            <p:spPr>
+              <a:xfrm>
+                <a:off x="587829" y="2176799"/>
+                <a:ext cx="1926771" cy="187259"/>
+              </a:xfrm>
+              <a:prstGeom prst="rect">
+                <a:avLst/>
+              </a:prstGeom>
+              <a:solidFill>
+                <a:schemeClr val="bg1">
+                  <a:lumMod val="95000"/>
+                </a:schemeClr>
+              </a:solidFill>
+              <a:ln>
+                <a:noFill/>
+              </a:ln>
+            </p:spPr>
+            <p:style>
+              <a:lnRef idx="2">
+                <a:schemeClr val="accent1">
+                  <a:shade val="15000"/>
+                </a:schemeClr>
+              </a:lnRef>
+              <a:fillRef idx="1">
+                <a:schemeClr val="accent1"/>
+              </a:fillRef>
+              <a:effectRef idx="0">
+                <a:schemeClr val="accent1"/>
+              </a:effectRef>
+              <a:fontRef idx="minor">
+                <a:schemeClr val="lt1"/>
+              </a:fontRef>
+            </p:style>
+            <p:txBody>
+              <a:bodyPr rtlCol="0" anchor="ctr"/>
+              <a:lstStyle/>
+              <a:p>
+                <a:r>
+                  <a:rPr lang="es-AR" sz="1100" dirty="0">
+                    <a:solidFill>
+                      <a:schemeClr val="tx1">
+                        <a:lumMod val="85000"/>
+                        <a:lumOff val="15000"/>
+                      </a:schemeClr>
+                    </a:solidFill>
+                  </a:rPr>
+                  <a:t>Energia</a:t>
+                </a:r>
+              </a:p>
+            </p:txBody>
+          </p:sp>
+        </p:grpSp>
+        <p:pic>
+          <p:nvPicPr>
+            <p:cNvPr id="283" name="Imagen 282">
+              <a:extLst>
+                <a:ext uri="{FF2B5EF4-FFF2-40B4-BE49-F238E27FC236}">
+                  <a16:creationId xmlns:a16="http://schemas.microsoft.com/office/drawing/2014/main" id="{C1390EDB-BD31-55F7-F5CA-213C16D96DE4}"/>
+                </a:ext>
+              </a:extLst>
+            </p:cNvPr>
+            <p:cNvPicPr>
+              <a:picLocks noChangeAspect="1"/>
+            </p:cNvPicPr>
+            <p:nvPr/>
+          </p:nvPicPr>
+          <p:blipFill>
+            <a:blip r:embed="rId3">
+              <a:clrChange>
+                <a:clrFrom>
+                  <a:srgbClr val="FFFFFF"/>
+                </a:clrFrom>
+                <a:clrTo>
+                  <a:srgbClr val="FFFFFF">
+                    <a:alpha val="0"/>
+                  </a:srgbClr>
+                </a:clrTo>
+              </a:clrChange>
+            </a:blip>
+            <a:stretch>
+              <a:fillRect/>
+            </a:stretch>
+          </p:blipFill>
+          <p:spPr>
+            <a:xfrm>
+              <a:off x="-921363" y="4142407"/>
+              <a:ext cx="540000" cy="262755"/>
+            </a:xfrm>
+            <a:prstGeom prst="rect">
+              <a:avLst/>
+            </a:prstGeom>
+          </p:spPr>
+        </p:pic>
+        <p:pic>
+          <p:nvPicPr>
+            <p:cNvPr id="284" name="Imagen 283">
+              <a:extLst>
+                <a:ext uri="{FF2B5EF4-FFF2-40B4-BE49-F238E27FC236}">
+                  <a16:creationId xmlns:a16="http://schemas.microsoft.com/office/drawing/2014/main" id="{3C8EEC96-EE9D-20B3-6B42-D98E3A4C11DD}"/>
+                </a:ext>
+              </a:extLst>
+            </p:cNvPr>
+            <p:cNvPicPr>
+              <a:picLocks noChangeAspect="1"/>
+            </p:cNvPicPr>
+            <p:nvPr/>
+          </p:nvPicPr>
+          <p:blipFill>
+            <a:blip r:embed="rId4">
+              <a:clrChange>
+                <a:clrFrom>
+                  <a:srgbClr val="FFFFFF"/>
+                </a:clrFrom>
+                <a:clrTo>
+                  <a:srgbClr val="FFFFFF">
+                    <a:alpha val="0"/>
+                  </a:srgbClr>
+                </a:clrTo>
+              </a:clrChange>
+            </a:blip>
+            <a:stretch>
+              <a:fillRect/>
+            </a:stretch>
+          </p:blipFill>
+          <p:spPr>
+            <a:xfrm>
+              <a:off x="-1927706" y="3818059"/>
+              <a:ext cx="432000" cy="356021"/>
+            </a:xfrm>
+            <a:prstGeom prst="rect">
+              <a:avLst/>
+            </a:prstGeom>
+          </p:spPr>
+        </p:pic>
+        <p:cxnSp>
+          <p:nvCxnSpPr>
+            <p:cNvPr id="285" name="Conector: angular 284">
+              <a:extLst>
+                <a:ext uri="{FF2B5EF4-FFF2-40B4-BE49-F238E27FC236}">
+                  <a16:creationId xmlns:a16="http://schemas.microsoft.com/office/drawing/2014/main" id="{465CD7EF-584C-0EAF-FB2D-ED417ADA4B75}"/>
+                </a:ext>
+              </a:extLst>
+            </p:cNvPr>
+            <p:cNvCxnSpPr>
+              <a:cxnSpLocks/>
+              <a:stCxn id="284" idx="3"/>
+              <a:endCxn id="283" idx="1"/>
+            </p:cNvCxnSpPr>
+            <p:nvPr/>
+          </p:nvCxnSpPr>
+          <p:spPr>
+            <a:xfrm>
+              <a:off x="-1495706" y="3996070"/>
+              <a:ext cx="574343" cy="277715"/>
+            </a:xfrm>
+            <a:prstGeom prst="bentConnector3">
+              <a:avLst>
+                <a:gd name="adj1" fmla="val 50000"/>
+              </a:avLst>
+            </a:prstGeom>
+            <a:ln>
+              <a:solidFill>
+                <a:schemeClr val="accent4">
+                  <a:lumMod val="75000"/>
+                </a:schemeClr>
+              </a:solidFill>
+              <a:headEnd type="triangle"/>
+              <a:tailEnd type="triangle"/>
+            </a:ln>
+          </p:spPr>
+          <p:style>
+            <a:lnRef idx="2">
+              <a:schemeClr val="accent1"/>
+            </a:lnRef>
+            <a:fillRef idx="0">
+              <a:schemeClr val="accent1"/>
+            </a:fillRef>
+            <a:effectRef idx="1">
+              <a:schemeClr val="accent1"/>
+            </a:effectRef>
+            <a:fontRef idx="minor">
+              <a:schemeClr val="tx1"/>
+            </a:fontRef>
+          </p:style>
+        </p:cxnSp>
+        <p:sp>
+          <p:nvSpPr>
+            <p:cNvPr id="286" name="Rectángulo 285">
+              <a:extLst>
+                <a:ext uri="{FF2B5EF4-FFF2-40B4-BE49-F238E27FC236}">
+                  <a16:creationId xmlns:a16="http://schemas.microsoft.com/office/drawing/2014/main" id="{C78A84A5-D7C3-30D9-5364-0F25879D6899}"/>
+                </a:ext>
+              </a:extLst>
+            </p:cNvPr>
+            <p:cNvSpPr/>
+            <p:nvPr/>
+          </p:nvSpPr>
+          <p:spPr>
+            <a:xfrm>
+              <a:off x="-1982136" y="4213217"/>
+              <a:ext cx="523448" cy="151395"/>
+            </a:xfrm>
+            <a:prstGeom prst="rect">
+              <a:avLst/>
+            </a:prstGeom>
+            <a:noFill/>
+            <a:ln>
+              <a:noFill/>
+            </a:ln>
+          </p:spPr>
+          <p:style>
+            <a:lnRef idx="2">
+              <a:schemeClr val="accent1">
+                <a:shade val="15000"/>
+              </a:schemeClr>
+            </a:lnRef>
+            <a:fillRef idx="1">
+              <a:schemeClr val="accent1"/>
+            </a:fillRef>
+            <a:effectRef idx="0">
+              <a:schemeClr val="accent1"/>
+            </a:effectRef>
+            <a:fontRef idx="minor">
+              <a:schemeClr val="lt1"/>
+            </a:fontRef>
+          </p:style>
+          <p:txBody>
+            <a:bodyPr rtlCol="0" anchor="ctr"/>
+            <a:lstStyle/>
+            <a:p>
+              <a:pPr algn="ctr"/>
+              <a:r>
+                <a:rPr lang="es-AR" sz="1050" dirty="0">
+                  <a:solidFill>
+                    <a:schemeClr val="tx1">
+                      <a:lumMod val="85000"/>
+                      <a:lumOff val="15000"/>
+                    </a:schemeClr>
+                  </a:solidFill>
+                </a:rPr>
+                <a:t>X40</a:t>
+              </a:r>
+            </a:p>
+          </p:txBody>
+        </p:sp>
+        <p:pic>
+          <p:nvPicPr>
+            <p:cNvPr id="287" name="Imagen 286">
+              <a:extLst>
+                <a:ext uri="{FF2B5EF4-FFF2-40B4-BE49-F238E27FC236}">
+                  <a16:creationId xmlns:a16="http://schemas.microsoft.com/office/drawing/2014/main" id="{35B146D3-1DB7-D11C-C6D5-0CC2F0C65572}"/>
+                </a:ext>
+              </a:extLst>
+            </p:cNvPr>
+            <p:cNvPicPr>
+              <a:picLocks noChangeAspect="1"/>
+            </p:cNvPicPr>
+            <p:nvPr/>
+          </p:nvPicPr>
+          <p:blipFill>
+            <a:blip r:embed="rId4">
+              <a:clrChange>
+                <a:clrFrom>
+                  <a:srgbClr val="FFFFFF"/>
+                </a:clrFrom>
+                <a:clrTo>
+                  <a:srgbClr val="FFFFFF">
+                    <a:alpha val="0"/>
+                  </a:srgbClr>
+                </a:clrTo>
+              </a:clrChange>
+            </a:blip>
+            <a:stretch>
+              <a:fillRect/>
+            </a:stretch>
+          </p:blipFill>
+          <p:spPr>
+            <a:xfrm>
+              <a:off x="-1927706" y="4404734"/>
+              <a:ext cx="432000" cy="356021"/>
+            </a:xfrm>
+            <a:prstGeom prst="rect">
+              <a:avLst/>
+            </a:prstGeom>
+          </p:spPr>
+        </p:pic>
+        <p:cxnSp>
+          <p:nvCxnSpPr>
+            <p:cNvPr id="288" name="Conector: angular 287">
+              <a:extLst>
+                <a:ext uri="{FF2B5EF4-FFF2-40B4-BE49-F238E27FC236}">
+                  <a16:creationId xmlns:a16="http://schemas.microsoft.com/office/drawing/2014/main" id="{8D6E9E92-3D90-3696-DCD2-B6A0CAB9748F}"/>
+                </a:ext>
+              </a:extLst>
+            </p:cNvPr>
+            <p:cNvCxnSpPr>
+              <a:cxnSpLocks/>
+              <a:stCxn id="287" idx="3"/>
+              <a:endCxn id="283" idx="1"/>
+            </p:cNvCxnSpPr>
+            <p:nvPr/>
+          </p:nvCxnSpPr>
+          <p:spPr>
+            <a:xfrm flipV="1">
+              <a:off x="-1495706" y="4273785"/>
+              <a:ext cx="574343" cy="308960"/>
+            </a:xfrm>
+            <a:prstGeom prst="bentConnector3">
+              <a:avLst>
+                <a:gd name="adj1" fmla="val 50000"/>
+              </a:avLst>
+            </a:prstGeom>
+            <a:ln>
+              <a:solidFill>
+                <a:schemeClr val="accent4">
+                  <a:lumMod val="75000"/>
+                </a:schemeClr>
+              </a:solidFill>
+              <a:headEnd type="triangle"/>
+              <a:tailEnd type="triangle"/>
+            </a:ln>
+          </p:spPr>
+          <p:style>
+            <a:lnRef idx="2">
+              <a:schemeClr val="accent1"/>
+            </a:lnRef>
+            <a:fillRef idx="0">
+              <a:schemeClr val="accent1"/>
+            </a:fillRef>
+            <a:effectRef idx="1">
+              <a:schemeClr val="accent1"/>
+            </a:effectRef>
+            <a:fontRef idx="minor">
+              <a:schemeClr val="tx1"/>
+            </a:fontRef>
+          </p:style>
+        </p:cxnSp>
+      </p:grpSp>
+      <p:pic>
+        <p:nvPicPr>
+          <p:cNvPr id="292" name="Imagen 291">
+            <a:extLst>
+              <a:ext uri="{FF2B5EF4-FFF2-40B4-BE49-F238E27FC236}">
+                <a16:creationId xmlns:a16="http://schemas.microsoft.com/office/drawing/2014/main" id="{B7069E86-CFB2-C8A1-13C9-07928FE7C5C8}"/>
+              </a:ext>
+            </a:extLst>
+          </p:cNvPr>
+          <p:cNvPicPr>
+            <a:picLocks noChangeAspect="1"/>
+          </p:cNvPicPr>
+          <p:nvPr/>
+        </p:nvPicPr>
+        <p:blipFill>
+          <a:blip r:embed="rId3">
+            <a:clrChange>
+              <a:clrFrom>
+                <a:srgbClr val="FFFFFF"/>
+              </a:clrFrom>
+              <a:clrTo>
+                <a:srgbClr val="FFFFFF">
+                  <a:alpha val="0"/>
+                </a:srgbClr>
+              </a:clrTo>
+            </a:clrChange>
+          </a:blip>
+          <a:stretch>
+            <a:fillRect/>
+          </a:stretch>
+        </p:blipFill>
+        <p:spPr>
+          <a:xfrm>
+            <a:off x="2399438" y="6920491"/>
+            <a:ext cx="540000" cy="262755"/>
+          </a:xfrm>
+          <a:prstGeom prst="rect">
+            <a:avLst/>
+          </a:prstGeom>
+        </p:spPr>
+      </p:pic>
+      <p:pic>
+        <p:nvPicPr>
+          <p:cNvPr id="293" name="Imagen 292">
+            <a:extLst>
+              <a:ext uri="{FF2B5EF4-FFF2-40B4-BE49-F238E27FC236}">
+                <a16:creationId xmlns:a16="http://schemas.microsoft.com/office/drawing/2014/main" id="{7CB4AFAD-E715-C32F-F19F-E28E99054C3F}"/>
+              </a:ext>
+            </a:extLst>
+          </p:cNvPr>
+          <p:cNvPicPr>
+            <a:picLocks noChangeAspect="1"/>
+          </p:cNvPicPr>
+          <p:nvPr/>
+        </p:nvPicPr>
+        <p:blipFill>
+          <a:blip r:embed="rId2">
+            <a:clrChange>
+              <a:clrFrom>
+                <a:srgbClr val="FFFFFF"/>
+              </a:clrFrom>
+              <a:clrTo>
+                <a:srgbClr val="FFFFFF">
+                  <a:alpha val="0"/>
+                </a:srgbClr>
+              </a:clrTo>
+            </a:clrChange>
+          </a:blip>
+          <a:stretch>
+            <a:fillRect/>
+          </a:stretch>
+        </p:blipFill>
+        <p:spPr>
+          <a:xfrm>
+            <a:off x="2435221" y="5764183"/>
+            <a:ext cx="468000" cy="292903"/>
+          </a:xfrm>
+          <a:prstGeom prst="rect">
+            <a:avLst/>
+          </a:prstGeom>
+        </p:spPr>
+      </p:pic>
+      <p:cxnSp>
+        <p:nvCxnSpPr>
+          <p:cNvPr id="294" name="Conector: angular 293">
+            <a:extLst>
+              <a:ext uri="{FF2B5EF4-FFF2-40B4-BE49-F238E27FC236}">
+                <a16:creationId xmlns:a16="http://schemas.microsoft.com/office/drawing/2014/main" id="{D10DA179-E2F0-D71B-B4EA-DFC8D2B3C021}"/>
+              </a:ext>
+            </a:extLst>
+          </p:cNvPr>
+          <p:cNvCxnSpPr>
+            <a:cxnSpLocks/>
+            <a:stCxn id="293" idx="3"/>
+            <a:endCxn id="25" idx="2"/>
+          </p:cNvCxnSpPr>
+          <p:nvPr/>
+        </p:nvCxnSpPr>
+        <p:spPr>
+          <a:xfrm flipV="1">
+            <a:off x="2903221" y="4554523"/>
+            <a:ext cx="515619" cy="1356112"/>
+          </a:xfrm>
+          <a:prstGeom prst="bentConnector2">
+            <a:avLst/>
+          </a:prstGeom>
+          <a:ln>
+            <a:solidFill>
+              <a:schemeClr val="accent4">
+                <a:lumMod val="75000"/>
+              </a:schemeClr>
+            </a:solidFill>
+            <a:headEnd type="triangle"/>
+            <a:tailEnd type="triangle"/>
+          </a:ln>
+        </p:spPr>
+        <p:style>
+          <a:lnRef idx="2">
+            <a:schemeClr val="accent1"/>
+          </a:lnRef>
+          <a:fillRef idx="0">
+            <a:schemeClr val="accent1"/>
+          </a:fillRef>
+          <a:effectRef idx="1">
+            <a:schemeClr val="accent1"/>
+          </a:effectRef>
+          <a:fontRef idx="minor">
+            <a:schemeClr val="tx1"/>
+          </a:fontRef>
+        </p:style>
+      </p:cxnSp>
+      <p:cxnSp>
+        <p:nvCxnSpPr>
+          <p:cNvPr id="297" name="Conector recto de flecha 296">
+            <a:extLst>
+              <a:ext uri="{FF2B5EF4-FFF2-40B4-BE49-F238E27FC236}">
+                <a16:creationId xmlns:a16="http://schemas.microsoft.com/office/drawing/2014/main" id="{CE68EF26-97D2-87E0-AD2B-8B7E2C744127}"/>
+              </a:ext>
+            </a:extLst>
+          </p:cNvPr>
+          <p:cNvCxnSpPr>
+            <a:cxnSpLocks/>
+            <a:stCxn id="292" idx="0"/>
+            <a:endCxn id="293" idx="2"/>
+          </p:cNvCxnSpPr>
+          <p:nvPr/>
+        </p:nvCxnSpPr>
+        <p:spPr>
+          <a:xfrm flipH="1" flipV="1">
+            <a:off x="2669221" y="6057086"/>
+            <a:ext cx="217" cy="863405"/>
+          </a:xfrm>
+          <a:prstGeom prst="straightConnector1">
+            <a:avLst/>
+          </a:prstGeom>
+          <a:ln>
+            <a:headEnd type="triangle"/>
+            <a:tailEnd type="triangle"/>
+          </a:ln>
+        </p:spPr>
+        <p:style>
+          <a:lnRef idx="2">
+            <a:schemeClr val="accent1"/>
+          </a:lnRef>
+          <a:fillRef idx="0">
+            <a:schemeClr val="accent1"/>
+          </a:fillRef>
+          <a:effectRef idx="1">
+            <a:schemeClr val="accent1"/>
+          </a:effectRef>
+          <a:fontRef idx="minor">
+            <a:schemeClr val="tx1"/>
+          </a:fontRef>
+        </p:style>
+      </p:cxnSp>
+      <p:cxnSp>
+        <p:nvCxnSpPr>
+          <p:cNvPr id="300" name="Conector: angular 299">
+            <a:extLst>
+              <a:ext uri="{FF2B5EF4-FFF2-40B4-BE49-F238E27FC236}">
+                <a16:creationId xmlns:a16="http://schemas.microsoft.com/office/drawing/2014/main" id="{88CAABA6-19FE-874B-289A-29F8DDC0F116}"/>
+              </a:ext>
+            </a:extLst>
+          </p:cNvPr>
+          <p:cNvCxnSpPr>
+            <a:cxnSpLocks/>
+            <a:stCxn id="283" idx="3"/>
+            <a:endCxn id="292" idx="2"/>
+          </p:cNvCxnSpPr>
+          <p:nvPr/>
+        </p:nvCxnSpPr>
+        <p:spPr>
+          <a:xfrm flipV="1">
+            <a:off x="2018631" y="7183246"/>
+            <a:ext cx="650807" cy="412628"/>
+          </a:xfrm>
+          <a:prstGeom prst="bentConnector2">
+            <a:avLst/>
+          </a:prstGeom>
+          <a:ln>
+            <a:solidFill>
+              <a:schemeClr val="accent4">
+                <a:lumMod val="75000"/>
+              </a:schemeClr>
+            </a:solidFill>
+            <a:headEnd type="triangle"/>
+            <a:tailEnd type="triangle"/>
+          </a:ln>
+        </p:spPr>
+        <p:style>
+          <a:lnRef idx="2">
+            <a:schemeClr val="accent1"/>
+          </a:lnRef>
+          <a:fillRef idx="0">
+            <a:schemeClr val="accent1"/>
+          </a:fillRef>
+          <a:effectRef idx="1">
+            <a:schemeClr val="accent1"/>
+          </a:effectRef>
+          <a:fontRef idx="minor">
+            <a:schemeClr val="tx1"/>
+          </a:fontRef>
+        </p:style>
+      </p:cxnSp>
+      <p:cxnSp>
+        <p:nvCxnSpPr>
+          <p:cNvPr id="304" name="Conector: angular 303">
+            <a:extLst>
+              <a:ext uri="{FF2B5EF4-FFF2-40B4-BE49-F238E27FC236}">
+                <a16:creationId xmlns:a16="http://schemas.microsoft.com/office/drawing/2014/main" id="{40807BCC-1C4A-63BE-950A-88B5D5F24F1E}"/>
+              </a:ext>
+            </a:extLst>
+          </p:cNvPr>
+          <p:cNvCxnSpPr>
+            <a:cxnSpLocks/>
+            <a:stCxn id="273" idx="3"/>
+            <a:endCxn id="292" idx="1"/>
+          </p:cNvCxnSpPr>
+          <p:nvPr/>
+        </p:nvCxnSpPr>
+        <p:spPr>
+          <a:xfrm>
+            <a:off x="2016336" y="6212487"/>
+            <a:ext cx="383102" cy="839382"/>
+          </a:xfrm>
+          <a:prstGeom prst="bentConnector3">
+            <a:avLst>
+              <a:gd name="adj1" fmla="val 51989"/>
+            </a:avLst>
+          </a:prstGeom>
+          <a:ln>
+            <a:solidFill>
+              <a:schemeClr val="accent4">
+                <a:lumMod val="75000"/>
+              </a:schemeClr>
+            </a:solidFill>
+            <a:headEnd type="triangle"/>
+            <a:tailEnd type="triangle"/>
+          </a:ln>
+        </p:spPr>
+        <p:style>
+          <a:lnRef idx="2">
+            <a:schemeClr val="accent1"/>
+          </a:lnRef>
+          <a:fillRef idx="0">
+            <a:schemeClr val="accent1"/>
+          </a:fillRef>
+          <a:effectRef idx="1">
+            <a:schemeClr val="accent1"/>
+          </a:effectRef>
+          <a:fontRef idx="minor">
+            <a:schemeClr val="tx1"/>
+          </a:fontRef>
+        </p:style>
+      </p:cxnSp>
     </p:spTree>
     <p:extLst>
       <p:ext uri="{BB962C8B-B14F-4D97-AF65-F5344CB8AC3E}">
-        <p14:creationId xmlns:p14="http://schemas.microsoft.com/office/powerpoint/2010/main" val="1741813983"/>
+        <p14:creationId xmlns:p14="http://schemas.microsoft.com/office/powerpoint/2010/main" val="1445993415"/>
       </p:ext>
     </p:extLst>
   </p:cSld>
@@ -4043,7 +8213,7 @@
 <file path=ppt/theme/theme1.xml><?xml version="1.0" encoding="utf-8"?>
 <a:theme xmlns:a="http://schemas.openxmlformats.org/drawingml/2006/main" name="Tema de Office">
   <a:themeElements>
-    <a:clrScheme name="Office">
+    <a:clrScheme name="Tema de Office">
       <a:dk1>
         <a:sysClr val="windowText" lastClr="000000"/>
       </a:dk1>
@@ -4081,7 +8251,7 @@
         <a:srgbClr val="96607D"/>
       </a:folHlink>
     </a:clrScheme>
-    <a:fontScheme name="Office">
+    <a:fontScheme name="Tema de Office">
       <a:majorFont>
         <a:latin typeface="Aptos Display" panose="02110004020202020204"/>
         <a:ea typeface=""/>
@@ -4187,7 +8357,7 @@
         <a:font script="Tfng" typeface="Ebrima"/>
       </a:minorFont>
     </a:fontScheme>
-    <a:fmtScheme name="Office">
+    <a:fmtScheme name="Tema de Office">
       <a:fillStyleLst>
         <a:solidFill>
           <a:schemeClr val="phClr"/>
